--- a/docs/slides/lesson_03.pptx
+++ b/docs/slides/lesson_03.pptx
@@ -5,7 +5,7 @@
     <p:sldMasterId id="2147483648" r:id="rId1"/>
   </p:sldMasterIdLst>
   <p:notesMasterIdLst>
-    <p:notesMasterId r:id="rId12"/>
+    <p:notesMasterId r:id="rId13"/>
   </p:notesMasterIdLst>
   <p:sldIdLst>
     <p:sldId id="256" r:id="rId2"/>
@@ -18,6 +18,7 @@
     <p:sldId id="263" r:id="rId9"/>
     <p:sldId id="264" r:id="rId10"/>
     <p:sldId id="265" r:id="rId11"/>
+    <p:sldId id="266" r:id="rId12"/>
   </p:sldIdLst>
   <p:sldSz cx="12192000" cy="6858000"/>
   <p:notesSz cx="6858000" cy="9144000"/>
@@ -131,6 +132,7 @@
             <p14:sldId id="263"/>
             <p14:sldId id="264"/>
             <p14:sldId id="265"/>
+            <p14:sldId id="266"/>
           </p14:sldIdLst>
         </p14:section>
       </p14:sectionLst>
@@ -3399,11 +3401,7 @@
             </a:br>
             <a:r>
               <a:rPr lang="en-US" sz="6600" dirty="0" smtClean="0"/>
-              <a:t>Lesson </a:t>
-            </a:r>
-            <a:r>
-              <a:rPr lang="en-US" sz="6600" dirty="0" smtClean="0"/>
-              <a:t>03: SPA Components</a:t>
+              <a:t>Lesson 03: SPA Components</a:t>
             </a:r>
             <a:endParaRPr lang="en-US" sz="6600" dirty="0"/>
           </a:p>
@@ -3608,6 +3606,160 @@
 </p:sld>
 </file>
 
+<file path=ppt/slides/slide11.xml><?xml version="1.0" encoding="utf-8"?>
+<p:sld xmlns:a="http://schemas.openxmlformats.org/drawingml/2006/main" xmlns:r="http://schemas.openxmlformats.org/officeDocument/2006/relationships" xmlns:p="http://schemas.openxmlformats.org/presentationml/2006/main">
+  <p:cSld>
+    <p:spTree>
+      <p:nvGrpSpPr>
+        <p:cNvPr id="1" name=""/>
+        <p:cNvGrpSpPr/>
+        <p:nvPr/>
+      </p:nvGrpSpPr>
+      <p:grpSpPr>
+        <a:xfrm>
+          <a:off x="0" y="0"/>
+          <a:ext cx="0" cy="0"/>
+          <a:chOff x="0" y="0"/>
+          <a:chExt cx="0" cy="0"/>
+        </a:xfrm>
+      </p:grpSpPr>
+      <p:sp>
+        <p:nvSpPr>
+          <p:cNvPr id="2" name="Title 1"/>
+          <p:cNvSpPr>
+            <a:spLocks noGrp="1"/>
+          </p:cNvSpPr>
+          <p:nvPr>
+            <p:ph type="title"/>
+          </p:nvPr>
+        </p:nvSpPr>
+        <p:spPr/>
+        <p:txBody>
+          <a:bodyPr/>
+          <a:lstStyle/>
+          <a:p>
+            <a:r>
+              <a:rPr lang="en-US" dirty="0" smtClean="0"/>
+              <a:t>JSX</a:t>
+            </a:r>
+            <a:endParaRPr lang="en-US" dirty="0"/>
+          </a:p>
+        </p:txBody>
+      </p:sp>
+      <p:sp>
+        <p:nvSpPr>
+          <p:cNvPr id="3" name="Content Placeholder 2"/>
+          <p:cNvSpPr>
+            <a:spLocks noGrp="1"/>
+          </p:cNvSpPr>
+          <p:nvPr>
+            <p:ph idx="1"/>
+          </p:nvPr>
+        </p:nvSpPr>
+        <p:spPr>
+          <a:xfrm>
+            <a:off x="230659" y="1825625"/>
+            <a:ext cx="11837773" cy="4847024"/>
+          </a:xfrm>
+        </p:spPr>
+        <p:txBody>
+          <a:bodyPr>
+            <a:normAutofit fontScale="92500" lnSpcReduction="10000"/>
+          </a:bodyPr>
+          <a:lstStyle/>
+          <a:p>
+            <a:r>
+              <a:rPr lang="en-US" dirty="0" smtClean="0"/>
+              <a:t>A React Component will generate HTML code via its </a:t>
+            </a:r>
+            <a:r>
+              <a:rPr lang="en-US" i="1" dirty="0" smtClean="0"/>
+              <a:t>render() </a:t>
+            </a:r>
+            <a:r>
+              <a:rPr lang="en-US" dirty="0" smtClean="0"/>
+              <a:t>function</a:t>
+            </a:r>
+          </a:p>
+          <a:p>
+            <a:r>
+              <a:rPr lang="en-US" dirty="0" smtClean="0"/>
+              <a:t>Handling HTML as JS strings is too error-prone </a:t>
+            </a:r>
+          </a:p>
+          <a:p>
+            <a:pPr lvl="1"/>
+            <a:r>
+              <a:rPr lang="en-US" dirty="0" smtClean="0"/>
+              <a:t>e.g., lack of static validation of HTML grammar</a:t>
+            </a:r>
+          </a:p>
+          <a:p>
+            <a:r>
+              <a:rPr lang="en-US" dirty="0" smtClean="0"/>
+              <a:t>JSX: a file format for React in which you can mix JS and HTML together</a:t>
+            </a:r>
+          </a:p>
+          <a:p>
+            <a:r>
+              <a:rPr lang="en-US" dirty="0" smtClean="0"/>
+              <a:t>Browsers have NO clue of JSX… you need to use Babel to transform JSX into JS</a:t>
+            </a:r>
+          </a:p>
+          <a:p>
+            <a:r>
+              <a:rPr lang="en-US" dirty="0" smtClean="0"/>
+              <a:t>Note: we will use “</a:t>
+            </a:r>
+            <a:r>
+              <a:rPr lang="en-US" i="1" dirty="0" smtClean="0"/>
+              <a:t>.</a:t>
+            </a:r>
+            <a:r>
+              <a:rPr lang="en-US" i="1" dirty="0" err="1" smtClean="0"/>
+              <a:t>jsx</a:t>
+            </a:r>
+            <a:r>
+              <a:rPr lang="en-US" dirty="0" smtClean="0"/>
+              <a:t>” suffix </a:t>
+            </a:r>
+            <a:r>
+              <a:rPr lang="en-US" smtClean="0"/>
+              <a:t>to represent </a:t>
+            </a:r>
+            <a:r>
+              <a:rPr lang="en-US" dirty="0" smtClean="0"/>
+              <a:t>JSX files…  but it is possible to use “</a:t>
+            </a:r>
+            <a:r>
+              <a:rPr lang="en-US" i="1" dirty="0" smtClean="0"/>
+              <a:t>.</a:t>
+            </a:r>
+            <a:r>
+              <a:rPr lang="en-US" i="1" dirty="0" err="1" smtClean="0"/>
+              <a:t>js</a:t>
+            </a:r>
+            <a:r>
+              <a:rPr lang="en-US" dirty="0" smtClean="0"/>
+              <a:t>” as well, although it is arguably a bad practice</a:t>
+            </a:r>
+            <a:endParaRPr lang="en-US" dirty="0"/>
+          </a:p>
+        </p:txBody>
+      </p:sp>
+    </p:spTree>
+    <p:extLst>
+      <p:ext uri="{BB962C8B-B14F-4D97-AF65-F5344CB8AC3E}">
+        <p14:creationId xmlns:p14="http://schemas.microsoft.com/office/powerpoint/2010/main" val="3416247936"/>
+      </p:ext>
+    </p:extLst>
+  </p:cSld>
+  <p:clrMapOvr>
+    <a:masterClrMapping/>
+  </p:clrMapOvr>
+</p:sld>
+</file>
+
 <file path=ppt/slides/slide2.xml><?xml version="1.0" encoding="utf-8"?>
 <p:sld xmlns:a="http://schemas.openxmlformats.org/drawingml/2006/main" xmlns:r="http://schemas.openxmlformats.org/officeDocument/2006/relationships" xmlns:p="http://schemas.openxmlformats.org/presentationml/2006/main">
   <p:cSld>
@@ -3691,7 +3843,6 @@
               <a:rPr lang="en-US" dirty="0" smtClean="0"/>
               <a:t>used</a:t>
             </a:r>
-            <a:endParaRPr lang="en-US" dirty="0" smtClean="0"/>
           </a:p>
           <a:p>
             <a:r>

--- a/docs/slides/lesson_03.pptx
+++ b/docs/slides/lesson_03.pptx
@@ -5,7 +5,7 @@
     <p:sldMasterId id="2147483648" r:id="rId1"/>
   </p:sldMasterIdLst>
   <p:notesMasterIdLst>
-    <p:notesMasterId r:id="rId13"/>
+    <p:notesMasterId r:id="rId17"/>
   </p:notesMasterIdLst>
   <p:sldIdLst>
     <p:sldId id="256" r:id="rId2"/>
@@ -19,6 +19,10 @@
     <p:sldId id="264" r:id="rId10"/>
     <p:sldId id="265" r:id="rId11"/>
     <p:sldId id="266" r:id="rId12"/>
+    <p:sldId id="267" r:id="rId13"/>
+    <p:sldId id="268" r:id="rId14"/>
+    <p:sldId id="269" r:id="rId15"/>
+    <p:sldId id="270" r:id="rId16"/>
   </p:sldIdLst>
   <p:sldSz cx="12192000" cy="6858000"/>
   <p:notesSz cx="6858000" cy="9144000"/>
@@ -133,6 +137,10 @@
             <p14:sldId id="264"/>
             <p14:sldId id="265"/>
             <p14:sldId id="266"/>
+            <p14:sldId id="267"/>
+            <p14:sldId id="268"/>
+            <p14:sldId id="269"/>
+            <p14:sldId id="270"/>
           </p14:sldIdLst>
         </p14:section>
       </p14:sectionLst>
@@ -226,7 +234,7 @@
           <a:p>
             <a:fld id="{9B5B52BA-3295-0343-9E28-A260A811DD10}" type="datetimeFigureOut">
               <a:rPr lang="en-US" smtClean="0"/>
-              <a:t>04-Jan-19</a:t>
+              <a:t>12-Dec-19</a:t>
             </a:fld>
             <a:endParaRPr lang="en-US"/>
           </a:p>
@@ -625,7 +633,7 @@
           <a:p>
             <a:fld id="{04F1D4A2-813C-F741-B481-C92B3A596030}" type="datetimeFigureOut">
               <a:rPr lang="en-US" smtClean="0"/>
-              <a:t>04-Jan-19</a:t>
+              <a:t>12-Dec-19</a:t>
             </a:fld>
             <a:endParaRPr lang="en-US"/>
           </a:p>
@@ -795,7 +803,7 @@
           <a:p>
             <a:fld id="{04F1D4A2-813C-F741-B481-C92B3A596030}" type="datetimeFigureOut">
               <a:rPr lang="en-US" smtClean="0"/>
-              <a:t>04-Jan-19</a:t>
+              <a:t>12-Dec-19</a:t>
             </a:fld>
             <a:endParaRPr lang="en-US"/>
           </a:p>
@@ -975,7 +983,7 @@
           <a:p>
             <a:fld id="{04F1D4A2-813C-F741-B481-C92B3A596030}" type="datetimeFigureOut">
               <a:rPr lang="en-US" smtClean="0"/>
-              <a:t>04-Jan-19</a:t>
+              <a:t>12-Dec-19</a:t>
             </a:fld>
             <a:endParaRPr lang="en-US"/>
           </a:p>
@@ -1156,7 +1164,7 @@
           <a:p>
             <a:fld id="{04F1D4A2-813C-F741-B481-C92B3A596030}" type="datetimeFigureOut">
               <a:rPr lang="en-US" smtClean="0"/>
-              <a:t>04-Jan-19</a:t>
+              <a:t>12-Dec-19</a:t>
             </a:fld>
             <a:endParaRPr lang="en-US"/>
           </a:p>
@@ -1402,7 +1410,7 @@
           <a:p>
             <a:fld id="{04F1D4A2-813C-F741-B481-C92B3A596030}" type="datetimeFigureOut">
               <a:rPr lang="en-US" smtClean="0"/>
-              <a:t>04-Jan-19</a:t>
+              <a:t>12-Dec-19</a:t>
             </a:fld>
             <a:endParaRPr lang="en-US"/>
           </a:p>
@@ -1634,7 +1642,7 @@
           <a:p>
             <a:fld id="{04F1D4A2-813C-F741-B481-C92B3A596030}" type="datetimeFigureOut">
               <a:rPr lang="en-US" smtClean="0"/>
-              <a:t>04-Jan-19</a:t>
+              <a:t>12-Dec-19</a:t>
             </a:fld>
             <a:endParaRPr lang="en-US"/>
           </a:p>
@@ -2001,7 +2009,7 @@
           <a:p>
             <a:fld id="{04F1D4A2-813C-F741-B481-C92B3A596030}" type="datetimeFigureOut">
               <a:rPr lang="en-US" smtClean="0"/>
-              <a:t>04-Jan-19</a:t>
+              <a:t>12-Dec-19</a:t>
             </a:fld>
             <a:endParaRPr lang="en-US"/>
           </a:p>
@@ -2119,7 +2127,7 @@
           <a:p>
             <a:fld id="{04F1D4A2-813C-F741-B481-C92B3A596030}" type="datetimeFigureOut">
               <a:rPr lang="en-US" smtClean="0"/>
-              <a:t>04-Jan-19</a:t>
+              <a:t>12-Dec-19</a:t>
             </a:fld>
             <a:endParaRPr lang="en-US"/>
           </a:p>
@@ -2214,7 +2222,7 @@
           <a:p>
             <a:fld id="{04F1D4A2-813C-F741-B481-C92B3A596030}" type="datetimeFigureOut">
               <a:rPr lang="en-US" smtClean="0"/>
-              <a:t>04-Jan-19</a:t>
+              <a:t>12-Dec-19</a:t>
             </a:fld>
             <a:endParaRPr lang="en-US"/>
           </a:p>
@@ -2491,7 +2499,7 @@
           <a:p>
             <a:fld id="{04F1D4A2-813C-F741-B481-C92B3A596030}" type="datetimeFigureOut">
               <a:rPr lang="en-US" smtClean="0"/>
-              <a:t>04-Jan-19</a:t>
+              <a:t>12-Dec-19</a:t>
             </a:fld>
             <a:endParaRPr lang="en-US"/>
           </a:p>
@@ -2744,7 +2752,7 @@
           <a:p>
             <a:fld id="{04F1D4A2-813C-F741-B481-C92B3A596030}" type="datetimeFigureOut">
               <a:rPr lang="en-US" smtClean="0"/>
-              <a:t>04-Jan-19</a:t>
+              <a:t>12-Dec-19</a:t>
             </a:fld>
             <a:endParaRPr lang="en-US"/>
           </a:p>
@@ -2957,7 +2965,7 @@
           <a:p>
             <a:fld id="{04F1D4A2-813C-F741-B481-C92B3A596030}" type="datetimeFigureOut">
               <a:rPr lang="en-US" smtClean="0"/>
-              <a:t>04-Jan-19</a:t>
+              <a:t>12-Dec-19</a:t>
             </a:fld>
             <a:endParaRPr lang="en-US"/>
           </a:p>
@@ -3696,14 +3704,38 @@
           </a:p>
           <a:p>
             <a:r>
-              <a:rPr lang="en-US" dirty="0" smtClean="0"/>
-              <a:t>JSX: a file format for React in which you can mix JS and HTML together</a:t>
-            </a:r>
-          </a:p>
-          <a:p>
-            <a:r>
-              <a:rPr lang="en-US" dirty="0" smtClean="0"/>
-              <a:t>Browsers have NO clue of JSX… you need to use Babel to transform JSX into JS</a:t>
+              <a:rPr lang="en-US" b="1" dirty="0" smtClean="0"/>
+              <a:t>JSX</a:t>
+            </a:r>
+            <a:r>
+              <a:rPr lang="en-US" dirty="0" smtClean="0"/>
+              <a:t>: a file format for </a:t>
+            </a:r>
+            <a:r>
+              <a:rPr lang="en-US" i="1" dirty="0" smtClean="0"/>
+              <a:t>React</a:t>
+            </a:r>
+            <a:r>
+              <a:rPr lang="en-US" dirty="0" smtClean="0"/>
+              <a:t> in which you can </a:t>
+            </a:r>
+            <a:r>
+              <a:rPr lang="en-US" b="1" dirty="0" smtClean="0"/>
+              <a:t>mix JS and HTML together</a:t>
+            </a:r>
+          </a:p>
+          <a:p>
+            <a:r>
+              <a:rPr lang="en-US" dirty="0" smtClean="0"/>
+              <a:t>Browsers have NO clue of JSX… you need to use </a:t>
+            </a:r>
+            <a:r>
+              <a:rPr lang="en-US" i="1" dirty="0" smtClean="0"/>
+              <a:t>Babel</a:t>
+            </a:r>
+            <a:r>
+              <a:rPr lang="en-US" dirty="0" smtClean="0"/>
+              <a:t> to transform JSX into JS</a:t>
             </a:r>
           </a:p>
           <a:p>
@@ -3721,15 +3753,7 @@
             </a:r>
             <a:r>
               <a:rPr lang="en-US" dirty="0" smtClean="0"/>
-              <a:t>” suffix </a:t>
-            </a:r>
-            <a:r>
-              <a:rPr lang="en-US" smtClean="0"/>
-              <a:t>to represent </a:t>
-            </a:r>
-            <a:r>
-              <a:rPr lang="en-US" dirty="0" smtClean="0"/>
-              <a:t>JSX files…  but it is possible to use “</a:t>
+              <a:t>” suffix to represent JSX files…  but it is possible to use “</a:t>
             </a:r>
             <a:r>
               <a:rPr lang="en-US" i="1" dirty="0" smtClean="0"/>
@@ -3751,6 +3775,779 @@
     <p:extLst>
       <p:ext uri="{BB962C8B-B14F-4D97-AF65-F5344CB8AC3E}">
         <p14:creationId xmlns:p14="http://schemas.microsoft.com/office/powerpoint/2010/main" val="3416247936"/>
+      </p:ext>
+    </p:extLst>
+  </p:cSld>
+  <p:clrMapOvr>
+    <a:masterClrMapping/>
+  </p:clrMapOvr>
+</p:sld>
+</file>
+
+<file path=ppt/slides/slide12.xml><?xml version="1.0" encoding="utf-8"?>
+<p:sld xmlns:a="http://schemas.openxmlformats.org/drawingml/2006/main" xmlns:r="http://schemas.openxmlformats.org/officeDocument/2006/relationships" xmlns:p="http://schemas.openxmlformats.org/presentationml/2006/main">
+  <p:cSld>
+    <p:spTree>
+      <p:nvGrpSpPr>
+        <p:cNvPr id="1" name=""/>
+        <p:cNvGrpSpPr/>
+        <p:nvPr/>
+      </p:nvGrpSpPr>
+      <p:grpSpPr>
+        <a:xfrm>
+          <a:off x="0" y="0"/>
+          <a:ext cx="0" cy="0"/>
+          <a:chOff x="0" y="0"/>
+          <a:chExt cx="0" cy="0"/>
+        </a:xfrm>
+      </p:grpSpPr>
+      <p:sp>
+        <p:nvSpPr>
+          <p:cNvPr id="2" name="Title 1"/>
+          <p:cNvSpPr>
+            <a:spLocks noGrp="1"/>
+          </p:cNvSpPr>
+          <p:nvPr>
+            <p:ph type="title"/>
+          </p:nvPr>
+        </p:nvSpPr>
+        <p:spPr/>
+        <p:txBody>
+          <a:bodyPr/>
+          <a:lstStyle/>
+          <a:p>
+            <a:r>
+              <a:rPr lang="en-US" i="1" dirty="0" err="1" smtClean="0"/>
+              <a:t>React.Component</a:t>
+            </a:r>
+            <a:r>
+              <a:rPr lang="en-US" dirty="0" smtClean="0"/>
+              <a:t> Class</a:t>
+            </a:r>
+            <a:endParaRPr lang="en-US" dirty="0"/>
+          </a:p>
+        </p:txBody>
+      </p:sp>
+      <p:sp>
+        <p:nvSpPr>
+          <p:cNvPr id="3" name="Content Placeholder 2"/>
+          <p:cNvSpPr>
+            <a:spLocks noGrp="1"/>
+          </p:cNvSpPr>
+          <p:nvPr>
+            <p:ph idx="1"/>
+          </p:nvPr>
+        </p:nvSpPr>
+        <p:spPr>
+          <a:xfrm>
+            <a:off x="249865" y="1825624"/>
+            <a:ext cx="11733028" cy="4915417"/>
+          </a:xfrm>
+        </p:spPr>
+        <p:txBody>
+          <a:bodyPr/>
+          <a:lstStyle/>
+          <a:p>
+            <a:r>
+              <a:rPr lang="en-US" dirty="0" err="1" smtClean="0"/>
+              <a:t>eg</a:t>
+            </a:r>
+            <a:r>
+              <a:rPr lang="en-US" dirty="0" smtClean="0"/>
+              <a:t>, “</a:t>
+            </a:r>
+            <a:r>
+              <a:rPr lang="en-US" i="1" dirty="0" smtClean="0"/>
+              <a:t>class </a:t>
+            </a:r>
+            <a:r>
+              <a:rPr lang="en-US" i="1" dirty="0"/>
+              <a:t>App extends </a:t>
+            </a:r>
+            <a:r>
+              <a:rPr lang="en-US" i="1" dirty="0" err="1" smtClean="0"/>
+              <a:t>React.Component</a:t>
+            </a:r>
+            <a:r>
+              <a:rPr lang="en-US" dirty="0" smtClean="0"/>
+              <a:t>”</a:t>
+            </a:r>
+          </a:p>
+          <a:p>
+            <a:r>
+              <a:rPr lang="en-US" b="1" dirty="0" smtClean="0"/>
+              <a:t>constructor(props)</a:t>
+            </a:r>
+          </a:p>
+          <a:p>
+            <a:pPr lvl="1"/>
+            <a:r>
+              <a:rPr lang="en-US" dirty="0" smtClean="0"/>
+              <a:t>always call </a:t>
+            </a:r>
+            <a:r>
+              <a:rPr lang="en-US" b="1" dirty="0" smtClean="0"/>
+              <a:t>super(props);</a:t>
+            </a:r>
+            <a:r>
+              <a:rPr lang="en-US" dirty="0" smtClean="0"/>
+              <a:t> </a:t>
+            </a:r>
+          </a:p>
+          <a:p>
+            <a:pPr lvl="1"/>
+            <a:r>
+              <a:rPr lang="en-US" dirty="0" smtClean="0"/>
+              <a:t>can set initial state directly with “</a:t>
+            </a:r>
+            <a:r>
+              <a:rPr lang="en-US" b="1" dirty="0" err="1" smtClean="0"/>
+              <a:t>this.state</a:t>
+            </a:r>
+            <a:r>
+              <a:rPr lang="en-US" b="1" dirty="0" smtClean="0"/>
+              <a:t> = …</a:t>
+            </a:r>
+            <a:r>
+              <a:rPr lang="en-US" dirty="0" smtClean="0"/>
+              <a:t>”</a:t>
+            </a:r>
+          </a:p>
+          <a:p>
+            <a:r>
+              <a:rPr lang="en-US" b="1" dirty="0" smtClean="0"/>
+              <a:t>render()</a:t>
+            </a:r>
+            <a:r>
+              <a:rPr lang="en-US" dirty="0" smtClean="0"/>
+              <a:t>: override to create HTML based on state and props</a:t>
+            </a:r>
+          </a:p>
+          <a:p>
+            <a:r>
+              <a:rPr lang="en-US" b="1" dirty="0" err="1" smtClean="0"/>
+              <a:t>setState</a:t>
+            </a:r>
+            <a:r>
+              <a:rPr lang="en-US" b="1" dirty="0" smtClean="0"/>
+              <a:t>(</a:t>
+            </a:r>
+            <a:r>
+              <a:rPr lang="en-US" b="1" dirty="0" err="1" smtClean="0"/>
+              <a:t>newState</a:t>
+            </a:r>
+            <a:r>
+              <a:rPr lang="en-US" b="1" dirty="0" smtClean="0"/>
+              <a:t>)</a:t>
+            </a:r>
+            <a:r>
+              <a:rPr lang="en-US" dirty="0" smtClean="0"/>
+              <a:t>: called to modify the state</a:t>
+            </a:r>
+          </a:p>
+          <a:p>
+            <a:pPr lvl="1"/>
+            <a:r>
+              <a:rPr lang="en-US" dirty="0" smtClean="0"/>
+              <a:t>the change is asynchronous, </a:t>
+            </a:r>
+            <a:r>
+              <a:rPr lang="en-US" dirty="0" err="1" smtClean="0"/>
+              <a:t>ie</a:t>
+            </a:r>
+            <a:r>
+              <a:rPr lang="en-US" dirty="0" smtClean="0"/>
+              <a:t> </a:t>
+            </a:r>
+            <a:r>
+              <a:rPr lang="en-US" b="1" dirty="0" err="1" smtClean="0"/>
+              <a:t>this.state</a:t>
+            </a:r>
+            <a:r>
+              <a:rPr lang="en-US" dirty="0" smtClean="0"/>
+              <a:t> is not modified immediately</a:t>
+            </a:r>
+          </a:p>
+          <a:p>
+            <a:pPr lvl="1"/>
+            <a:r>
+              <a:rPr lang="en-US" dirty="0" smtClean="0"/>
+              <a:t>use version </a:t>
+            </a:r>
+            <a:r>
+              <a:rPr lang="en-US" b="1" dirty="0" err="1" smtClean="0"/>
+              <a:t>setState</a:t>
+            </a:r>
+            <a:r>
+              <a:rPr lang="en-US" b="1" dirty="0" smtClean="0"/>
+              <a:t>(</a:t>
+            </a:r>
+            <a:r>
+              <a:rPr lang="en-US" b="1" dirty="0" err="1" smtClean="0"/>
+              <a:t>prev</a:t>
+            </a:r>
+            <a:r>
+              <a:rPr lang="en-US" b="1" dirty="0" smtClean="0"/>
+              <a:t> =&gt; </a:t>
+            </a:r>
+            <a:r>
+              <a:rPr lang="en-US" b="1" dirty="0" err="1" smtClean="0"/>
+              <a:t>newState</a:t>
+            </a:r>
+            <a:r>
+              <a:rPr lang="en-US" b="1" dirty="0" smtClean="0"/>
+              <a:t>)</a:t>
+            </a:r>
+            <a:r>
+              <a:rPr lang="en-US" dirty="0" smtClean="0"/>
+              <a:t> when </a:t>
+            </a:r>
+            <a:r>
+              <a:rPr lang="en-US" b="1" dirty="0" err="1" smtClean="0"/>
+              <a:t>newState</a:t>
+            </a:r>
+            <a:r>
+              <a:rPr lang="en-US" dirty="0" smtClean="0"/>
+              <a:t> is computed from the previous state, </a:t>
+            </a:r>
+            <a:r>
+              <a:rPr lang="en-US" dirty="0" err="1" smtClean="0"/>
+              <a:t>eg</a:t>
+            </a:r>
+            <a:r>
+              <a:rPr lang="en-US" dirty="0" smtClean="0"/>
+              <a:t> </a:t>
+            </a:r>
+            <a:r>
+              <a:rPr lang="en-US" b="1" dirty="0" err="1" smtClean="0"/>
+              <a:t>setState</a:t>
+            </a:r>
+            <a:r>
+              <a:rPr lang="en-US" b="1" dirty="0" smtClean="0"/>
+              <a:t>( </a:t>
+            </a:r>
+            <a:r>
+              <a:rPr lang="en-US" b="1" dirty="0" err="1" smtClean="0"/>
+              <a:t>prev</a:t>
+            </a:r>
+            <a:r>
+              <a:rPr lang="en-US" b="1" dirty="0" smtClean="0"/>
+              <a:t> =&gt; ({x: prev.x+1}))</a:t>
+            </a:r>
+          </a:p>
+          <a:p>
+            <a:endParaRPr lang="en-US" dirty="0"/>
+          </a:p>
+        </p:txBody>
+      </p:sp>
+    </p:spTree>
+    <p:extLst>
+      <p:ext uri="{BB962C8B-B14F-4D97-AF65-F5344CB8AC3E}">
+        <p14:creationId xmlns:p14="http://schemas.microsoft.com/office/powerpoint/2010/main" val="587697062"/>
+      </p:ext>
+    </p:extLst>
+  </p:cSld>
+  <p:clrMapOvr>
+    <a:masterClrMapping/>
+  </p:clrMapOvr>
+</p:sld>
+</file>
+
+<file path=ppt/slides/slide13.xml><?xml version="1.0" encoding="utf-8"?>
+<p:sld xmlns:a="http://schemas.openxmlformats.org/drawingml/2006/main" xmlns:r="http://schemas.openxmlformats.org/officeDocument/2006/relationships" xmlns:p="http://schemas.openxmlformats.org/presentationml/2006/main">
+  <p:cSld>
+    <p:spTree>
+      <p:nvGrpSpPr>
+        <p:cNvPr id="1" name=""/>
+        <p:cNvGrpSpPr/>
+        <p:nvPr/>
+      </p:nvGrpSpPr>
+      <p:grpSpPr>
+        <a:xfrm>
+          <a:off x="0" y="0"/>
+          <a:ext cx="0" cy="0"/>
+          <a:chOff x="0" y="0"/>
+          <a:chExt cx="0" cy="0"/>
+        </a:xfrm>
+      </p:grpSpPr>
+      <p:sp>
+        <p:nvSpPr>
+          <p:cNvPr id="2" name="Title 1"/>
+          <p:cNvSpPr>
+            <a:spLocks noGrp="1"/>
+          </p:cNvSpPr>
+          <p:nvPr>
+            <p:ph type="title"/>
+          </p:nvPr>
+        </p:nvSpPr>
+        <p:spPr/>
+        <p:txBody>
+          <a:bodyPr/>
+          <a:lstStyle/>
+          <a:p>
+            <a:r>
+              <a:rPr lang="en-US" dirty="0" smtClean="0"/>
+              <a:t>Lifecycle Methods</a:t>
+            </a:r>
+            <a:endParaRPr lang="en-US" dirty="0"/>
+          </a:p>
+        </p:txBody>
+      </p:sp>
+      <p:sp>
+        <p:nvSpPr>
+          <p:cNvPr id="3" name="Content Placeholder 2"/>
+          <p:cNvSpPr>
+            <a:spLocks noGrp="1"/>
+          </p:cNvSpPr>
+          <p:nvPr>
+            <p:ph idx="1"/>
+          </p:nvPr>
+        </p:nvSpPr>
+        <p:spPr>
+          <a:xfrm>
+            <a:off x="196702" y="1825624"/>
+            <a:ext cx="11881884" cy="4888835"/>
+          </a:xfrm>
+        </p:spPr>
+        <p:txBody>
+          <a:bodyPr/>
+          <a:lstStyle/>
+          <a:p>
+            <a:r>
+              <a:rPr lang="en-US" b="1" dirty="0" err="1" smtClean="0"/>
+              <a:t>componentDidMount</a:t>
+            </a:r>
+            <a:r>
+              <a:rPr lang="en-US" b="1" dirty="0" smtClean="0"/>
+              <a:t>()</a:t>
+            </a:r>
+            <a:r>
+              <a:rPr lang="en-US" dirty="0" smtClean="0"/>
+              <a:t>: override to execute code after constructor and first </a:t>
+            </a:r>
+            <a:r>
+              <a:rPr lang="en-US" b="1" dirty="0" smtClean="0"/>
+              <a:t>render()</a:t>
+            </a:r>
+            <a:r>
+              <a:rPr lang="en-US" dirty="0" smtClean="0"/>
+              <a:t> is executed</a:t>
+            </a:r>
+          </a:p>
+          <a:p>
+            <a:pPr lvl="1"/>
+            <a:r>
+              <a:rPr lang="en-US" dirty="0" smtClean="0"/>
+              <a:t>useful for expensive initialization code, </a:t>
+            </a:r>
+            <a:r>
+              <a:rPr lang="en-US" dirty="0" err="1" smtClean="0"/>
+              <a:t>eg</a:t>
+            </a:r>
+            <a:r>
+              <a:rPr lang="en-US" dirty="0" smtClean="0"/>
+              <a:t> AJAX calls to backend, which would slow down the app if done in the constructor</a:t>
+            </a:r>
+          </a:p>
+          <a:p>
+            <a:r>
+              <a:rPr lang="en-US" b="1" dirty="0" err="1"/>
+              <a:t>componentWillUnmount</a:t>
+            </a:r>
+            <a:r>
+              <a:rPr lang="en-US" b="1" dirty="0" smtClean="0"/>
+              <a:t>()</a:t>
+            </a:r>
+            <a:r>
+              <a:rPr lang="en-US" dirty="0" smtClean="0"/>
+              <a:t>: override to execute code once the component is removed from the DOM</a:t>
+            </a:r>
+          </a:p>
+          <a:p>
+            <a:r>
+              <a:rPr lang="en-US" b="1" dirty="0" err="1" smtClean="0"/>
+              <a:t>componentDidUpdate</a:t>
+            </a:r>
+            <a:r>
+              <a:rPr lang="en-US" b="1" dirty="0" smtClean="0"/>
+              <a:t>()</a:t>
+            </a:r>
+            <a:r>
+              <a:rPr lang="en-US" dirty="0" smtClean="0"/>
+              <a:t>: override to execute code after method has been re-rendered due to a state/props update</a:t>
+            </a:r>
+            <a:endParaRPr lang="en-US" dirty="0"/>
+          </a:p>
+        </p:txBody>
+      </p:sp>
+    </p:spTree>
+    <p:extLst>
+      <p:ext uri="{BB962C8B-B14F-4D97-AF65-F5344CB8AC3E}">
+        <p14:creationId xmlns:p14="http://schemas.microsoft.com/office/powerpoint/2010/main" val="3063512870"/>
+      </p:ext>
+    </p:extLst>
+  </p:cSld>
+  <p:clrMapOvr>
+    <a:masterClrMapping/>
+  </p:clrMapOvr>
+</p:sld>
+</file>
+
+<file path=ppt/slides/slide14.xml><?xml version="1.0" encoding="utf-8"?>
+<p:sld xmlns:a="http://schemas.openxmlformats.org/drawingml/2006/main" xmlns:r="http://schemas.openxmlformats.org/officeDocument/2006/relationships" xmlns:p="http://schemas.openxmlformats.org/presentationml/2006/main">
+  <p:cSld>
+    <p:spTree>
+      <p:nvGrpSpPr>
+        <p:cNvPr id="1" name=""/>
+        <p:cNvGrpSpPr/>
+        <p:nvPr/>
+      </p:nvGrpSpPr>
+      <p:grpSpPr>
+        <a:xfrm>
+          <a:off x="0" y="0"/>
+          <a:ext cx="0" cy="0"/>
+          <a:chOff x="0" y="0"/>
+          <a:chExt cx="0" cy="0"/>
+        </a:xfrm>
+      </p:grpSpPr>
+      <p:sp>
+        <p:nvSpPr>
+          <p:cNvPr id="2" name="Title 1"/>
+          <p:cNvSpPr>
+            <a:spLocks noGrp="1"/>
+          </p:cNvSpPr>
+          <p:nvPr>
+            <p:ph type="title"/>
+          </p:nvPr>
+        </p:nvSpPr>
+        <p:spPr/>
+        <p:txBody>
+          <a:bodyPr/>
+          <a:lstStyle/>
+          <a:p>
+            <a:r>
+              <a:rPr lang="en-US" dirty="0" smtClean="0"/>
+              <a:t>JavaScript Woes</a:t>
+            </a:r>
+            <a:endParaRPr lang="en-US" dirty="0"/>
+          </a:p>
+        </p:txBody>
+      </p:sp>
+      <p:sp>
+        <p:nvSpPr>
+          <p:cNvPr id="3" name="Content Placeholder 2"/>
+          <p:cNvSpPr>
+            <a:spLocks noGrp="1"/>
+          </p:cNvSpPr>
+          <p:nvPr>
+            <p:ph idx="1"/>
+          </p:nvPr>
+        </p:nvSpPr>
+        <p:spPr>
+          <a:xfrm>
+            <a:off x="63795" y="1690688"/>
+            <a:ext cx="12004158" cy="5007824"/>
+          </a:xfrm>
+        </p:spPr>
+        <p:txBody>
+          <a:bodyPr>
+            <a:normAutofit/>
+          </a:bodyPr>
+          <a:lstStyle/>
+          <a:p>
+            <a:r>
+              <a:rPr lang="en-US" dirty="0" smtClean="0"/>
+              <a:t>What if </a:t>
+            </a:r>
+            <a:r>
+              <a:rPr lang="en-US" dirty="0"/>
+              <a:t>you type  </a:t>
+            </a:r>
+            <a:r>
+              <a:rPr lang="en-US" b="1" dirty="0" err="1" smtClean="0"/>
+              <a:t>componenDidMount</a:t>
+            </a:r>
+            <a:r>
+              <a:rPr lang="en-US" b="1" dirty="0" smtClean="0"/>
+              <a:t>()</a:t>
+            </a:r>
+            <a:r>
+              <a:rPr lang="en-US" dirty="0" smtClean="0"/>
+              <a:t> instead of </a:t>
+            </a:r>
+            <a:r>
+              <a:rPr lang="en-US" b="1" dirty="0" err="1"/>
+              <a:t>componentDidMount</a:t>
+            </a:r>
+            <a:r>
+              <a:rPr lang="en-US" b="1" dirty="0" smtClean="0"/>
+              <a:t>()</a:t>
+            </a:r>
+            <a:r>
+              <a:rPr lang="en-US" dirty="0" smtClean="0"/>
+              <a:t>???</a:t>
+            </a:r>
+          </a:p>
+          <a:p>
+            <a:r>
+              <a:rPr lang="en-US" dirty="0" smtClean="0"/>
+              <a:t>That would be just another method in your class that is never called, as ignored by </a:t>
+            </a:r>
+            <a:r>
+              <a:rPr lang="en-US" i="1" dirty="0" smtClean="0"/>
+              <a:t>React</a:t>
+            </a:r>
+          </a:p>
+          <a:p>
+            <a:r>
+              <a:rPr lang="en-US" dirty="0" smtClean="0"/>
+              <a:t>JS classes are just syntactic sugar… no way to specify that a method is overriding one from superclass (and throw exception if misspelled) </a:t>
+            </a:r>
+          </a:p>
+          <a:p>
+            <a:r>
+              <a:rPr lang="en-US" i="1" dirty="0" smtClean="0"/>
+              <a:t>Happy debugging!!!</a:t>
+            </a:r>
+          </a:p>
+          <a:p>
+            <a:pPr lvl="1"/>
+            <a:r>
+              <a:rPr lang="en-US" dirty="0"/>
+              <a:t>s</a:t>
+            </a:r>
+            <a:r>
+              <a:rPr lang="en-US" dirty="0" smtClean="0"/>
+              <a:t>ome IDEs like </a:t>
+            </a:r>
+            <a:r>
+              <a:rPr lang="en-US" i="1" dirty="0" err="1" smtClean="0"/>
+              <a:t>WebStorm</a:t>
+            </a:r>
+            <a:r>
+              <a:rPr lang="en-US" dirty="0" smtClean="0"/>
+              <a:t> can issue warning if a method is never used…</a:t>
+            </a:r>
+            <a:endParaRPr lang="en-US" dirty="0"/>
+          </a:p>
+        </p:txBody>
+      </p:sp>
+      <p:pic>
+        <p:nvPicPr>
+          <p:cNvPr id="1026" name="Picture 2" descr="Image result for self flagellation"/>
+          <p:cNvPicPr>
+            <a:picLocks noChangeAspect="1" noChangeArrowheads="1"/>
+          </p:cNvPicPr>
+          <p:nvPr/>
+        </p:nvPicPr>
+        <p:blipFill>
+          <a:blip r:embed="rId2">
+            <a:extLst>
+              <a:ext uri="{28A0092B-C50C-407E-A947-70E740481C1C}">
+                <a14:useLocalDpi xmlns:a14="http://schemas.microsoft.com/office/drawing/2010/main" val="0"/>
+              </a:ext>
+            </a:extLst>
+          </a:blip>
+          <a:srcRect/>
+          <a:stretch>
+            <a:fillRect/>
+          </a:stretch>
+        </p:blipFill>
+        <p:spPr bwMode="auto">
+          <a:xfrm>
+            <a:off x="8896498" y="137226"/>
+            <a:ext cx="3171455" cy="1521959"/>
+          </a:xfrm>
+          <a:prstGeom prst="rect">
+            <a:avLst/>
+          </a:prstGeom>
+          <a:noFill/>
+          <a:extLst>
+            <a:ext uri="{909E8E84-426E-40DD-AFC4-6F175D3DCCD1}">
+              <a14:hiddenFill xmlns:a14="http://schemas.microsoft.com/office/drawing/2010/main">
+                <a:solidFill>
+                  <a:srgbClr val="FFFFFF"/>
+                </a:solidFill>
+              </a14:hiddenFill>
+            </a:ext>
+          </a:extLst>
+        </p:spPr>
+      </p:pic>
+    </p:spTree>
+    <p:extLst>
+      <p:ext uri="{BB962C8B-B14F-4D97-AF65-F5344CB8AC3E}">
+        <p14:creationId xmlns:p14="http://schemas.microsoft.com/office/powerpoint/2010/main" val="925237597"/>
+      </p:ext>
+    </p:extLst>
+  </p:cSld>
+  <p:clrMapOvr>
+    <a:masterClrMapping/>
+  </p:clrMapOvr>
+</p:sld>
+</file>
+
+<file path=ppt/slides/slide15.xml><?xml version="1.0" encoding="utf-8"?>
+<p:sld xmlns:a="http://schemas.openxmlformats.org/drawingml/2006/main" xmlns:r="http://schemas.openxmlformats.org/officeDocument/2006/relationships" xmlns:p="http://schemas.openxmlformats.org/presentationml/2006/main">
+  <p:cSld>
+    <p:spTree>
+      <p:nvGrpSpPr>
+        <p:cNvPr id="1" name=""/>
+        <p:cNvGrpSpPr/>
+        <p:nvPr/>
+      </p:nvGrpSpPr>
+      <p:grpSpPr>
+        <a:xfrm>
+          <a:off x="0" y="0"/>
+          <a:ext cx="0" cy="0"/>
+          <a:chOff x="0" y="0"/>
+          <a:chExt cx="0" cy="0"/>
+        </a:xfrm>
+      </p:grpSpPr>
+      <p:sp>
+        <p:nvSpPr>
+          <p:cNvPr id="2" name="Title 1"/>
+          <p:cNvSpPr>
+            <a:spLocks noGrp="1"/>
+          </p:cNvSpPr>
+          <p:nvPr>
+            <p:ph type="title"/>
+          </p:nvPr>
+        </p:nvSpPr>
+        <p:spPr/>
+        <p:txBody>
+          <a:bodyPr/>
+          <a:lstStyle/>
+          <a:p>
+            <a:r>
+              <a:rPr lang="en-US" dirty="0" smtClean="0"/>
+              <a:t>React Hooks</a:t>
+            </a:r>
+            <a:endParaRPr lang="en-US" dirty="0"/>
+          </a:p>
+        </p:txBody>
+      </p:sp>
+      <p:sp>
+        <p:nvSpPr>
+          <p:cNvPr id="3" name="Content Placeholder 2"/>
+          <p:cNvSpPr>
+            <a:spLocks noGrp="1"/>
+          </p:cNvSpPr>
+          <p:nvPr>
+            <p:ph idx="1"/>
+          </p:nvPr>
+        </p:nvSpPr>
+        <p:spPr>
+          <a:xfrm>
+            <a:off x="202019" y="1825624"/>
+            <a:ext cx="11807455" cy="4920734"/>
+          </a:xfrm>
+        </p:spPr>
+        <p:txBody>
+          <a:bodyPr/>
+          <a:lstStyle/>
+          <a:p>
+            <a:r>
+              <a:rPr lang="en-US" i="1" dirty="0" smtClean="0"/>
+              <a:t>Hooks</a:t>
+            </a:r>
+            <a:r>
+              <a:rPr lang="en-US" dirty="0" smtClean="0"/>
+              <a:t> were introduced later than class components (2019)</a:t>
+            </a:r>
+          </a:p>
+          <a:p>
+            <a:r>
+              <a:rPr lang="en-US" dirty="0" smtClean="0"/>
+              <a:t>Enable to write components as </a:t>
+            </a:r>
+            <a:r>
+              <a:rPr lang="en-US" i="1" dirty="0" smtClean="0"/>
+              <a:t>functions with state</a:t>
+            </a:r>
+          </a:p>
+          <a:p>
+            <a:r>
+              <a:rPr lang="en-US" dirty="0" smtClean="0"/>
+              <a:t>Have some advantages, </a:t>
+            </a:r>
+            <a:r>
+              <a:rPr lang="en-US" dirty="0" err="1" smtClean="0"/>
+              <a:t>eg</a:t>
+            </a:r>
+            <a:r>
+              <a:rPr lang="en-US" dirty="0" smtClean="0"/>
+              <a:t> when need to re-use </a:t>
+            </a:r>
+            <a:r>
+              <a:rPr lang="en-US" dirty="0" err="1" smtClean="0"/>
+              <a:t>stateful</a:t>
+            </a:r>
+            <a:r>
+              <a:rPr lang="en-US" dirty="0" smtClean="0"/>
+              <a:t> logic</a:t>
+            </a:r>
+          </a:p>
+          <a:p>
+            <a:r>
+              <a:rPr lang="en-US" i="1" dirty="0" smtClean="0"/>
+              <a:t>Hooks</a:t>
+            </a:r>
+            <a:r>
+              <a:rPr lang="en-US" dirty="0" smtClean="0"/>
+              <a:t> are currently  the recommended approach to write </a:t>
+            </a:r>
+            <a:r>
+              <a:rPr lang="en-US" i="1" dirty="0" smtClean="0"/>
+              <a:t>React</a:t>
+            </a:r>
+            <a:r>
+              <a:rPr lang="en-US" dirty="0" smtClean="0"/>
+              <a:t> components</a:t>
+            </a:r>
+          </a:p>
+          <a:p>
+            <a:r>
+              <a:rPr lang="en-US" dirty="0" smtClean="0"/>
+              <a:t>But I prefer classes…</a:t>
+            </a:r>
+          </a:p>
+          <a:p>
+            <a:r>
+              <a:rPr lang="en-US" dirty="0" smtClean="0"/>
+              <a:t>We </a:t>
+            </a:r>
+            <a:r>
+              <a:rPr lang="en-US" dirty="0" err="1" smtClean="0"/>
+              <a:t>ll</a:t>
+            </a:r>
+            <a:r>
+              <a:rPr lang="en-US" dirty="0" smtClean="0"/>
+              <a:t> see </a:t>
+            </a:r>
+            <a:r>
+              <a:rPr lang="en-US" i="1" dirty="0" smtClean="0"/>
+              <a:t>Hooks</a:t>
+            </a:r>
+            <a:r>
+              <a:rPr lang="en-US" dirty="0" smtClean="0"/>
+              <a:t> just in this class, but you can use them (</a:t>
+            </a:r>
+            <a:r>
+              <a:rPr lang="en-US" dirty="0" err="1" smtClean="0"/>
+              <a:t>eg</a:t>
+            </a:r>
+            <a:r>
+              <a:rPr lang="en-US" dirty="0" smtClean="0"/>
+              <a:t> in exam) if you prefer them</a:t>
+            </a:r>
+            <a:endParaRPr lang="en-US" dirty="0"/>
+          </a:p>
+        </p:txBody>
+      </p:sp>
+    </p:spTree>
+    <p:extLst>
+      <p:ext uri="{BB962C8B-B14F-4D97-AF65-F5344CB8AC3E}">
+        <p14:creationId xmlns:p14="http://schemas.microsoft.com/office/powerpoint/2010/main" val="594308498"/>
       </p:ext>
     </p:extLst>
   </p:cSld>
@@ -3825,8 +4622,12 @@
               <a:t>Learn the main concepts behind </a:t>
             </a:r>
             <a:r>
+              <a:rPr lang="en-US" i="1" dirty="0"/>
+              <a:t>Single-Page-Applications</a:t>
+            </a:r>
+            <a:r>
               <a:rPr lang="en-US" dirty="0"/>
-              <a:t>Single-Page-Applications (SPA)</a:t>
+              <a:t> (SPA)</a:t>
             </a:r>
             <a:endParaRPr lang="en-US" dirty="0" smtClean="0"/>
           </a:p>
@@ -4787,7 +5588,15 @@
           <a:p>
             <a:r>
               <a:rPr lang="en-US" dirty="0" smtClean="0"/>
-              <a:t>We just change the state of the component, and React will automatically re-render what needed</a:t>
+              <a:t>We just change the state of the component, and </a:t>
+            </a:r>
+            <a:r>
+              <a:rPr lang="en-US" i="1" dirty="0" smtClean="0"/>
+              <a:t>React</a:t>
+            </a:r>
+            <a:r>
+              <a:rPr lang="en-US" dirty="0" smtClean="0"/>
+              <a:t> will automatically re-render what needed</a:t>
             </a:r>
             <a:endParaRPr lang="en-US" dirty="0"/>
           </a:p>

--- a/docs/slides/lesson_03.pptx
+++ b/docs/slides/lesson_03.pptx
@@ -5,7 +5,7 @@
     <p:sldMasterId id="2147483648" r:id="rId1"/>
   </p:sldMasterIdLst>
   <p:notesMasterIdLst>
-    <p:notesMasterId r:id="rId17"/>
+    <p:notesMasterId r:id="rId18"/>
   </p:notesMasterIdLst>
   <p:sldIdLst>
     <p:sldId id="256" r:id="rId2"/>
@@ -19,10 +19,11 @@
     <p:sldId id="264" r:id="rId10"/>
     <p:sldId id="265" r:id="rId11"/>
     <p:sldId id="266" r:id="rId12"/>
-    <p:sldId id="267" r:id="rId13"/>
-    <p:sldId id="268" r:id="rId14"/>
-    <p:sldId id="269" r:id="rId15"/>
-    <p:sldId id="270" r:id="rId16"/>
+    <p:sldId id="271" r:id="rId13"/>
+    <p:sldId id="267" r:id="rId14"/>
+    <p:sldId id="268" r:id="rId15"/>
+    <p:sldId id="269" r:id="rId16"/>
+    <p:sldId id="270" r:id="rId17"/>
   </p:sldIdLst>
   <p:sldSz cx="12192000" cy="6858000"/>
   <p:notesSz cx="6858000" cy="9144000"/>
@@ -137,6 +138,7 @@
             <p14:sldId id="264"/>
             <p14:sldId id="265"/>
             <p14:sldId id="266"/>
+            <p14:sldId id="271"/>
             <p14:sldId id="267"/>
             <p14:sldId id="268"/>
             <p14:sldId id="269"/>
@@ -234,7 +236,7 @@
           <a:p>
             <a:fld id="{9B5B52BA-3295-0343-9E28-A260A811DD10}" type="datetimeFigureOut">
               <a:rPr lang="en-US" smtClean="0"/>
-              <a:t>12-Dec-19</a:t>
+              <a:t>29-Jan-20</a:t>
             </a:fld>
             <a:endParaRPr lang="en-US"/>
           </a:p>
@@ -633,7 +635,7 @@
           <a:p>
             <a:fld id="{04F1D4A2-813C-F741-B481-C92B3A596030}" type="datetimeFigureOut">
               <a:rPr lang="en-US" smtClean="0"/>
-              <a:t>12-Dec-19</a:t>
+              <a:t>29-Jan-20</a:t>
             </a:fld>
             <a:endParaRPr lang="en-US"/>
           </a:p>
@@ -803,7 +805,7 @@
           <a:p>
             <a:fld id="{04F1D4A2-813C-F741-B481-C92B3A596030}" type="datetimeFigureOut">
               <a:rPr lang="en-US" smtClean="0"/>
-              <a:t>12-Dec-19</a:t>
+              <a:t>29-Jan-20</a:t>
             </a:fld>
             <a:endParaRPr lang="en-US"/>
           </a:p>
@@ -983,7 +985,7 @@
           <a:p>
             <a:fld id="{04F1D4A2-813C-F741-B481-C92B3A596030}" type="datetimeFigureOut">
               <a:rPr lang="en-US" smtClean="0"/>
-              <a:t>12-Dec-19</a:t>
+              <a:t>29-Jan-20</a:t>
             </a:fld>
             <a:endParaRPr lang="en-US"/>
           </a:p>
@@ -1164,7 +1166,7 @@
           <a:p>
             <a:fld id="{04F1D4A2-813C-F741-B481-C92B3A596030}" type="datetimeFigureOut">
               <a:rPr lang="en-US" smtClean="0"/>
-              <a:t>12-Dec-19</a:t>
+              <a:t>29-Jan-20</a:t>
             </a:fld>
             <a:endParaRPr lang="en-US"/>
           </a:p>
@@ -1410,7 +1412,7 @@
           <a:p>
             <a:fld id="{04F1D4A2-813C-F741-B481-C92B3A596030}" type="datetimeFigureOut">
               <a:rPr lang="en-US" smtClean="0"/>
-              <a:t>12-Dec-19</a:t>
+              <a:t>29-Jan-20</a:t>
             </a:fld>
             <a:endParaRPr lang="en-US"/>
           </a:p>
@@ -1642,7 +1644,7 @@
           <a:p>
             <a:fld id="{04F1D4A2-813C-F741-B481-C92B3A596030}" type="datetimeFigureOut">
               <a:rPr lang="en-US" smtClean="0"/>
-              <a:t>12-Dec-19</a:t>
+              <a:t>29-Jan-20</a:t>
             </a:fld>
             <a:endParaRPr lang="en-US"/>
           </a:p>
@@ -2009,7 +2011,7 @@
           <a:p>
             <a:fld id="{04F1D4A2-813C-F741-B481-C92B3A596030}" type="datetimeFigureOut">
               <a:rPr lang="en-US" smtClean="0"/>
-              <a:t>12-Dec-19</a:t>
+              <a:t>29-Jan-20</a:t>
             </a:fld>
             <a:endParaRPr lang="en-US"/>
           </a:p>
@@ -2127,7 +2129,7 @@
           <a:p>
             <a:fld id="{04F1D4A2-813C-F741-B481-C92B3A596030}" type="datetimeFigureOut">
               <a:rPr lang="en-US" smtClean="0"/>
-              <a:t>12-Dec-19</a:t>
+              <a:t>29-Jan-20</a:t>
             </a:fld>
             <a:endParaRPr lang="en-US"/>
           </a:p>
@@ -2222,7 +2224,7 @@
           <a:p>
             <a:fld id="{04F1D4A2-813C-F741-B481-C92B3A596030}" type="datetimeFigureOut">
               <a:rPr lang="en-US" smtClean="0"/>
-              <a:t>12-Dec-19</a:t>
+              <a:t>29-Jan-20</a:t>
             </a:fld>
             <a:endParaRPr lang="en-US"/>
           </a:p>
@@ -2499,7 +2501,7 @@
           <a:p>
             <a:fld id="{04F1D4A2-813C-F741-B481-C92B3A596030}" type="datetimeFigureOut">
               <a:rPr lang="en-US" smtClean="0"/>
-              <a:t>12-Dec-19</a:t>
+              <a:t>29-Jan-20</a:t>
             </a:fld>
             <a:endParaRPr lang="en-US"/>
           </a:p>
@@ -2752,7 +2754,7 @@
           <a:p>
             <a:fld id="{04F1D4A2-813C-F741-B481-C92B3A596030}" type="datetimeFigureOut">
               <a:rPr lang="en-US" smtClean="0"/>
-              <a:t>12-Dec-19</a:t>
+              <a:t>29-Jan-20</a:t>
             </a:fld>
             <a:endParaRPr lang="en-US"/>
           </a:p>
@@ -2965,7 +2967,7 @@
           <a:p>
             <a:fld id="{04F1D4A2-813C-F741-B481-C92B3A596030}" type="datetimeFigureOut">
               <a:rPr lang="en-US" smtClean="0"/>
-              <a:t>12-Dec-19</a:t>
+              <a:t>29-Jan-20</a:t>
             </a:fld>
             <a:endParaRPr lang="en-US"/>
           </a:p>
@@ -3811,37 +3813,10 @@
             <p:ph type="title"/>
           </p:nvPr>
         </p:nvSpPr>
-        <p:spPr/>
-        <p:txBody>
-          <a:bodyPr/>
-          <a:lstStyle/>
-          <a:p>
-            <a:r>
-              <a:rPr lang="en-US" i="1" dirty="0" err="1" smtClean="0"/>
-              <a:t>React.Component</a:t>
-            </a:r>
-            <a:r>
-              <a:rPr lang="en-US" dirty="0" smtClean="0"/>
-              <a:t> Class</a:t>
-            </a:r>
-            <a:endParaRPr lang="en-US" dirty="0"/>
-          </a:p>
-        </p:txBody>
-      </p:sp>
-      <p:sp>
-        <p:nvSpPr>
-          <p:cNvPr id="3" name="Content Placeholder 2"/>
-          <p:cNvSpPr>
-            <a:spLocks noGrp="1"/>
-          </p:cNvSpPr>
-          <p:nvPr>
-            <p:ph idx="1"/>
-          </p:nvPr>
-        </p:nvSpPr>
         <p:spPr>
           <a:xfrm>
-            <a:off x="249865" y="1825624"/>
-            <a:ext cx="11733028" cy="4915417"/>
+            <a:off x="838200" y="56779"/>
+            <a:ext cx="10515600" cy="1325563"/>
           </a:xfrm>
         </p:spPr>
         <p:txBody>
@@ -3850,200 +3825,733 @@
           <a:p>
             <a:r>
               <a:rPr lang="en-US" dirty="0" err="1" smtClean="0"/>
-              <a:t>eg</a:t>
-            </a:r>
-            <a:r>
-              <a:rPr lang="en-US" dirty="0" smtClean="0"/>
-              <a:t>, “</a:t>
+              <a:t>WebPack</a:t>
+            </a:r>
+            <a:r>
+              <a:rPr lang="en-US" dirty="0" smtClean="0"/>
+              <a:t> with Babel</a:t>
+            </a:r>
+            <a:endParaRPr lang="en-US" dirty="0"/>
+          </a:p>
+        </p:txBody>
+      </p:sp>
+      <p:sp>
+        <p:nvSpPr>
+          <p:cNvPr id="3" name="Content Placeholder 2"/>
+          <p:cNvSpPr>
+            <a:spLocks noGrp="1"/>
+          </p:cNvSpPr>
+          <p:nvPr>
+            <p:ph idx="1"/>
+          </p:nvPr>
+        </p:nvSpPr>
+        <p:spPr>
+          <a:xfrm>
+            <a:off x="175437" y="1446029"/>
+            <a:ext cx="11764926" cy="1679944"/>
+          </a:xfrm>
+        </p:spPr>
+        <p:txBody>
+          <a:bodyPr>
+            <a:normAutofit lnSpcReduction="10000"/>
+          </a:bodyPr>
+          <a:lstStyle/>
+          <a:p>
+            <a:r>
+              <a:rPr lang="en-US" dirty="0" smtClean="0"/>
+              <a:t>Include libraries in </a:t>
+            </a:r>
+            <a:r>
+              <a:rPr lang="en-US" i="1" dirty="0" err="1" smtClean="0"/>
+              <a:t>devDependencies</a:t>
+            </a:r>
+            <a:r>
+              <a:rPr lang="en-US" dirty="0" smtClean="0"/>
+              <a:t> of </a:t>
+            </a:r>
+            <a:r>
+              <a:rPr lang="en-US" i="1" dirty="0" err="1" smtClean="0"/>
+              <a:t>package.json</a:t>
+            </a:r>
+            <a:endParaRPr lang="en-US" i="1" dirty="0" smtClean="0"/>
+          </a:p>
+          <a:p>
+            <a:r>
+              <a:rPr lang="en-US" dirty="0" smtClean="0"/>
+              <a:t>Need to modify </a:t>
             </a:r>
             <a:r>
               <a:rPr lang="en-US" i="1" dirty="0" smtClean="0"/>
-              <a:t>class </a:t>
-            </a:r>
-            <a:r>
-              <a:rPr lang="en-US" i="1" dirty="0"/>
-              <a:t>App extends </a:t>
+              <a:t>webpack.config.js </a:t>
+            </a:r>
+            <a:r>
+              <a:rPr lang="en-US" dirty="0" smtClean="0"/>
+              <a:t>to tell </a:t>
+            </a:r>
+            <a:r>
+              <a:rPr lang="en-US" i="1" dirty="0" smtClean="0"/>
+              <a:t>WP</a:t>
+            </a:r>
+            <a:r>
+              <a:rPr lang="en-US" dirty="0" smtClean="0"/>
+              <a:t> to use </a:t>
+            </a:r>
+            <a:r>
+              <a:rPr lang="en-US" i="1" dirty="0" smtClean="0"/>
+              <a:t>Babel</a:t>
+            </a:r>
+            <a:r>
+              <a:rPr lang="en-US" dirty="0" smtClean="0"/>
+              <a:t> on all JSX files, but not the ones under “</a:t>
             </a:r>
             <a:r>
               <a:rPr lang="en-US" i="1" dirty="0" err="1" smtClean="0"/>
-              <a:t>React.Component</a:t>
-            </a:r>
-            <a:r>
-              <a:rPr lang="en-US" dirty="0" smtClean="0"/>
-              <a:t>”</a:t>
-            </a:r>
-          </a:p>
-          <a:p>
-            <a:r>
-              <a:rPr lang="en-US" b="1" dirty="0" smtClean="0"/>
-              <a:t>constructor(props)</a:t>
-            </a:r>
-          </a:p>
-          <a:p>
-            <a:pPr lvl="1"/>
-            <a:r>
-              <a:rPr lang="en-US" dirty="0" smtClean="0"/>
-              <a:t>always call </a:t>
-            </a:r>
-            <a:r>
-              <a:rPr lang="en-US" b="1" dirty="0" smtClean="0"/>
-              <a:t>super(props);</a:t>
-            </a:r>
-            <a:r>
-              <a:rPr lang="en-US" dirty="0" smtClean="0"/>
-              <a:t> </a:t>
-            </a:r>
-          </a:p>
-          <a:p>
-            <a:pPr lvl="1"/>
-            <a:r>
-              <a:rPr lang="en-US" dirty="0" smtClean="0"/>
-              <a:t>can set initial state directly with “</a:t>
-            </a:r>
-            <a:r>
-              <a:rPr lang="en-US" b="1" dirty="0" err="1" smtClean="0"/>
-              <a:t>this.state</a:t>
-            </a:r>
-            <a:r>
-              <a:rPr lang="en-US" b="1" dirty="0" smtClean="0"/>
-              <a:t> = …</a:t>
-            </a:r>
-            <a:r>
-              <a:rPr lang="en-US" dirty="0" smtClean="0"/>
-              <a:t>”</a:t>
-            </a:r>
-          </a:p>
-          <a:p>
-            <a:r>
-              <a:rPr lang="en-US" b="1" dirty="0" smtClean="0"/>
-              <a:t>render()</a:t>
-            </a:r>
-            <a:r>
-              <a:rPr lang="en-US" dirty="0" smtClean="0"/>
-              <a:t>: override to create HTML based on state and props</a:t>
-            </a:r>
-          </a:p>
-          <a:p>
-            <a:r>
-              <a:rPr lang="en-US" b="1" dirty="0" err="1" smtClean="0"/>
-              <a:t>setState</a:t>
-            </a:r>
-            <a:r>
-              <a:rPr lang="en-US" b="1" dirty="0" smtClean="0"/>
-              <a:t>(</a:t>
-            </a:r>
-            <a:r>
-              <a:rPr lang="en-US" b="1" dirty="0" err="1" smtClean="0"/>
-              <a:t>newState</a:t>
-            </a:r>
-            <a:r>
-              <a:rPr lang="en-US" b="1" dirty="0" smtClean="0"/>
-              <a:t>)</a:t>
-            </a:r>
-            <a:r>
-              <a:rPr lang="en-US" dirty="0" smtClean="0"/>
-              <a:t>: called to modify the state</a:t>
-            </a:r>
-          </a:p>
-          <a:p>
-            <a:pPr lvl="1"/>
-            <a:r>
-              <a:rPr lang="en-US" dirty="0" smtClean="0"/>
-              <a:t>the change is asynchronous, </a:t>
-            </a:r>
-            <a:r>
-              <a:rPr lang="en-US" dirty="0" err="1" smtClean="0"/>
-              <a:t>ie</a:t>
-            </a:r>
-            <a:r>
-              <a:rPr lang="en-US" dirty="0" smtClean="0"/>
-              <a:t> </a:t>
-            </a:r>
-            <a:r>
-              <a:rPr lang="en-US" b="1" dirty="0" err="1" smtClean="0"/>
-              <a:t>this.state</a:t>
-            </a:r>
-            <a:r>
-              <a:rPr lang="en-US" dirty="0" smtClean="0"/>
-              <a:t> is not modified immediately</a:t>
-            </a:r>
-          </a:p>
-          <a:p>
-            <a:pPr lvl="1"/>
-            <a:r>
-              <a:rPr lang="en-US" dirty="0" smtClean="0"/>
-              <a:t>use version </a:t>
-            </a:r>
-            <a:r>
-              <a:rPr lang="en-US" b="1" dirty="0" err="1" smtClean="0"/>
-              <a:t>setState</a:t>
-            </a:r>
-            <a:r>
-              <a:rPr lang="en-US" b="1" dirty="0" smtClean="0"/>
-              <a:t>(</a:t>
-            </a:r>
-            <a:r>
-              <a:rPr lang="en-US" b="1" dirty="0" err="1" smtClean="0"/>
-              <a:t>prev</a:t>
-            </a:r>
-            <a:r>
-              <a:rPr lang="en-US" b="1" dirty="0" smtClean="0"/>
-              <a:t> =&gt; </a:t>
-            </a:r>
-            <a:r>
-              <a:rPr lang="en-US" b="1" dirty="0" err="1" smtClean="0"/>
-              <a:t>newState</a:t>
-            </a:r>
-            <a:r>
-              <a:rPr lang="en-US" b="1" dirty="0" smtClean="0"/>
-              <a:t>)</a:t>
-            </a:r>
-            <a:r>
-              <a:rPr lang="en-US" dirty="0" smtClean="0"/>
-              <a:t> when </a:t>
-            </a:r>
-            <a:r>
-              <a:rPr lang="en-US" b="1" dirty="0" err="1" smtClean="0"/>
-              <a:t>newState</a:t>
-            </a:r>
-            <a:r>
-              <a:rPr lang="en-US" dirty="0" smtClean="0"/>
-              <a:t> is computed from the previous state, </a:t>
-            </a:r>
-            <a:r>
-              <a:rPr lang="en-US" dirty="0" err="1" smtClean="0"/>
-              <a:t>eg</a:t>
-            </a:r>
-            <a:r>
-              <a:rPr lang="en-US" dirty="0" smtClean="0"/>
-              <a:t> </a:t>
-            </a:r>
-            <a:r>
-              <a:rPr lang="en-US" b="1" dirty="0" err="1" smtClean="0"/>
-              <a:t>setState</a:t>
-            </a:r>
-            <a:r>
-              <a:rPr lang="en-US" b="1" dirty="0" smtClean="0"/>
-              <a:t>( </a:t>
-            </a:r>
-            <a:r>
-              <a:rPr lang="en-US" b="1" dirty="0" err="1" smtClean="0"/>
-              <a:t>prev</a:t>
-            </a:r>
-            <a:r>
-              <a:rPr lang="en-US" b="1" dirty="0" smtClean="0"/>
-              <a:t> =&gt; ({x: prev.x+1}))</a:t>
-            </a:r>
-          </a:p>
-          <a:p>
-            <a:endParaRPr lang="en-US" dirty="0"/>
+              <a:t>node_modules</a:t>
+            </a:r>
+            <a:r>
+              <a:rPr lang="en-US" dirty="0" smtClean="0"/>
+              <a:t>” folder</a:t>
+            </a:r>
+            <a:endParaRPr lang="en-US" i="1" dirty="0"/>
+          </a:p>
+        </p:txBody>
+      </p:sp>
+      <p:sp>
+        <p:nvSpPr>
+          <p:cNvPr id="4" name="Rectangle 1"/>
+          <p:cNvSpPr>
+            <a:spLocks noChangeArrowheads="1"/>
+          </p:cNvSpPr>
+          <p:nvPr/>
+        </p:nvSpPr>
+        <p:spPr bwMode="auto">
+          <a:xfrm>
+            <a:off x="1823484" y="3237610"/>
+            <a:ext cx="8160488" cy="3477875"/>
+          </a:xfrm>
+          <a:prstGeom prst="rect">
+            <a:avLst/>
+          </a:prstGeom>
+          <a:solidFill>
+            <a:srgbClr val="2B2B2B"/>
+          </a:solidFill>
+          <a:ln>
+            <a:noFill/>
+          </a:ln>
+          <a:effectLst/>
+          <a:extLst>
+            <a:ext uri="{91240B29-F687-4F45-9708-019B960494DF}">
+              <a14:hiddenLine xmlns:a14="http://schemas.microsoft.com/office/drawing/2010/main" w="9525">
+                <a:solidFill>
+                  <a:schemeClr val="tx1"/>
+                </a:solidFill>
+                <a:miter lim="800000"/>
+                <a:headEnd/>
+                <a:tailEnd/>
+              </a14:hiddenLine>
+            </a:ext>
+            <a:ext uri="{AF507438-7753-43E0-B8FC-AC1667EBCBE1}">
+              <a14:hiddenEffects xmlns:a14="http://schemas.microsoft.com/office/drawing/2010/main">
+                <a:effectLst>
+                  <a:outerShdw dist="35921" dir="2700000" algn="ctr" rotWithShape="0">
+                    <a:schemeClr val="bg2"/>
+                  </a:outerShdw>
+                </a:effectLst>
+              </a14:hiddenEffects>
+            </a:ext>
+          </a:extLst>
+        </p:spPr>
+        <p:txBody>
+          <a:bodyPr vert="horz" wrap="square" lIns="91440" tIns="45720" rIns="91440" bIns="45720" numCol="1" anchor="ctr" anchorCtr="0" compatLnSpc="1">
+            <a:prstTxWarp prst="textNoShape">
+              <a:avLst/>
+            </a:prstTxWarp>
+            <a:spAutoFit/>
+          </a:bodyPr>
+          <a:lstStyle/>
+          <a:p>
+            <a:pPr marL="0" marR="0" lvl="0" indent="0" algn="l" defTabSz="914400" rtl="0" eaLnBrk="0" fontAlgn="base" latinLnBrk="0" hangingPunct="0">
+              <a:lnSpc>
+                <a:spcPct val="100000"/>
+              </a:lnSpc>
+              <a:spcBef>
+                <a:spcPct val="0"/>
+              </a:spcBef>
+              <a:spcAft>
+                <a:spcPct val="0"/>
+              </a:spcAft>
+              <a:buClrTx/>
+              <a:buSzTx/>
+              <a:buFontTx/>
+              <a:buNone/>
+              <a:tabLst/>
+            </a:pPr>
+            <a:r>
+              <a:rPr kumimoji="0" lang="en-US" altLang="en-US" sz="2000" b="0" i="0" u="none" strike="noStrike" cap="none" normalizeH="0" baseline="0" dirty="0" smtClean="0">
+                <a:ln>
+                  <a:noFill/>
+                </a:ln>
+                <a:solidFill>
+                  <a:srgbClr val="9876AA"/>
+                </a:solidFill>
+                <a:effectLst/>
+                <a:latin typeface="Consolas" panose="020B0609020204030204" pitchFamily="49" charset="0"/>
+              </a:rPr>
+              <a:t>module</a:t>
+            </a:r>
+            <a:r>
+              <a:rPr kumimoji="0" lang="en-US" altLang="en-US" sz="2000" b="0" i="0" u="none" strike="noStrike" cap="none" normalizeH="0" baseline="0" dirty="0" smtClean="0">
+                <a:ln>
+                  <a:noFill/>
+                </a:ln>
+                <a:solidFill>
+                  <a:srgbClr val="A9B7C6"/>
+                </a:solidFill>
+                <a:effectLst/>
+                <a:latin typeface="Consolas" panose="020B0609020204030204" pitchFamily="49" charset="0"/>
+              </a:rPr>
+              <a:t>: {</a:t>
+            </a:r>
+            <a:br>
+              <a:rPr kumimoji="0" lang="en-US" altLang="en-US" sz="2000" b="0" i="0" u="none" strike="noStrike" cap="none" normalizeH="0" baseline="0" dirty="0" smtClean="0">
+                <a:ln>
+                  <a:noFill/>
+                </a:ln>
+                <a:solidFill>
+                  <a:srgbClr val="A9B7C6"/>
+                </a:solidFill>
+                <a:effectLst/>
+                <a:latin typeface="Consolas" panose="020B0609020204030204" pitchFamily="49" charset="0"/>
+              </a:rPr>
+            </a:br>
+            <a:r>
+              <a:rPr kumimoji="0" lang="en-US" altLang="en-US" sz="2000" b="0" i="0" u="none" strike="noStrike" cap="none" normalizeH="0" baseline="0" dirty="0" smtClean="0">
+                <a:ln>
+                  <a:noFill/>
+                </a:ln>
+                <a:solidFill>
+                  <a:srgbClr val="A9B7C6"/>
+                </a:solidFill>
+                <a:effectLst/>
+                <a:latin typeface="Consolas" panose="020B0609020204030204" pitchFamily="49" charset="0"/>
+              </a:rPr>
+              <a:t>    </a:t>
+            </a:r>
+            <a:r>
+              <a:rPr kumimoji="0" lang="en-US" altLang="en-US" sz="2000" b="0" i="0" u="none" strike="noStrike" cap="none" normalizeH="0" baseline="0" dirty="0" smtClean="0">
+                <a:ln>
+                  <a:noFill/>
+                </a:ln>
+                <a:solidFill>
+                  <a:srgbClr val="9876AA"/>
+                </a:solidFill>
+                <a:effectLst/>
+                <a:latin typeface="Consolas" panose="020B0609020204030204" pitchFamily="49" charset="0"/>
+              </a:rPr>
+              <a:t>rules</a:t>
+            </a:r>
+            <a:r>
+              <a:rPr kumimoji="0" lang="en-US" altLang="en-US" sz="2000" b="0" i="0" u="none" strike="noStrike" cap="none" normalizeH="0" baseline="0" dirty="0" smtClean="0">
+                <a:ln>
+                  <a:noFill/>
+                </a:ln>
+                <a:solidFill>
+                  <a:srgbClr val="A9B7C6"/>
+                </a:solidFill>
+                <a:effectLst/>
+                <a:latin typeface="Consolas" panose="020B0609020204030204" pitchFamily="49" charset="0"/>
+              </a:rPr>
+              <a:t>: [</a:t>
+            </a:r>
+            <a:br>
+              <a:rPr kumimoji="0" lang="en-US" altLang="en-US" sz="2000" b="0" i="0" u="none" strike="noStrike" cap="none" normalizeH="0" baseline="0" dirty="0" smtClean="0">
+                <a:ln>
+                  <a:noFill/>
+                </a:ln>
+                <a:solidFill>
+                  <a:srgbClr val="A9B7C6"/>
+                </a:solidFill>
+                <a:effectLst/>
+                <a:latin typeface="Consolas" panose="020B0609020204030204" pitchFamily="49" charset="0"/>
+              </a:rPr>
+            </a:br>
+            <a:r>
+              <a:rPr kumimoji="0" lang="en-US" altLang="en-US" sz="2000" b="0" i="0" u="none" strike="noStrike" cap="none" normalizeH="0" baseline="0" dirty="0" smtClean="0">
+                <a:ln>
+                  <a:noFill/>
+                </a:ln>
+                <a:solidFill>
+                  <a:srgbClr val="A9B7C6"/>
+                </a:solidFill>
+                <a:effectLst/>
+                <a:latin typeface="Consolas" panose="020B0609020204030204" pitchFamily="49" charset="0"/>
+              </a:rPr>
+              <a:t>        {</a:t>
+            </a:r>
+            <a:br>
+              <a:rPr kumimoji="0" lang="en-US" altLang="en-US" sz="2000" b="0" i="0" u="none" strike="noStrike" cap="none" normalizeH="0" baseline="0" dirty="0" smtClean="0">
+                <a:ln>
+                  <a:noFill/>
+                </a:ln>
+                <a:solidFill>
+                  <a:srgbClr val="A9B7C6"/>
+                </a:solidFill>
+                <a:effectLst/>
+                <a:latin typeface="Consolas" panose="020B0609020204030204" pitchFamily="49" charset="0"/>
+              </a:rPr>
+            </a:br>
+            <a:r>
+              <a:rPr kumimoji="0" lang="en-US" altLang="en-US" sz="2000" b="0" i="0" u="none" strike="noStrike" cap="none" normalizeH="0" baseline="0" dirty="0" smtClean="0">
+                <a:ln>
+                  <a:noFill/>
+                </a:ln>
+                <a:solidFill>
+                  <a:srgbClr val="A9B7C6"/>
+                </a:solidFill>
+                <a:effectLst/>
+                <a:latin typeface="Consolas" panose="020B0609020204030204" pitchFamily="49" charset="0"/>
+              </a:rPr>
+              <a:t>            </a:t>
+            </a:r>
+            <a:r>
+              <a:rPr kumimoji="0" lang="en-US" altLang="en-US" sz="2000" b="0" i="0" u="none" strike="noStrike" cap="none" normalizeH="0" baseline="0" dirty="0" smtClean="0">
+                <a:ln>
+                  <a:noFill/>
+                </a:ln>
+                <a:solidFill>
+                  <a:srgbClr val="9876AA"/>
+                </a:solidFill>
+                <a:effectLst/>
+                <a:latin typeface="Consolas" panose="020B0609020204030204" pitchFamily="49" charset="0"/>
+              </a:rPr>
+              <a:t>test</a:t>
+            </a:r>
+            <a:r>
+              <a:rPr kumimoji="0" lang="en-US" altLang="en-US" sz="2000" b="0" i="0" u="none" strike="noStrike" cap="none" normalizeH="0" baseline="0" dirty="0" smtClean="0">
+                <a:ln>
+                  <a:noFill/>
+                </a:ln>
+                <a:solidFill>
+                  <a:srgbClr val="A9B7C6"/>
+                </a:solidFill>
+                <a:effectLst/>
+                <a:latin typeface="Consolas" panose="020B0609020204030204" pitchFamily="49" charset="0"/>
+              </a:rPr>
+              <a:t>: </a:t>
+            </a:r>
+            <a:r>
+              <a:rPr kumimoji="0" lang="en-US" altLang="en-US" sz="2000" b="0" i="0" u="none" strike="noStrike" cap="none" normalizeH="0" baseline="0" dirty="0" smtClean="0">
+                <a:ln>
+                  <a:noFill/>
+                </a:ln>
+                <a:solidFill>
+                  <a:srgbClr val="6897BB"/>
+                </a:solidFill>
+                <a:effectLst/>
+                <a:latin typeface="Consolas" panose="020B0609020204030204" pitchFamily="49" charset="0"/>
+              </a:rPr>
+              <a:t>/\.</a:t>
+            </a:r>
+            <a:r>
+              <a:rPr kumimoji="0" lang="en-US" altLang="en-US" sz="2000" b="0" i="0" u="none" strike="noStrike" cap="none" normalizeH="0" baseline="0" dirty="0" err="1" smtClean="0">
+                <a:ln>
+                  <a:noFill/>
+                </a:ln>
+                <a:solidFill>
+                  <a:srgbClr val="6897BB"/>
+                </a:solidFill>
+                <a:effectLst/>
+                <a:latin typeface="Consolas" panose="020B0609020204030204" pitchFamily="49" charset="0"/>
+              </a:rPr>
+              <a:t>jsx</a:t>
+            </a:r>
+            <a:r>
+              <a:rPr kumimoji="0" lang="en-US" altLang="en-US" sz="2000" b="0" i="0" u="none" strike="noStrike" cap="none" normalizeH="0" baseline="0" dirty="0" smtClean="0">
+                <a:ln>
+                  <a:noFill/>
+                </a:ln>
+                <a:solidFill>
+                  <a:srgbClr val="6897BB"/>
+                </a:solidFill>
+                <a:effectLst/>
+                <a:latin typeface="Consolas" panose="020B0609020204030204" pitchFamily="49" charset="0"/>
+              </a:rPr>
+              <a:t>$/</a:t>
+            </a:r>
+            <a:r>
+              <a:rPr kumimoji="0" lang="en-US" altLang="en-US" sz="2000" b="0" i="0" u="none" strike="noStrike" cap="none" normalizeH="0" baseline="0" dirty="0" smtClean="0">
+                <a:ln>
+                  <a:noFill/>
+                </a:ln>
+                <a:solidFill>
+                  <a:srgbClr val="CC7832"/>
+                </a:solidFill>
+                <a:effectLst/>
+                <a:latin typeface="Consolas" panose="020B0609020204030204" pitchFamily="49" charset="0"/>
+              </a:rPr>
+              <a:t>,</a:t>
+            </a:r>
+            <a:br>
+              <a:rPr kumimoji="0" lang="en-US" altLang="en-US" sz="2000" b="0" i="0" u="none" strike="noStrike" cap="none" normalizeH="0" baseline="0" dirty="0" smtClean="0">
+                <a:ln>
+                  <a:noFill/>
+                </a:ln>
+                <a:solidFill>
+                  <a:srgbClr val="CC7832"/>
+                </a:solidFill>
+                <a:effectLst/>
+                <a:latin typeface="Consolas" panose="020B0609020204030204" pitchFamily="49" charset="0"/>
+              </a:rPr>
+            </a:br>
+            <a:r>
+              <a:rPr kumimoji="0" lang="en-US" altLang="en-US" sz="2000" b="0" i="0" u="none" strike="noStrike" cap="none" normalizeH="0" baseline="0" dirty="0" smtClean="0">
+                <a:ln>
+                  <a:noFill/>
+                </a:ln>
+                <a:solidFill>
+                  <a:srgbClr val="CC7832"/>
+                </a:solidFill>
+                <a:effectLst/>
+                <a:latin typeface="Consolas" panose="020B0609020204030204" pitchFamily="49" charset="0"/>
+              </a:rPr>
+              <a:t>            </a:t>
+            </a:r>
+            <a:r>
+              <a:rPr kumimoji="0" lang="en-US" altLang="en-US" sz="2000" b="0" i="0" u="none" strike="noStrike" cap="none" normalizeH="0" baseline="0" dirty="0" smtClean="0">
+                <a:ln>
+                  <a:noFill/>
+                </a:ln>
+                <a:solidFill>
+                  <a:srgbClr val="9876AA"/>
+                </a:solidFill>
+                <a:effectLst/>
+                <a:latin typeface="Consolas" panose="020B0609020204030204" pitchFamily="49" charset="0"/>
+              </a:rPr>
+              <a:t>exclude</a:t>
+            </a:r>
+            <a:r>
+              <a:rPr kumimoji="0" lang="en-US" altLang="en-US" sz="2000" b="0" i="0" u="none" strike="noStrike" cap="none" normalizeH="0" baseline="0" dirty="0" smtClean="0">
+                <a:ln>
+                  <a:noFill/>
+                </a:ln>
+                <a:solidFill>
+                  <a:srgbClr val="A9B7C6"/>
+                </a:solidFill>
+                <a:effectLst/>
+                <a:latin typeface="Consolas" panose="020B0609020204030204" pitchFamily="49" charset="0"/>
+              </a:rPr>
+              <a:t>: </a:t>
+            </a:r>
+            <a:r>
+              <a:rPr kumimoji="0" lang="en-US" altLang="en-US" sz="2000" b="0" i="0" u="none" strike="noStrike" cap="none" normalizeH="0" baseline="0" dirty="0" smtClean="0">
+                <a:ln>
+                  <a:noFill/>
+                </a:ln>
+                <a:solidFill>
+                  <a:srgbClr val="6897BB"/>
+                </a:solidFill>
+                <a:effectLst/>
+                <a:latin typeface="Consolas" panose="020B0609020204030204" pitchFamily="49" charset="0"/>
+              </a:rPr>
+              <a:t>/</a:t>
+            </a:r>
+            <a:r>
+              <a:rPr kumimoji="0" lang="en-US" altLang="en-US" sz="2000" b="0" i="0" u="none" strike="noStrike" cap="none" normalizeH="0" baseline="0" dirty="0" err="1" smtClean="0">
+                <a:ln>
+                  <a:noFill/>
+                </a:ln>
+                <a:solidFill>
+                  <a:srgbClr val="6897BB"/>
+                </a:solidFill>
+                <a:effectLst/>
+                <a:latin typeface="Consolas" panose="020B0609020204030204" pitchFamily="49" charset="0"/>
+              </a:rPr>
+              <a:t>node_modules</a:t>
+            </a:r>
+            <a:r>
+              <a:rPr kumimoji="0" lang="en-US" altLang="en-US" sz="2000" b="0" i="0" u="none" strike="noStrike" cap="none" normalizeH="0" baseline="0" dirty="0" smtClean="0">
+                <a:ln>
+                  <a:noFill/>
+                </a:ln>
+                <a:solidFill>
+                  <a:srgbClr val="6897BB"/>
+                </a:solidFill>
+                <a:effectLst/>
+                <a:latin typeface="Consolas" panose="020B0609020204030204" pitchFamily="49" charset="0"/>
+              </a:rPr>
+              <a:t>/</a:t>
+            </a:r>
+            <a:r>
+              <a:rPr kumimoji="0" lang="en-US" altLang="en-US" sz="2000" b="0" i="0" u="none" strike="noStrike" cap="none" normalizeH="0" baseline="0" dirty="0" smtClean="0">
+                <a:ln>
+                  <a:noFill/>
+                </a:ln>
+                <a:solidFill>
+                  <a:srgbClr val="CC7832"/>
+                </a:solidFill>
+                <a:effectLst/>
+                <a:latin typeface="Consolas" panose="020B0609020204030204" pitchFamily="49" charset="0"/>
+              </a:rPr>
+              <a:t>,</a:t>
+            </a:r>
+            <a:br>
+              <a:rPr kumimoji="0" lang="en-US" altLang="en-US" sz="2000" b="0" i="0" u="none" strike="noStrike" cap="none" normalizeH="0" baseline="0" dirty="0" smtClean="0">
+                <a:ln>
+                  <a:noFill/>
+                </a:ln>
+                <a:solidFill>
+                  <a:srgbClr val="CC7832"/>
+                </a:solidFill>
+                <a:effectLst/>
+                <a:latin typeface="Consolas" panose="020B0609020204030204" pitchFamily="49" charset="0"/>
+              </a:rPr>
+            </a:br>
+            <a:r>
+              <a:rPr kumimoji="0" lang="en-US" altLang="en-US" sz="2000" b="0" i="0" u="none" strike="noStrike" cap="none" normalizeH="0" baseline="0" dirty="0" smtClean="0">
+                <a:ln>
+                  <a:noFill/>
+                </a:ln>
+                <a:solidFill>
+                  <a:srgbClr val="CC7832"/>
+                </a:solidFill>
+                <a:effectLst/>
+                <a:latin typeface="Consolas" panose="020B0609020204030204" pitchFamily="49" charset="0"/>
+              </a:rPr>
+              <a:t>            </a:t>
+            </a:r>
+            <a:r>
+              <a:rPr kumimoji="0" lang="en-US" altLang="en-US" sz="2000" b="0" i="0" u="none" strike="noStrike" cap="none" normalizeH="0" baseline="0" dirty="0" smtClean="0">
+                <a:ln>
+                  <a:noFill/>
+                </a:ln>
+                <a:solidFill>
+                  <a:srgbClr val="9876AA"/>
+                </a:solidFill>
+                <a:effectLst/>
+                <a:latin typeface="Consolas" panose="020B0609020204030204" pitchFamily="49" charset="0"/>
+              </a:rPr>
+              <a:t>use</a:t>
+            </a:r>
+            <a:r>
+              <a:rPr kumimoji="0" lang="en-US" altLang="en-US" sz="2000" b="0" i="0" u="none" strike="noStrike" cap="none" normalizeH="0" baseline="0" dirty="0" smtClean="0">
+                <a:ln>
+                  <a:noFill/>
+                </a:ln>
+                <a:solidFill>
+                  <a:srgbClr val="A9B7C6"/>
+                </a:solidFill>
+                <a:effectLst/>
+                <a:latin typeface="Consolas" panose="020B0609020204030204" pitchFamily="49" charset="0"/>
+              </a:rPr>
+              <a:t>: {</a:t>
+            </a:r>
+            <a:br>
+              <a:rPr kumimoji="0" lang="en-US" altLang="en-US" sz="2000" b="0" i="0" u="none" strike="noStrike" cap="none" normalizeH="0" baseline="0" dirty="0" smtClean="0">
+                <a:ln>
+                  <a:noFill/>
+                </a:ln>
+                <a:solidFill>
+                  <a:srgbClr val="A9B7C6"/>
+                </a:solidFill>
+                <a:effectLst/>
+                <a:latin typeface="Consolas" panose="020B0609020204030204" pitchFamily="49" charset="0"/>
+              </a:rPr>
+            </a:br>
+            <a:r>
+              <a:rPr kumimoji="0" lang="en-US" altLang="en-US" sz="2000" b="0" i="0" u="none" strike="noStrike" cap="none" normalizeH="0" baseline="0" dirty="0" smtClean="0">
+                <a:ln>
+                  <a:noFill/>
+                </a:ln>
+                <a:solidFill>
+                  <a:srgbClr val="A9B7C6"/>
+                </a:solidFill>
+                <a:effectLst/>
+                <a:latin typeface="Consolas" panose="020B0609020204030204" pitchFamily="49" charset="0"/>
+              </a:rPr>
+              <a:t>                </a:t>
+            </a:r>
+            <a:r>
+              <a:rPr kumimoji="0" lang="en-US" altLang="en-US" sz="2000" b="0" i="0" u="none" strike="noStrike" cap="none" normalizeH="0" baseline="0" dirty="0" smtClean="0">
+                <a:ln>
+                  <a:noFill/>
+                </a:ln>
+                <a:solidFill>
+                  <a:srgbClr val="9876AA"/>
+                </a:solidFill>
+                <a:effectLst/>
+                <a:latin typeface="Consolas" panose="020B0609020204030204" pitchFamily="49" charset="0"/>
+              </a:rPr>
+              <a:t>loader</a:t>
+            </a:r>
+            <a:r>
+              <a:rPr kumimoji="0" lang="en-US" altLang="en-US" sz="2000" b="0" i="0" u="none" strike="noStrike" cap="none" normalizeH="0" baseline="0" dirty="0" smtClean="0">
+                <a:ln>
+                  <a:noFill/>
+                </a:ln>
+                <a:solidFill>
+                  <a:srgbClr val="A9B7C6"/>
+                </a:solidFill>
+                <a:effectLst/>
+                <a:latin typeface="Consolas" panose="020B0609020204030204" pitchFamily="49" charset="0"/>
+              </a:rPr>
+              <a:t>: </a:t>
+            </a:r>
+            <a:r>
+              <a:rPr kumimoji="0" lang="en-US" altLang="en-US" sz="2000" b="0" i="0" u="none" strike="noStrike" cap="none" normalizeH="0" baseline="0" dirty="0" smtClean="0">
+                <a:ln>
+                  <a:noFill/>
+                </a:ln>
+                <a:solidFill>
+                  <a:srgbClr val="6A8759"/>
+                </a:solidFill>
+                <a:effectLst/>
+                <a:latin typeface="Consolas" panose="020B0609020204030204" pitchFamily="49" charset="0"/>
+              </a:rPr>
+              <a:t>"babel-loader"</a:t>
+            </a:r>
+            <a:br>
+              <a:rPr kumimoji="0" lang="en-US" altLang="en-US" sz="2000" b="0" i="0" u="none" strike="noStrike" cap="none" normalizeH="0" baseline="0" dirty="0" smtClean="0">
+                <a:ln>
+                  <a:noFill/>
+                </a:ln>
+                <a:solidFill>
+                  <a:srgbClr val="6A8759"/>
+                </a:solidFill>
+                <a:effectLst/>
+                <a:latin typeface="Consolas" panose="020B0609020204030204" pitchFamily="49" charset="0"/>
+              </a:rPr>
+            </a:br>
+            <a:r>
+              <a:rPr kumimoji="0" lang="en-US" altLang="en-US" sz="2000" b="0" i="0" u="none" strike="noStrike" cap="none" normalizeH="0" baseline="0" dirty="0" smtClean="0">
+                <a:ln>
+                  <a:noFill/>
+                </a:ln>
+                <a:solidFill>
+                  <a:srgbClr val="6A8759"/>
+                </a:solidFill>
+                <a:effectLst/>
+                <a:latin typeface="Consolas" panose="020B0609020204030204" pitchFamily="49" charset="0"/>
+              </a:rPr>
+              <a:t>            </a:t>
+            </a:r>
+            <a:r>
+              <a:rPr kumimoji="0" lang="en-US" altLang="en-US" sz="2000" b="0" i="0" u="none" strike="noStrike" cap="none" normalizeH="0" baseline="0" dirty="0" smtClean="0">
+                <a:ln>
+                  <a:noFill/>
+                </a:ln>
+                <a:solidFill>
+                  <a:srgbClr val="A9B7C6"/>
+                </a:solidFill>
+                <a:effectLst/>
+                <a:latin typeface="Consolas" panose="020B0609020204030204" pitchFamily="49" charset="0"/>
+              </a:rPr>
+              <a:t>}</a:t>
+            </a:r>
+            <a:br>
+              <a:rPr kumimoji="0" lang="en-US" altLang="en-US" sz="2000" b="0" i="0" u="none" strike="noStrike" cap="none" normalizeH="0" baseline="0" dirty="0" smtClean="0">
+                <a:ln>
+                  <a:noFill/>
+                </a:ln>
+                <a:solidFill>
+                  <a:srgbClr val="A9B7C6"/>
+                </a:solidFill>
+                <a:effectLst/>
+                <a:latin typeface="Consolas" panose="020B0609020204030204" pitchFamily="49" charset="0"/>
+              </a:rPr>
+            </a:br>
+            <a:r>
+              <a:rPr kumimoji="0" lang="en-US" altLang="en-US" sz="2000" b="0" i="0" u="none" strike="noStrike" cap="none" normalizeH="0" baseline="0" dirty="0" smtClean="0">
+                <a:ln>
+                  <a:noFill/>
+                </a:ln>
+                <a:solidFill>
+                  <a:srgbClr val="A9B7C6"/>
+                </a:solidFill>
+                <a:effectLst/>
+                <a:latin typeface="Consolas" panose="020B0609020204030204" pitchFamily="49" charset="0"/>
+              </a:rPr>
+              <a:t>        }</a:t>
+            </a:r>
+            <a:br>
+              <a:rPr kumimoji="0" lang="en-US" altLang="en-US" sz="2000" b="0" i="0" u="none" strike="noStrike" cap="none" normalizeH="0" baseline="0" dirty="0" smtClean="0">
+                <a:ln>
+                  <a:noFill/>
+                </a:ln>
+                <a:solidFill>
+                  <a:srgbClr val="A9B7C6"/>
+                </a:solidFill>
+                <a:effectLst/>
+                <a:latin typeface="Consolas" panose="020B0609020204030204" pitchFamily="49" charset="0"/>
+              </a:rPr>
+            </a:br>
+            <a:r>
+              <a:rPr kumimoji="0" lang="en-US" altLang="en-US" sz="2000" b="0" i="0" u="none" strike="noStrike" cap="none" normalizeH="0" baseline="0" dirty="0" smtClean="0">
+                <a:ln>
+                  <a:noFill/>
+                </a:ln>
+                <a:solidFill>
+                  <a:srgbClr val="A9B7C6"/>
+                </a:solidFill>
+                <a:effectLst/>
+                <a:latin typeface="Consolas" panose="020B0609020204030204" pitchFamily="49" charset="0"/>
+              </a:rPr>
+              <a:t>    ]</a:t>
+            </a:r>
+            <a:br>
+              <a:rPr kumimoji="0" lang="en-US" altLang="en-US" sz="2000" b="0" i="0" u="none" strike="noStrike" cap="none" normalizeH="0" baseline="0" dirty="0" smtClean="0">
+                <a:ln>
+                  <a:noFill/>
+                </a:ln>
+                <a:solidFill>
+                  <a:srgbClr val="A9B7C6"/>
+                </a:solidFill>
+                <a:effectLst/>
+                <a:latin typeface="Consolas" panose="020B0609020204030204" pitchFamily="49" charset="0"/>
+              </a:rPr>
+            </a:br>
+            <a:r>
+              <a:rPr kumimoji="0" lang="en-US" altLang="en-US" sz="2000" b="0" i="0" u="none" strike="noStrike" cap="none" normalizeH="0" baseline="0" dirty="0" smtClean="0">
+                <a:ln>
+                  <a:noFill/>
+                </a:ln>
+                <a:solidFill>
+                  <a:srgbClr val="A9B7C6"/>
+                </a:solidFill>
+                <a:effectLst/>
+                <a:latin typeface="Consolas" panose="020B0609020204030204" pitchFamily="49" charset="0"/>
+              </a:rPr>
+              <a:t>}</a:t>
+            </a:r>
+            <a:r>
+              <a:rPr kumimoji="0" lang="en-US" altLang="en-US" sz="2000" b="0" i="0" u="none" strike="noStrike" cap="none" normalizeH="0" baseline="0" dirty="0" smtClean="0">
+                <a:ln>
+                  <a:noFill/>
+                </a:ln>
+                <a:solidFill>
+                  <a:srgbClr val="CC7832"/>
+                </a:solidFill>
+                <a:effectLst/>
+                <a:latin typeface="Consolas" panose="020B0609020204030204" pitchFamily="49" charset="0"/>
+              </a:rPr>
+              <a:t>,</a:t>
+            </a:r>
+            <a:endParaRPr kumimoji="0" lang="en-US" altLang="en-US" sz="1800" b="0" i="0" u="none" strike="noStrike" cap="none" normalizeH="0" baseline="0" dirty="0" smtClean="0">
+              <a:ln>
+                <a:noFill/>
+              </a:ln>
+              <a:solidFill>
+                <a:schemeClr val="tx1"/>
+              </a:solidFill>
+              <a:effectLst/>
+              <a:latin typeface="Arial" panose="020B0604020202020204" pitchFamily="34" charset="0"/>
+            </a:endParaRPr>
           </a:p>
         </p:txBody>
       </p:sp>
     </p:spTree>
     <p:extLst>
       <p:ext uri="{BB962C8B-B14F-4D97-AF65-F5344CB8AC3E}">
-        <p14:creationId xmlns:p14="http://schemas.microsoft.com/office/powerpoint/2010/main" val="587697062"/>
+        <p14:creationId xmlns:p14="http://schemas.microsoft.com/office/powerpoint/2010/main" val="707797782"/>
       </p:ext>
     </p:extLst>
   </p:cSld>
@@ -4086,6 +4594,275 @@
           <a:lstStyle/>
           <a:p>
             <a:r>
+              <a:rPr lang="en-US" i="1" dirty="0" err="1" smtClean="0"/>
+              <a:t>React.Component</a:t>
+            </a:r>
+            <a:r>
+              <a:rPr lang="en-US" dirty="0" smtClean="0"/>
+              <a:t> Class</a:t>
+            </a:r>
+            <a:endParaRPr lang="en-US" dirty="0"/>
+          </a:p>
+        </p:txBody>
+      </p:sp>
+      <p:sp>
+        <p:nvSpPr>
+          <p:cNvPr id="3" name="Content Placeholder 2"/>
+          <p:cNvSpPr>
+            <a:spLocks noGrp="1"/>
+          </p:cNvSpPr>
+          <p:nvPr>
+            <p:ph idx="1"/>
+          </p:nvPr>
+        </p:nvSpPr>
+        <p:spPr>
+          <a:xfrm>
+            <a:off x="249865" y="1825624"/>
+            <a:ext cx="11733028" cy="4915417"/>
+          </a:xfrm>
+        </p:spPr>
+        <p:txBody>
+          <a:bodyPr/>
+          <a:lstStyle/>
+          <a:p>
+            <a:r>
+              <a:rPr lang="en-US" dirty="0" err="1" smtClean="0"/>
+              <a:t>eg</a:t>
+            </a:r>
+            <a:r>
+              <a:rPr lang="en-US" dirty="0" smtClean="0"/>
+              <a:t>, “</a:t>
+            </a:r>
+            <a:r>
+              <a:rPr lang="en-US" i="1" dirty="0" smtClean="0"/>
+              <a:t>class </a:t>
+            </a:r>
+            <a:r>
+              <a:rPr lang="en-US" i="1" dirty="0"/>
+              <a:t>App extends </a:t>
+            </a:r>
+            <a:r>
+              <a:rPr lang="en-US" i="1" dirty="0" err="1" smtClean="0"/>
+              <a:t>React.Component</a:t>
+            </a:r>
+            <a:r>
+              <a:rPr lang="en-US" dirty="0" smtClean="0"/>
+              <a:t>”</a:t>
+            </a:r>
+          </a:p>
+          <a:p>
+            <a:r>
+              <a:rPr lang="en-US" b="1" dirty="0" smtClean="0"/>
+              <a:t>constructor(props)</a:t>
+            </a:r>
+          </a:p>
+          <a:p>
+            <a:pPr lvl="1"/>
+            <a:r>
+              <a:rPr lang="en-US" dirty="0" smtClean="0"/>
+              <a:t>always call </a:t>
+            </a:r>
+            <a:r>
+              <a:rPr lang="en-US" b="1" dirty="0" smtClean="0"/>
+              <a:t>super(props);</a:t>
+            </a:r>
+            <a:r>
+              <a:rPr lang="en-US" dirty="0" smtClean="0"/>
+              <a:t> </a:t>
+            </a:r>
+          </a:p>
+          <a:p>
+            <a:pPr lvl="1"/>
+            <a:r>
+              <a:rPr lang="en-US" dirty="0" smtClean="0"/>
+              <a:t>can set initial state directly with “</a:t>
+            </a:r>
+            <a:r>
+              <a:rPr lang="en-US" b="1" dirty="0" err="1" smtClean="0"/>
+              <a:t>this.state</a:t>
+            </a:r>
+            <a:r>
+              <a:rPr lang="en-US" b="1" dirty="0" smtClean="0"/>
+              <a:t> = …</a:t>
+            </a:r>
+            <a:r>
+              <a:rPr lang="en-US" dirty="0" smtClean="0"/>
+              <a:t>”</a:t>
+            </a:r>
+          </a:p>
+          <a:p>
+            <a:r>
+              <a:rPr lang="en-US" b="1" dirty="0" smtClean="0"/>
+              <a:t>render()</a:t>
+            </a:r>
+            <a:r>
+              <a:rPr lang="en-US" dirty="0" smtClean="0"/>
+              <a:t>: override to create HTML based on state and props</a:t>
+            </a:r>
+          </a:p>
+          <a:p>
+            <a:r>
+              <a:rPr lang="en-US" b="1" dirty="0" err="1" smtClean="0"/>
+              <a:t>setState</a:t>
+            </a:r>
+            <a:r>
+              <a:rPr lang="en-US" b="1" dirty="0" smtClean="0"/>
+              <a:t>(</a:t>
+            </a:r>
+            <a:r>
+              <a:rPr lang="en-US" b="1" dirty="0" err="1" smtClean="0"/>
+              <a:t>newState</a:t>
+            </a:r>
+            <a:r>
+              <a:rPr lang="en-US" b="1" dirty="0" smtClean="0"/>
+              <a:t>)</a:t>
+            </a:r>
+            <a:r>
+              <a:rPr lang="en-US" dirty="0" smtClean="0"/>
+              <a:t>: called to modify the state</a:t>
+            </a:r>
+          </a:p>
+          <a:p>
+            <a:pPr lvl="1"/>
+            <a:r>
+              <a:rPr lang="en-US" dirty="0" smtClean="0"/>
+              <a:t>the change is asynchronous, </a:t>
+            </a:r>
+            <a:r>
+              <a:rPr lang="en-US" dirty="0" err="1" smtClean="0"/>
+              <a:t>ie</a:t>
+            </a:r>
+            <a:r>
+              <a:rPr lang="en-US" dirty="0" smtClean="0"/>
+              <a:t> </a:t>
+            </a:r>
+            <a:r>
+              <a:rPr lang="en-US" b="1" dirty="0" err="1" smtClean="0"/>
+              <a:t>this.state</a:t>
+            </a:r>
+            <a:r>
+              <a:rPr lang="en-US" dirty="0" smtClean="0"/>
+              <a:t> is not modified immediately</a:t>
+            </a:r>
+          </a:p>
+          <a:p>
+            <a:pPr lvl="1"/>
+            <a:r>
+              <a:rPr lang="en-US" dirty="0" smtClean="0"/>
+              <a:t>use version </a:t>
+            </a:r>
+            <a:r>
+              <a:rPr lang="en-US" b="1" dirty="0" err="1" smtClean="0"/>
+              <a:t>setState</a:t>
+            </a:r>
+            <a:r>
+              <a:rPr lang="en-US" b="1" dirty="0" smtClean="0"/>
+              <a:t>(</a:t>
+            </a:r>
+            <a:r>
+              <a:rPr lang="en-US" b="1" dirty="0" err="1" smtClean="0"/>
+              <a:t>prev</a:t>
+            </a:r>
+            <a:r>
+              <a:rPr lang="en-US" b="1" dirty="0" smtClean="0"/>
+              <a:t> =&gt; </a:t>
+            </a:r>
+            <a:r>
+              <a:rPr lang="en-US" b="1" dirty="0" err="1" smtClean="0"/>
+              <a:t>newState</a:t>
+            </a:r>
+            <a:r>
+              <a:rPr lang="en-US" b="1" dirty="0" smtClean="0"/>
+              <a:t>)</a:t>
+            </a:r>
+            <a:r>
+              <a:rPr lang="en-US" dirty="0" smtClean="0"/>
+              <a:t> when </a:t>
+            </a:r>
+            <a:r>
+              <a:rPr lang="en-US" b="1" dirty="0" err="1" smtClean="0"/>
+              <a:t>newState</a:t>
+            </a:r>
+            <a:r>
+              <a:rPr lang="en-US" dirty="0" smtClean="0"/>
+              <a:t> is computed from the previous state, </a:t>
+            </a:r>
+            <a:r>
+              <a:rPr lang="en-US" dirty="0" err="1" smtClean="0"/>
+              <a:t>eg</a:t>
+            </a:r>
+            <a:r>
+              <a:rPr lang="en-US" dirty="0" smtClean="0"/>
+              <a:t> </a:t>
+            </a:r>
+            <a:r>
+              <a:rPr lang="en-US" b="1" dirty="0" err="1" smtClean="0"/>
+              <a:t>setState</a:t>
+            </a:r>
+            <a:r>
+              <a:rPr lang="en-US" b="1" dirty="0" smtClean="0"/>
+              <a:t>( </a:t>
+            </a:r>
+            <a:r>
+              <a:rPr lang="en-US" b="1" dirty="0" err="1" smtClean="0"/>
+              <a:t>prev</a:t>
+            </a:r>
+            <a:r>
+              <a:rPr lang="en-US" b="1" dirty="0" smtClean="0"/>
+              <a:t> =&gt; ({x: prev.x+1}))</a:t>
+            </a:r>
+          </a:p>
+          <a:p>
+            <a:endParaRPr lang="en-US" dirty="0"/>
+          </a:p>
+        </p:txBody>
+      </p:sp>
+    </p:spTree>
+    <p:extLst>
+      <p:ext uri="{BB962C8B-B14F-4D97-AF65-F5344CB8AC3E}">
+        <p14:creationId xmlns:p14="http://schemas.microsoft.com/office/powerpoint/2010/main" val="587697062"/>
+      </p:ext>
+    </p:extLst>
+  </p:cSld>
+  <p:clrMapOvr>
+    <a:masterClrMapping/>
+  </p:clrMapOvr>
+</p:sld>
+</file>
+
+<file path=ppt/slides/slide14.xml><?xml version="1.0" encoding="utf-8"?>
+<p:sld xmlns:a="http://schemas.openxmlformats.org/drawingml/2006/main" xmlns:r="http://schemas.openxmlformats.org/officeDocument/2006/relationships" xmlns:p="http://schemas.openxmlformats.org/presentationml/2006/main">
+  <p:cSld>
+    <p:spTree>
+      <p:nvGrpSpPr>
+        <p:cNvPr id="1" name=""/>
+        <p:cNvGrpSpPr/>
+        <p:nvPr/>
+      </p:nvGrpSpPr>
+      <p:grpSpPr>
+        <a:xfrm>
+          <a:off x="0" y="0"/>
+          <a:ext cx="0" cy="0"/>
+          <a:chOff x="0" y="0"/>
+          <a:chExt cx="0" cy="0"/>
+        </a:xfrm>
+      </p:grpSpPr>
+      <p:sp>
+        <p:nvSpPr>
+          <p:cNvPr id="2" name="Title 1"/>
+          <p:cNvSpPr>
+            <a:spLocks noGrp="1"/>
+          </p:cNvSpPr>
+          <p:nvPr>
+            <p:ph type="title"/>
+          </p:nvPr>
+        </p:nvSpPr>
+        <p:spPr/>
+        <p:txBody>
+          <a:bodyPr/>
+          <a:lstStyle/>
+          <a:p>
+            <a:r>
               <a:rPr lang="en-US" dirty="0" smtClean="0"/>
               <a:t>Lifecycle Methods</a:t>
             </a:r>
@@ -4193,7 +4970,7 @@
 </p:sld>
 </file>
 
-<file path=ppt/slides/slide14.xml><?xml version="1.0" encoding="utf-8"?>
+<file path=ppt/slides/slide15.xml><?xml version="1.0" encoding="utf-8"?>
 <p:sld xmlns:a="http://schemas.openxmlformats.org/drawingml/2006/main" xmlns:r="http://schemas.openxmlformats.org/officeDocument/2006/relationships" xmlns:p="http://schemas.openxmlformats.org/presentationml/2006/main">
   <p:cSld>
     <p:spTree>
@@ -4386,7 +5163,7 @@
 </p:sld>
 </file>
 
-<file path=ppt/slides/slide15.xml><?xml version="1.0" encoding="utf-8"?>
+<file path=ppt/slides/slide16.xml><?xml version="1.0" encoding="utf-8"?>
 <p:sld xmlns:a="http://schemas.openxmlformats.org/drawingml/2006/main" xmlns:r="http://schemas.openxmlformats.org/officeDocument/2006/relationships" xmlns:p="http://schemas.openxmlformats.org/presentationml/2006/main">
   <p:cSld>
     <p:spTree>

--- a/docs/slides/lesson_03.pptx
+++ b/docs/slides/lesson_03.pptx
@@ -5,7 +5,7 @@
     <p:sldMasterId id="2147483648" r:id="rId1"/>
   </p:sldMasterIdLst>
   <p:notesMasterIdLst>
-    <p:notesMasterId r:id="rId18"/>
+    <p:notesMasterId r:id="rId19"/>
   </p:notesMasterIdLst>
   <p:sldIdLst>
     <p:sldId id="256" r:id="rId2"/>
@@ -21,9 +21,10 @@
     <p:sldId id="266" r:id="rId12"/>
     <p:sldId id="271" r:id="rId13"/>
     <p:sldId id="267" r:id="rId14"/>
-    <p:sldId id="268" r:id="rId15"/>
-    <p:sldId id="269" r:id="rId16"/>
-    <p:sldId id="270" r:id="rId17"/>
+    <p:sldId id="272" r:id="rId15"/>
+    <p:sldId id="268" r:id="rId16"/>
+    <p:sldId id="269" r:id="rId17"/>
+    <p:sldId id="270" r:id="rId18"/>
   </p:sldIdLst>
   <p:sldSz cx="12192000" cy="6858000"/>
   <p:notesSz cx="6858000" cy="9144000"/>
@@ -140,6 +141,7 @@
             <p14:sldId id="266"/>
             <p14:sldId id="271"/>
             <p14:sldId id="267"/>
+            <p14:sldId id="272"/>
             <p14:sldId id="268"/>
             <p14:sldId id="269"/>
             <p14:sldId id="270"/>
@@ -236,7 +238,7 @@
           <a:p>
             <a:fld id="{9B5B52BA-3295-0343-9E28-A260A811DD10}" type="datetimeFigureOut">
               <a:rPr lang="en-US" smtClean="0"/>
-              <a:t>29-Jan-20</a:t>
+              <a:t>1/2/2021</a:t>
             </a:fld>
             <a:endParaRPr lang="en-US"/>
           </a:p>
@@ -300,38 +302,37 @@
           <a:p>
             <a:pPr lvl="0"/>
             <a:r>
-              <a:rPr lang="en-US" smtClean="0"/>
+              <a:rPr lang="en-US"/>
               <a:t>Click to edit Master text styles</a:t>
             </a:r>
           </a:p>
           <a:p>
             <a:pPr lvl="1"/>
             <a:r>
-              <a:rPr lang="en-US" smtClean="0"/>
+              <a:rPr lang="en-US"/>
               <a:t>Second level</a:t>
             </a:r>
           </a:p>
           <a:p>
             <a:pPr lvl="2"/>
             <a:r>
-              <a:rPr lang="en-US" smtClean="0"/>
+              <a:rPr lang="en-US"/>
               <a:t>Third level</a:t>
             </a:r>
           </a:p>
           <a:p>
             <a:pPr lvl="3"/>
             <a:r>
-              <a:rPr lang="en-US" smtClean="0"/>
+              <a:rPr lang="en-US"/>
               <a:t>Fourth level</a:t>
             </a:r>
           </a:p>
           <a:p>
             <a:pPr lvl="4"/>
             <a:r>
-              <a:rPr lang="en-US" smtClean="0"/>
+              <a:rPr lang="en-US"/>
               <a:t>Fifth level</a:t>
             </a:r>
-            <a:endParaRPr lang="en-US"/>
           </a:p>
         </p:txBody>
       </p:sp>
@@ -546,10 +547,9 @@
           </a:lstStyle>
           <a:p>
             <a:r>
-              <a:rPr lang="en-US" dirty="0" smtClean="0"/>
+              <a:rPr lang="en-US" dirty="0"/>
               <a:t>Click to edit Master title style</a:t>
             </a:r>
-            <a:endParaRPr lang="en-US" dirty="0"/>
           </a:p>
         </p:txBody>
       </p:sp>
@@ -611,10 +611,9 @@
           </a:lstStyle>
           <a:p>
             <a:r>
-              <a:rPr lang="en-US" dirty="0" smtClean="0"/>
+              <a:rPr lang="en-US" dirty="0"/>
               <a:t>Click to edit Master subtitle style</a:t>
             </a:r>
-            <a:endParaRPr lang="en-US" dirty="0"/>
           </a:p>
         </p:txBody>
       </p:sp>
@@ -635,7 +634,7 @@
           <a:p>
             <a:fld id="{04F1D4A2-813C-F741-B481-C92B3A596030}" type="datetimeFigureOut">
               <a:rPr lang="en-US" smtClean="0"/>
-              <a:t>29-Jan-20</a:t>
+              <a:t>1/2/2021</a:t>
             </a:fld>
             <a:endParaRPr lang="en-US"/>
           </a:p>
@@ -729,10 +728,9 @@
           <a:lstStyle/>
           <a:p>
             <a:r>
-              <a:rPr lang="en-US" smtClean="0"/>
+              <a:rPr lang="en-US"/>
               <a:t>Click to edit Master title style</a:t>
             </a:r>
-            <a:endParaRPr lang="en-US"/>
           </a:p>
         </p:txBody>
       </p:sp>
@@ -753,38 +751,37 @@
           <a:p>
             <a:pPr lvl="0"/>
             <a:r>
-              <a:rPr lang="en-US" smtClean="0"/>
+              <a:rPr lang="en-US"/>
               <a:t>Click to edit Master text styles</a:t>
             </a:r>
           </a:p>
           <a:p>
             <a:pPr lvl="1"/>
             <a:r>
-              <a:rPr lang="en-US" smtClean="0"/>
+              <a:rPr lang="en-US"/>
               <a:t>Second level</a:t>
             </a:r>
           </a:p>
           <a:p>
             <a:pPr lvl="2"/>
             <a:r>
-              <a:rPr lang="en-US" smtClean="0"/>
+              <a:rPr lang="en-US"/>
               <a:t>Third level</a:t>
             </a:r>
           </a:p>
           <a:p>
             <a:pPr lvl="3"/>
             <a:r>
-              <a:rPr lang="en-US" smtClean="0"/>
+              <a:rPr lang="en-US"/>
               <a:t>Fourth level</a:t>
             </a:r>
           </a:p>
           <a:p>
             <a:pPr lvl="4"/>
             <a:r>
-              <a:rPr lang="en-US" smtClean="0"/>
+              <a:rPr lang="en-US"/>
               <a:t>Fifth level</a:t>
             </a:r>
-            <a:endParaRPr lang="en-US"/>
           </a:p>
         </p:txBody>
       </p:sp>
@@ -805,7 +802,7 @@
           <a:p>
             <a:fld id="{04F1D4A2-813C-F741-B481-C92B3A596030}" type="datetimeFigureOut">
               <a:rPr lang="en-US" smtClean="0"/>
-              <a:t>29-Jan-20</a:t>
+              <a:t>1/2/2021</a:t>
             </a:fld>
             <a:endParaRPr lang="en-US"/>
           </a:p>
@@ -904,10 +901,9 @@
           <a:lstStyle/>
           <a:p>
             <a:r>
-              <a:rPr lang="en-US" smtClean="0"/>
+              <a:rPr lang="en-US"/>
               <a:t>Click to edit Master title style</a:t>
             </a:r>
-            <a:endParaRPr lang="en-US"/>
           </a:p>
         </p:txBody>
       </p:sp>
@@ -933,38 +929,37 @@
           <a:p>
             <a:pPr lvl="0"/>
             <a:r>
-              <a:rPr lang="en-US" smtClean="0"/>
+              <a:rPr lang="en-US"/>
               <a:t>Click to edit Master text styles</a:t>
             </a:r>
           </a:p>
           <a:p>
             <a:pPr lvl="1"/>
             <a:r>
-              <a:rPr lang="en-US" smtClean="0"/>
+              <a:rPr lang="en-US"/>
               <a:t>Second level</a:t>
             </a:r>
           </a:p>
           <a:p>
             <a:pPr lvl="2"/>
             <a:r>
-              <a:rPr lang="en-US" smtClean="0"/>
+              <a:rPr lang="en-US"/>
               <a:t>Third level</a:t>
             </a:r>
           </a:p>
           <a:p>
             <a:pPr lvl="3"/>
             <a:r>
-              <a:rPr lang="en-US" smtClean="0"/>
+              <a:rPr lang="en-US"/>
               <a:t>Fourth level</a:t>
             </a:r>
           </a:p>
           <a:p>
             <a:pPr lvl="4"/>
             <a:r>
-              <a:rPr lang="en-US" smtClean="0"/>
+              <a:rPr lang="en-US"/>
               <a:t>Fifth level</a:t>
             </a:r>
-            <a:endParaRPr lang="en-US"/>
           </a:p>
         </p:txBody>
       </p:sp>
@@ -985,7 +980,7 @@
           <a:p>
             <a:fld id="{04F1D4A2-813C-F741-B481-C92B3A596030}" type="datetimeFigureOut">
               <a:rPr lang="en-US" smtClean="0"/>
-              <a:t>29-Jan-20</a:t>
+              <a:t>1/2/2021</a:t>
             </a:fld>
             <a:endParaRPr lang="en-US"/>
           </a:p>
@@ -1083,10 +1078,9 @@
           </a:lstStyle>
           <a:p>
             <a:r>
-              <a:rPr lang="en-US" dirty="0" smtClean="0"/>
+              <a:rPr lang="en-US" dirty="0"/>
               <a:t>Click to edit Master title style</a:t>
             </a:r>
-            <a:endParaRPr lang="en-US" dirty="0"/>
           </a:p>
         </p:txBody>
       </p:sp>
@@ -1114,38 +1108,37 @@
           <a:p>
             <a:pPr lvl="0"/>
             <a:r>
-              <a:rPr lang="en-US" dirty="0" smtClean="0"/>
+              <a:rPr lang="en-US" dirty="0"/>
               <a:t>Click to edit Master text styles</a:t>
             </a:r>
           </a:p>
           <a:p>
             <a:pPr lvl="1"/>
             <a:r>
-              <a:rPr lang="en-US" dirty="0" smtClean="0"/>
+              <a:rPr lang="en-US" dirty="0"/>
               <a:t>Second level</a:t>
             </a:r>
           </a:p>
           <a:p>
             <a:pPr lvl="2"/>
             <a:r>
-              <a:rPr lang="en-US" dirty="0" smtClean="0"/>
+              <a:rPr lang="en-US" dirty="0"/>
               <a:t>Third level</a:t>
             </a:r>
           </a:p>
           <a:p>
             <a:pPr lvl="3"/>
             <a:r>
-              <a:rPr lang="en-US" dirty="0" smtClean="0"/>
+              <a:rPr lang="en-US" dirty="0"/>
               <a:t>Fourth level</a:t>
             </a:r>
           </a:p>
           <a:p>
             <a:pPr lvl="4"/>
             <a:r>
-              <a:rPr lang="en-US" dirty="0" smtClean="0"/>
+              <a:rPr lang="en-US" dirty="0"/>
               <a:t>Fifth level</a:t>
             </a:r>
-            <a:endParaRPr lang="en-US" dirty="0"/>
           </a:p>
         </p:txBody>
       </p:sp>
@@ -1166,7 +1159,7 @@
           <a:p>
             <a:fld id="{04F1D4A2-813C-F741-B481-C92B3A596030}" type="datetimeFigureOut">
               <a:rPr lang="en-US" smtClean="0"/>
-              <a:t>29-Jan-20</a:t>
+              <a:t>1/2/2021</a:t>
             </a:fld>
             <a:endParaRPr lang="en-US"/>
           </a:p>
@@ -1269,10 +1262,9 @@
           </a:lstStyle>
           <a:p>
             <a:r>
-              <a:rPr lang="en-US" smtClean="0"/>
+              <a:rPr lang="en-US"/>
               <a:t>Click to edit Master title style</a:t>
             </a:r>
-            <a:endParaRPr lang="en-US"/>
           </a:p>
         </p:txBody>
       </p:sp>
@@ -1389,7 +1381,7 @@
           <a:p>
             <a:pPr lvl="0"/>
             <a:r>
-              <a:rPr lang="en-US" smtClean="0"/>
+              <a:rPr lang="en-US"/>
               <a:t>Click to edit Master text styles</a:t>
             </a:r>
           </a:p>
@@ -1412,7 +1404,7 @@
           <a:p>
             <a:fld id="{04F1D4A2-813C-F741-B481-C92B3A596030}" type="datetimeFigureOut">
               <a:rPr lang="en-US" smtClean="0"/>
-              <a:t>29-Jan-20</a:t>
+              <a:t>1/2/2021</a:t>
             </a:fld>
             <a:endParaRPr lang="en-US"/>
           </a:p>
@@ -1506,10 +1498,9 @@
           <a:lstStyle/>
           <a:p>
             <a:r>
-              <a:rPr lang="en-US" smtClean="0"/>
+              <a:rPr lang="en-US"/>
               <a:t>Click to edit Master title style</a:t>
             </a:r>
-            <a:endParaRPr lang="en-US"/>
           </a:p>
         </p:txBody>
       </p:sp>
@@ -1535,38 +1526,37 @@
           <a:p>
             <a:pPr lvl="0"/>
             <a:r>
-              <a:rPr lang="en-US" smtClean="0"/>
+              <a:rPr lang="en-US"/>
               <a:t>Click to edit Master text styles</a:t>
             </a:r>
           </a:p>
           <a:p>
             <a:pPr lvl="1"/>
             <a:r>
-              <a:rPr lang="en-US" smtClean="0"/>
+              <a:rPr lang="en-US"/>
               <a:t>Second level</a:t>
             </a:r>
           </a:p>
           <a:p>
             <a:pPr lvl="2"/>
             <a:r>
-              <a:rPr lang="en-US" smtClean="0"/>
+              <a:rPr lang="en-US"/>
               <a:t>Third level</a:t>
             </a:r>
           </a:p>
           <a:p>
             <a:pPr lvl="3"/>
             <a:r>
-              <a:rPr lang="en-US" smtClean="0"/>
+              <a:rPr lang="en-US"/>
               <a:t>Fourth level</a:t>
             </a:r>
           </a:p>
           <a:p>
             <a:pPr lvl="4"/>
             <a:r>
-              <a:rPr lang="en-US" smtClean="0"/>
+              <a:rPr lang="en-US"/>
               <a:t>Fifth level</a:t>
             </a:r>
-            <a:endParaRPr lang="en-US"/>
           </a:p>
         </p:txBody>
       </p:sp>
@@ -1592,38 +1582,37 @@
           <a:p>
             <a:pPr lvl="0"/>
             <a:r>
-              <a:rPr lang="en-US" smtClean="0"/>
+              <a:rPr lang="en-US"/>
               <a:t>Click to edit Master text styles</a:t>
             </a:r>
           </a:p>
           <a:p>
             <a:pPr lvl="1"/>
             <a:r>
-              <a:rPr lang="en-US" smtClean="0"/>
+              <a:rPr lang="en-US"/>
               <a:t>Second level</a:t>
             </a:r>
           </a:p>
           <a:p>
             <a:pPr lvl="2"/>
             <a:r>
-              <a:rPr lang="en-US" smtClean="0"/>
+              <a:rPr lang="en-US"/>
               <a:t>Third level</a:t>
             </a:r>
           </a:p>
           <a:p>
             <a:pPr lvl="3"/>
             <a:r>
-              <a:rPr lang="en-US" smtClean="0"/>
+              <a:rPr lang="en-US"/>
               <a:t>Fourth level</a:t>
             </a:r>
           </a:p>
           <a:p>
             <a:pPr lvl="4"/>
             <a:r>
-              <a:rPr lang="en-US" smtClean="0"/>
+              <a:rPr lang="en-US"/>
               <a:t>Fifth level</a:t>
             </a:r>
-            <a:endParaRPr lang="en-US"/>
           </a:p>
         </p:txBody>
       </p:sp>
@@ -1644,7 +1633,7 @@
           <a:p>
             <a:fld id="{04F1D4A2-813C-F741-B481-C92B3A596030}" type="datetimeFigureOut">
               <a:rPr lang="en-US" smtClean="0"/>
-              <a:t>29-Jan-20</a:t>
+              <a:t>1/2/2021</a:t>
             </a:fld>
             <a:endParaRPr lang="en-US"/>
           </a:p>
@@ -1743,10 +1732,9 @@
           <a:lstStyle/>
           <a:p>
             <a:r>
-              <a:rPr lang="en-US" smtClean="0"/>
+              <a:rPr lang="en-US"/>
               <a:t>Click to edit Master title style</a:t>
             </a:r>
-            <a:endParaRPr lang="en-US"/>
           </a:p>
         </p:txBody>
       </p:sp>
@@ -1809,7 +1797,7 @@
           <a:p>
             <a:pPr lvl="0"/>
             <a:r>
-              <a:rPr lang="en-US" smtClean="0"/>
+              <a:rPr lang="en-US"/>
               <a:t>Click to edit Master text styles</a:t>
             </a:r>
           </a:p>
@@ -1837,38 +1825,37 @@
           <a:p>
             <a:pPr lvl="0"/>
             <a:r>
-              <a:rPr lang="en-US" smtClean="0"/>
+              <a:rPr lang="en-US"/>
               <a:t>Click to edit Master text styles</a:t>
             </a:r>
           </a:p>
           <a:p>
             <a:pPr lvl="1"/>
             <a:r>
-              <a:rPr lang="en-US" smtClean="0"/>
+              <a:rPr lang="en-US"/>
               <a:t>Second level</a:t>
             </a:r>
           </a:p>
           <a:p>
             <a:pPr lvl="2"/>
             <a:r>
-              <a:rPr lang="en-US" smtClean="0"/>
+              <a:rPr lang="en-US"/>
               <a:t>Third level</a:t>
             </a:r>
           </a:p>
           <a:p>
             <a:pPr lvl="3"/>
             <a:r>
-              <a:rPr lang="en-US" smtClean="0"/>
+              <a:rPr lang="en-US"/>
               <a:t>Fourth level</a:t>
             </a:r>
           </a:p>
           <a:p>
             <a:pPr lvl="4"/>
             <a:r>
-              <a:rPr lang="en-US" smtClean="0"/>
+              <a:rPr lang="en-US"/>
               <a:t>Fifth level</a:t>
             </a:r>
-            <a:endParaRPr lang="en-US"/>
           </a:p>
         </p:txBody>
       </p:sp>
@@ -1931,7 +1918,7 @@
           <a:p>
             <a:pPr lvl="0"/>
             <a:r>
-              <a:rPr lang="en-US" smtClean="0"/>
+              <a:rPr lang="en-US"/>
               <a:t>Click to edit Master text styles</a:t>
             </a:r>
           </a:p>
@@ -1959,38 +1946,37 @@
           <a:p>
             <a:pPr lvl="0"/>
             <a:r>
-              <a:rPr lang="en-US" smtClean="0"/>
+              <a:rPr lang="en-US"/>
               <a:t>Click to edit Master text styles</a:t>
             </a:r>
           </a:p>
           <a:p>
             <a:pPr lvl="1"/>
             <a:r>
-              <a:rPr lang="en-US" smtClean="0"/>
+              <a:rPr lang="en-US"/>
               <a:t>Second level</a:t>
             </a:r>
           </a:p>
           <a:p>
             <a:pPr lvl="2"/>
             <a:r>
-              <a:rPr lang="en-US" smtClean="0"/>
+              <a:rPr lang="en-US"/>
               <a:t>Third level</a:t>
             </a:r>
           </a:p>
           <a:p>
             <a:pPr lvl="3"/>
             <a:r>
-              <a:rPr lang="en-US" smtClean="0"/>
+              <a:rPr lang="en-US"/>
               <a:t>Fourth level</a:t>
             </a:r>
           </a:p>
           <a:p>
             <a:pPr lvl="4"/>
             <a:r>
-              <a:rPr lang="en-US" smtClean="0"/>
+              <a:rPr lang="en-US"/>
               <a:t>Fifth level</a:t>
             </a:r>
-            <a:endParaRPr lang="en-US"/>
           </a:p>
         </p:txBody>
       </p:sp>
@@ -2011,7 +1997,7 @@
           <a:p>
             <a:fld id="{04F1D4A2-813C-F741-B481-C92B3A596030}" type="datetimeFigureOut">
               <a:rPr lang="en-US" smtClean="0"/>
-              <a:t>29-Jan-20</a:t>
+              <a:t>1/2/2021</a:t>
             </a:fld>
             <a:endParaRPr lang="en-US"/>
           </a:p>
@@ -2105,10 +2091,9 @@
           <a:lstStyle/>
           <a:p>
             <a:r>
-              <a:rPr lang="en-US" smtClean="0"/>
+              <a:rPr lang="en-US"/>
               <a:t>Click to edit Master title style</a:t>
             </a:r>
-            <a:endParaRPr lang="en-US"/>
           </a:p>
         </p:txBody>
       </p:sp>
@@ -2129,7 +2114,7 @@
           <a:p>
             <a:fld id="{04F1D4A2-813C-F741-B481-C92B3A596030}" type="datetimeFigureOut">
               <a:rPr lang="en-US" smtClean="0"/>
-              <a:t>29-Jan-20</a:t>
+              <a:t>1/2/2021</a:t>
             </a:fld>
             <a:endParaRPr lang="en-US"/>
           </a:p>
@@ -2224,7 +2209,7 @@
           <a:p>
             <a:fld id="{04F1D4A2-813C-F741-B481-C92B3A596030}" type="datetimeFigureOut">
               <a:rPr lang="en-US" smtClean="0"/>
-              <a:t>29-Jan-20</a:t>
+              <a:t>1/2/2021</a:t>
             </a:fld>
             <a:endParaRPr lang="en-US"/>
           </a:p>
@@ -2327,10 +2312,9 @@
           </a:lstStyle>
           <a:p>
             <a:r>
-              <a:rPr lang="en-US" smtClean="0"/>
+              <a:rPr lang="en-US"/>
               <a:t>Click to edit Master title style</a:t>
             </a:r>
-            <a:endParaRPr lang="en-US"/>
           </a:p>
         </p:txBody>
       </p:sp>
@@ -2384,38 +2368,37 @@
           <a:p>
             <a:pPr lvl="0"/>
             <a:r>
-              <a:rPr lang="en-US" smtClean="0"/>
+              <a:rPr lang="en-US"/>
               <a:t>Click to edit Master text styles</a:t>
             </a:r>
           </a:p>
           <a:p>
             <a:pPr lvl="1"/>
             <a:r>
-              <a:rPr lang="en-US" smtClean="0"/>
+              <a:rPr lang="en-US"/>
               <a:t>Second level</a:t>
             </a:r>
           </a:p>
           <a:p>
             <a:pPr lvl="2"/>
             <a:r>
-              <a:rPr lang="en-US" smtClean="0"/>
+              <a:rPr lang="en-US"/>
               <a:t>Third level</a:t>
             </a:r>
           </a:p>
           <a:p>
             <a:pPr lvl="3"/>
             <a:r>
-              <a:rPr lang="en-US" smtClean="0"/>
+              <a:rPr lang="en-US"/>
               <a:t>Fourth level</a:t>
             </a:r>
           </a:p>
           <a:p>
             <a:pPr lvl="4"/>
             <a:r>
-              <a:rPr lang="en-US" smtClean="0"/>
+              <a:rPr lang="en-US"/>
               <a:t>Fifth level</a:t>
             </a:r>
-            <a:endParaRPr lang="en-US"/>
           </a:p>
         </p:txBody>
       </p:sp>
@@ -2478,7 +2461,7 @@
           <a:p>
             <a:pPr lvl="0"/>
             <a:r>
-              <a:rPr lang="en-US" smtClean="0"/>
+              <a:rPr lang="en-US"/>
               <a:t>Click to edit Master text styles</a:t>
             </a:r>
           </a:p>
@@ -2501,7 +2484,7 @@
           <a:p>
             <a:fld id="{04F1D4A2-813C-F741-B481-C92B3A596030}" type="datetimeFigureOut">
               <a:rPr lang="en-US" smtClean="0"/>
-              <a:t>29-Jan-20</a:t>
+              <a:t>1/2/2021</a:t>
             </a:fld>
             <a:endParaRPr lang="en-US"/>
           </a:p>
@@ -2604,10 +2587,9 @@
           </a:lstStyle>
           <a:p>
             <a:r>
-              <a:rPr lang="en-US" smtClean="0"/>
+              <a:rPr lang="en-US"/>
               <a:t>Click to edit Master title style</a:t>
             </a:r>
-            <a:endParaRPr lang="en-US"/>
           </a:p>
         </p:txBody>
       </p:sp>
@@ -2731,7 +2713,7 @@
           <a:p>
             <a:pPr lvl="0"/>
             <a:r>
-              <a:rPr lang="en-US" smtClean="0"/>
+              <a:rPr lang="en-US"/>
               <a:t>Click to edit Master text styles</a:t>
             </a:r>
           </a:p>
@@ -2754,7 +2736,7 @@
           <a:p>
             <a:fld id="{04F1D4A2-813C-F741-B481-C92B3A596030}" type="datetimeFigureOut">
               <a:rPr lang="en-US" smtClean="0"/>
-              <a:t>29-Jan-20</a:t>
+              <a:t>1/2/2021</a:t>
             </a:fld>
             <a:endParaRPr lang="en-US"/>
           </a:p>
@@ -2863,10 +2845,9 @@
           <a:lstStyle/>
           <a:p>
             <a:r>
-              <a:rPr lang="en-US" dirty="0" smtClean="0"/>
+              <a:rPr lang="en-US" dirty="0"/>
               <a:t>Click to edit Master title style</a:t>
             </a:r>
-            <a:endParaRPr lang="en-US" dirty="0"/>
           </a:p>
         </p:txBody>
       </p:sp>
@@ -2897,38 +2878,37 @@
           <a:p>
             <a:pPr lvl="0"/>
             <a:r>
-              <a:rPr lang="en-US" smtClean="0"/>
+              <a:rPr lang="en-US"/>
               <a:t>Click to edit Master text styles</a:t>
             </a:r>
           </a:p>
           <a:p>
             <a:pPr lvl="1"/>
             <a:r>
-              <a:rPr lang="en-US" smtClean="0"/>
+              <a:rPr lang="en-US"/>
               <a:t>Second level</a:t>
             </a:r>
           </a:p>
           <a:p>
             <a:pPr lvl="2"/>
             <a:r>
-              <a:rPr lang="en-US" smtClean="0"/>
+              <a:rPr lang="en-US"/>
               <a:t>Third level</a:t>
             </a:r>
           </a:p>
           <a:p>
             <a:pPr lvl="3"/>
             <a:r>
-              <a:rPr lang="en-US" smtClean="0"/>
+              <a:rPr lang="en-US"/>
               <a:t>Fourth level</a:t>
             </a:r>
           </a:p>
           <a:p>
             <a:pPr lvl="4"/>
             <a:r>
-              <a:rPr lang="en-US" smtClean="0"/>
+              <a:rPr lang="en-US"/>
               <a:t>Fifth level</a:t>
             </a:r>
-            <a:endParaRPr lang="en-US"/>
           </a:p>
         </p:txBody>
       </p:sp>
@@ -2967,7 +2947,7 @@
           <a:p>
             <a:fld id="{04F1D4A2-813C-F741-B481-C92B3A596030}" type="datetimeFigureOut">
               <a:rPr lang="en-US" smtClean="0"/>
-              <a:t>29-Jan-20</a:t>
+              <a:t>1/2/2021</a:t>
             </a:fld>
             <a:endParaRPr lang="en-US"/>
           </a:p>
@@ -3396,24 +3376,19 @@
           <a:p>
             <a:pPr algn="l"/>
             <a:r>
-              <a:rPr lang="en-US" sz="6600" dirty="0" smtClean="0"/>
+              <a:rPr lang="en-US" sz="6600" dirty="0"/>
               <a:t>Web Development and API Design</a:t>
             </a:r>
             <a:br>
-              <a:rPr lang="en-US" sz="6600" dirty="0" smtClean="0"/>
+              <a:rPr lang="en-US" sz="6600" dirty="0"/>
             </a:br>
-            <a:r>
-              <a:rPr lang="en-US" sz="6600" dirty="0" smtClean="0"/>
-              <a:t/>
-            </a:r>
             <a:br>
-              <a:rPr lang="en-US" sz="6600" dirty="0" smtClean="0"/>
+              <a:rPr lang="en-US" sz="6600" dirty="0"/>
             </a:br>
             <a:r>
-              <a:rPr lang="en-US" sz="6600" dirty="0" smtClean="0"/>
+              <a:rPr lang="en-US" sz="6600" dirty="0"/>
               <a:t>Lesson 03: SPA Components</a:t>
             </a:r>
-            <a:endParaRPr lang="en-US" sz="6600" dirty="0"/>
           </a:p>
         </p:txBody>
       </p:sp>
@@ -3442,17 +3417,13 @@
             <a:pPr algn="r"/>
             <a:r>
               <a:rPr lang="en-US" dirty="0"/>
-              <a:t>P</a:t>
-            </a:r>
-            <a:r>
-              <a:rPr lang="en-US" dirty="0" smtClean="0"/>
-              <a:t>rof. Andrea </a:t>
-            </a:r>
-            <a:r>
-              <a:rPr lang="en-US" dirty="0" err="1" smtClean="0"/>
+              <a:t>Prof. Andrea </a:t>
+            </a:r>
+            <a:r>
+              <a:rPr lang="en-US" dirty="0" err="1"/>
               <a:t>Arcuri</a:t>
             </a:r>
-            <a:endParaRPr lang="en-US" dirty="0" smtClean="0"/>
+            <a:endParaRPr lang="en-US" dirty="0"/>
           </a:p>
         </p:txBody>
       </p:sp>
@@ -3502,10 +3473,9 @@
           <a:lstStyle/>
           <a:p>
             <a:r>
-              <a:rPr lang="en-US" dirty="0" smtClean="0"/>
+              <a:rPr lang="en-US" dirty="0"/>
               <a:t>Rendering Optimizations</a:t>
             </a:r>
-            <a:endParaRPr lang="en-US" dirty="0"/>
           </a:p>
         </p:txBody>
       </p:sp>
@@ -3532,46 +3502,46 @@
           <a:lstStyle/>
           <a:p>
             <a:r>
-              <a:rPr lang="en-US" dirty="0" smtClean="0"/>
+              <a:rPr lang="en-US" dirty="0"/>
               <a:t>There can be many events in a browser (user clicks, mouse movements, </a:t>
             </a:r>
             <a:r>
-              <a:rPr lang="en-US" dirty="0" err="1" smtClean="0"/>
+              <a:rPr lang="en-US" dirty="0" err="1"/>
               <a:t>etc</a:t>
             </a:r>
             <a:r>
-              <a:rPr lang="en-US" dirty="0" smtClean="0"/>
+              <a:rPr lang="en-US" dirty="0"/>
               <a:t>)</a:t>
             </a:r>
           </a:p>
           <a:p>
             <a:r>
-              <a:rPr lang="en-US" dirty="0" smtClean="0"/>
+              <a:rPr lang="en-US" dirty="0"/>
               <a:t>React can </a:t>
             </a:r>
             <a:r>
-              <a:rPr lang="en-US" i="1" dirty="0" smtClean="0"/>
+              <a:rPr lang="en-US" i="1" dirty="0"/>
               <a:t>automatically</a:t>
             </a:r>
             <a:r>
-              <a:rPr lang="en-US" dirty="0" smtClean="0"/>
+              <a:rPr lang="en-US" dirty="0"/>
               <a:t> optimize when HTML needs to be re-rendered</a:t>
             </a:r>
           </a:p>
           <a:p>
             <a:pPr lvl="1"/>
             <a:r>
-              <a:rPr lang="en-US" dirty="0" err="1" smtClean="0"/>
+              <a:rPr lang="en-US" dirty="0" err="1"/>
               <a:t>eg</a:t>
             </a:r>
             <a:r>
-              <a:rPr lang="en-US" dirty="0" smtClean="0"/>
+              <a:rPr lang="en-US" dirty="0"/>
               <a:t>, squashing together several updates that happen within few milliseconds</a:t>
             </a:r>
           </a:p>
           <a:p>
             <a:r>
-              <a:rPr lang="en-US" dirty="0" smtClean="0"/>
+              <a:rPr lang="en-US" dirty="0"/>
               <a:t>Virtual-DOM</a:t>
             </a:r>
           </a:p>
@@ -3579,27 +3549,22 @@
             <a:pPr lvl="1"/>
             <a:r>
               <a:rPr lang="en-US" dirty="0"/>
-              <a:t>E</a:t>
-            </a:r>
-            <a:r>
-              <a:rPr lang="en-US" dirty="0" smtClean="0"/>
-              <a:t>ven if a component’s state is changed, it might be that only small parts of its HTML is now different, if any at all</a:t>
+              <a:t>Even if a component’s state is changed, it might be that only small parts of its HTML is now different, if any at all</a:t>
             </a:r>
           </a:p>
           <a:p>
             <a:pPr lvl="1"/>
             <a:r>
-              <a:rPr lang="en-US" dirty="0" smtClean="0"/>
+              <a:rPr lang="en-US" dirty="0"/>
               <a:t>React does not naively re-render the whole HTML, but just what is actually needed to be modified</a:t>
             </a:r>
           </a:p>
           <a:p>
             <a:pPr lvl="1"/>
             <a:r>
-              <a:rPr lang="en-US" dirty="0" smtClean="0"/>
+              <a:rPr lang="en-US" dirty="0"/>
               <a:t>It keeps a Virtual DOM in memory, and only updates the actual GUI in browser in what it differs from the VDOM </a:t>
             </a:r>
-            <a:endParaRPr lang="en-US" dirty="0"/>
           </a:p>
         </p:txBody>
       </p:sp>
@@ -3649,10 +3614,9 @@
           <a:lstStyle/>
           <a:p>
             <a:r>
-              <a:rPr lang="en-US" dirty="0" smtClean="0"/>
+              <a:rPr lang="en-US" dirty="0"/>
               <a:t>JSX</a:t>
             </a:r>
-            <a:endParaRPr lang="en-US" dirty="0"/>
           </a:p>
         </p:txBody>
       </p:sp>
@@ -3679,97 +3643,96 @@
           <a:lstStyle/>
           <a:p>
             <a:r>
-              <a:rPr lang="en-US" dirty="0" smtClean="0"/>
+              <a:rPr lang="en-US" dirty="0"/>
               <a:t>A React Component will generate HTML code via its </a:t>
             </a:r>
             <a:r>
-              <a:rPr lang="en-US" i="1" dirty="0" smtClean="0"/>
+              <a:rPr lang="en-US" i="1" dirty="0"/>
               <a:t>render() </a:t>
             </a:r>
             <a:r>
-              <a:rPr lang="en-US" dirty="0" smtClean="0"/>
+              <a:rPr lang="en-US" dirty="0"/>
               <a:t>function</a:t>
             </a:r>
           </a:p>
           <a:p>
             <a:r>
-              <a:rPr lang="en-US" dirty="0" smtClean="0"/>
+              <a:rPr lang="en-US" dirty="0"/>
               <a:t>Handling HTML as JS strings is too error-prone </a:t>
             </a:r>
           </a:p>
           <a:p>
             <a:pPr lvl="1"/>
             <a:r>
-              <a:rPr lang="en-US" dirty="0" smtClean="0"/>
+              <a:rPr lang="en-US" dirty="0"/>
               <a:t>e.g., lack of static validation of HTML grammar</a:t>
             </a:r>
           </a:p>
           <a:p>
             <a:r>
-              <a:rPr lang="en-US" b="1" dirty="0" smtClean="0"/>
+              <a:rPr lang="en-US" b="1" dirty="0"/>
               <a:t>JSX</a:t>
             </a:r>
             <a:r>
-              <a:rPr lang="en-US" dirty="0" smtClean="0"/>
+              <a:rPr lang="en-US" dirty="0"/>
               <a:t>: a file format for </a:t>
             </a:r>
             <a:r>
-              <a:rPr lang="en-US" i="1" dirty="0" smtClean="0"/>
+              <a:rPr lang="en-US" i="1" dirty="0"/>
               <a:t>React</a:t>
             </a:r>
             <a:r>
-              <a:rPr lang="en-US" dirty="0" smtClean="0"/>
+              <a:rPr lang="en-US" dirty="0"/>
               <a:t> in which you can </a:t>
             </a:r>
             <a:r>
-              <a:rPr lang="en-US" b="1" dirty="0" smtClean="0"/>
+              <a:rPr lang="en-US" b="1" dirty="0"/>
               <a:t>mix JS and HTML together</a:t>
             </a:r>
           </a:p>
           <a:p>
             <a:r>
-              <a:rPr lang="en-US" dirty="0" smtClean="0"/>
+              <a:rPr lang="en-US" dirty="0"/>
               <a:t>Browsers have NO clue of JSX… you need to use </a:t>
             </a:r>
             <a:r>
-              <a:rPr lang="en-US" i="1" dirty="0" smtClean="0"/>
+              <a:rPr lang="en-US" i="1" dirty="0"/>
               <a:t>Babel</a:t>
             </a:r>
             <a:r>
-              <a:rPr lang="en-US" dirty="0" smtClean="0"/>
+              <a:rPr lang="en-US" dirty="0"/>
               <a:t> to transform JSX into JS</a:t>
             </a:r>
           </a:p>
           <a:p>
             <a:r>
-              <a:rPr lang="en-US" dirty="0" smtClean="0"/>
+              <a:rPr lang="en-US" dirty="0"/>
               <a:t>Note: we will use “</a:t>
             </a:r>
             <a:r>
-              <a:rPr lang="en-US" i="1" dirty="0" smtClean="0"/>
+              <a:rPr lang="en-US" i="1" dirty="0"/>
               <a:t>.</a:t>
             </a:r>
             <a:r>
-              <a:rPr lang="en-US" i="1" dirty="0" err="1" smtClean="0"/>
+              <a:rPr lang="en-US" i="1" dirty="0" err="1"/>
               <a:t>jsx</a:t>
             </a:r>
             <a:r>
-              <a:rPr lang="en-US" dirty="0" smtClean="0"/>
+              <a:rPr lang="en-US" dirty="0"/>
               <a:t>” suffix to represent JSX files…  but it is possible to use “</a:t>
             </a:r>
             <a:r>
-              <a:rPr lang="en-US" i="1" dirty="0" smtClean="0"/>
+              <a:rPr lang="en-US" i="1" dirty="0"/>
               <a:t>.</a:t>
             </a:r>
             <a:r>
-              <a:rPr lang="en-US" i="1" dirty="0" err="1" smtClean="0"/>
+              <a:rPr lang="en-US" i="1" dirty="0" err="1"/>
               <a:t>js</a:t>
             </a:r>
             <a:r>
-              <a:rPr lang="en-US" dirty="0" smtClean="0"/>
+              <a:rPr lang="en-US" dirty="0"/>
               <a:t>” as well, although it is arguably a bad practice</a:t>
             </a:r>
-            <a:endParaRPr lang="en-US" dirty="0"/>
           </a:p>
         </p:txBody>
       </p:sp>
@@ -3824,14 +3787,13 @@
           <a:lstStyle/>
           <a:p>
             <a:r>
-              <a:rPr lang="en-US" dirty="0" err="1" smtClean="0"/>
+              <a:rPr lang="en-US" dirty="0" err="1"/>
               <a:t>WebPack</a:t>
             </a:r>
             <a:r>
-              <a:rPr lang="en-US" dirty="0" smtClean="0"/>
+              <a:rPr lang="en-US" dirty="0"/>
               <a:t> with Babel</a:t>
             </a:r>
-            <a:endParaRPr lang="en-US" dirty="0"/>
           </a:p>
         </p:txBody>
       </p:sp>
@@ -3858,58 +3820,58 @@
           <a:lstStyle/>
           <a:p>
             <a:r>
-              <a:rPr lang="en-US" dirty="0" smtClean="0"/>
+              <a:rPr lang="en-US" dirty="0"/>
               <a:t>Include libraries in </a:t>
             </a:r>
             <a:r>
-              <a:rPr lang="en-US" i="1" dirty="0" err="1" smtClean="0"/>
+              <a:rPr lang="en-US" i="1" dirty="0" err="1"/>
               <a:t>devDependencies</a:t>
             </a:r>
             <a:r>
-              <a:rPr lang="en-US" dirty="0" smtClean="0"/>
+              <a:rPr lang="en-US" dirty="0"/>
               <a:t> of </a:t>
             </a:r>
             <a:r>
-              <a:rPr lang="en-US" i="1" dirty="0" err="1" smtClean="0"/>
+              <a:rPr lang="en-US" i="1" dirty="0" err="1"/>
               <a:t>package.json</a:t>
             </a:r>
-            <a:endParaRPr lang="en-US" i="1" dirty="0" smtClean="0"/>
-          </a:p>
-          <a:p>
-            <a:r>
-              <a:rPr lang="en-US" dirty="0" smtClean="0"/>
+            <a:endParaRPr lang="en-US" i="1" dirty="0"/>
+          </a:p>
+          <a:p>
+            <a:r>
+              <a:rPr lang="en-US" dirty="0"/>
               <a:t>Need to modify </a:t>
             </a:r>
             <a:r>
-              <a:rPr lang="en-US" i="1" dirty="0" smtClean="0"/>
+              <a:rPr lang="en-US" i="1" dirty="0"/>
               <a:t>webpack.config.js </a:t>
             </a:r>
             <a:r>
-              <a:rPr lang="en-US" dirty="0" smtClean="0"/>
+              <a:rPr lang="en-US" dirty="0"/>
               <a:t>to tell </a:t>
             </a:r>
             <a:r>
-              <a:rPr lang="en-US" i="1" dirty="0" smtClean="0"/>
+              <a:rPr lang="en-US" i="1" dirty="0"/>
               <a:t>WP</a:t>
             </a:r>
             <a:r>
-              <a:rPr lang="en-US" dirty="0" smtClean="0"/>
+              <a:rPr lang="en-US" dirty="0"/>
               <a:t> to use </a:t>
             </a:r>
             <a:r>
-              <a:rPr lang="en-US" i="1" dirty="0" smtClean="0"/>
+              <a:rPr lang="en-US" i="1" dirty="0"/>
               <a:t>Babel</a:t>
             </a:r>
             <a:r>
-              <a:rPr lang="en-US" dirty="0" smtClean="0"/>
+              <a:rPr lang="en-US" dirty="0"/>
               <a:t> on all JSX files, but not the ones under “</a:t>
             </a:r>
             <a:r>
-              <a:rPr lang="en-US" i="1" dirty="0" err="1" smtClean="0"/>
+              <a:rPr lang="en-US" i="1" dirty="0" err="1"/>
               <a:t>node_modules</a:t>
             </a:r>
             <a:r>
-              <a:rPr lang="en-US" dirty="0" smtClean="0"/>
+              <a:rPr lang="en-US" dirty="0"/>
               <a:t>” folder</a:t>
             </a:r>
             <a:endParaRPr lang="en-US" i="1" dirty="0"/>
@@ -3987,7 +3949,7 @@
               <a:tabLst/>
             </a:pPr>
             <a:r>
-              <a:rPr kumimoji="0" lang="en-US" altLang="en-US" sz="2000" b="0" i="0" u="none" strike="noStrike" cap="none" normalizeH="0" baseline="0" dirty="0" smtClean="0">
+              <a:rPr kumimoji="0" lang="en-US" altLang="en-US" sz="2000" b="0" i="0" u="none" strike="noStrike" cap="none" normalizeH="0" baseline="0" dirty="0">
                 <a:ln>
                   <a:noFill/>
                 </a:ln>
@@ -4000,7 +3962,7 @@
               <a:t>module</a:t>
             </a:r>
             <a:r>
-              <a:rPr kumimoji="0" lang="en-US" altLang="en-US" sz="2000" b="0" i="0" u="none" strike="noStrike" cap="none" normalizeH="0" baseline="0" dirty="0" smtClean="0">
+              <a:rPr kumimoji="0" lang="en-US" altLang="en-US" sz="2000" b="0" i="0" u="none" strike="noStrike" cap="none" normalizeH="0" baseline="0" dirty="0">
                 <a:ln>
                   <a:noFill/>
                 </a:ln>
@@ -4013,7 +3975,7 @@
               <a:t>: {</a:t>
             </a:r>
             <a:br>
-              <a:rPr kumimoji="0" lang="en-US" altLang="en-US" sz="2000" b="0" i="0" u="none" strike="noStrike" cap="none" normalizeH="0" baseline="0" dirty="0" smtClean="0">
+              <a:rPr kumimoji="0" lang="en-US" altLang="en-US" sz="2000" b="0" i="0" u="none" strike="noStrike" cap="none" normalizeH="0" baseline="0" dirty="0">
                 <a:ln>
                   <a:noFill/>
                 </a:ln>
@@ -4025,7 +3987,7 @@
               </a:rPr>
             </a:br>
             <a:r>
-              <a:rPr kumimoji="0" lang="en-US" altLang="en-US" sz="2000" b="0" i="0" u="none" strike="noStrike" cap="none" normalizeH="0" baseline="0" dirty="0" smtClean="0">
+              <a:rPr kumimoji="0" lang="en-US" altLang="en-US" sz="2000" b="0" i="0" u="none" strike="noStrike" cap="none" normalizeH="0" baseline="0" dirty="0">
                 <a:ln>
                   <a:noFill/>
                 </a:ln>
@@ -4038,7 +4000,7 @@
               <a:t>    </a:t>
             </a:r>
             <a:r>
-              <a:rPr kumimoji="0" lang="en-US" altLang="en-US" sz="2000" b="0" i="0" u="none" strike="noStrike" cap="none" normalizeH="0" baseline="0" dirty="0" smtClean="0">
+              <a:rPr kumimoji="0" lang="en-US" altLang="en-US" sz="2000" b="0" i="0" u="none" strike="noStrike" cap="none" normalizeH="0" baseline="0" dirty="0">
                 <a:ln>
                   <a:noFill/>
                 </a:ln>
@@ -4051,7 +4013,7 @@
               <a:t>rules</a:t>
             </a:r>
             <a:r>
-              <a:rPr kumimoji="0" lang="en-US" altLang="en-US" sz="2000" b="0" i="0" u="none" strike="noStrike" cap="none" normalizeH="0" baseline="0" dirty="0" smtClean="0">
+              <a:rPr kumimoji="0" lang="en-US" altLang="en-US" sz="2000" b="0" i="0" u="none" strike="noStrike" cap="none" normalizeH="0" baseline="0" dirty="0">
                 <a:ln>
                   <a:noFill/>
                 </a:ln>
@@ -4064,7 +4026,7 @@
               <a:t>: [</a:t>
             </a:r>
             <a:br>
-              <a:rPr kumimoji="0" lang="en-US" altLang="en-US" sz="2000" b="0" i="0" u="none" strike="noStrike" cap="none" normalizeH="0" baseline="0" dirty="0" smtClean="0">
+              <a:rPr kumimoji="0" lang="en-US" altLang="en-US" sz="2000" b="0" i="0" u="none" strike="noStrike" cap="none" normalizeH="0" baseline="0" dirty="0">
                 <a:ln>
                   <a:noFill/>
                 </a:ln>
@@ -4076,7 +4038,7 @@
               </a:rPr>
             </a:br>
             <a:r>
-              <a:rPr kumimoji="0" lang="en-US" altLang="en-US" sz="2000" b="0" i="0" u="none" strike="noStrike" cap="none" normalizeH="0" baseline="0" dirty="0" smtClean="0">
+              <a:rPr kumimoji="0" lang="en-US" altLang="en-US" sz="2000" b="0" i="0" u="none" strike="noStrike" cap="none" normalizeH="0" baseline="0" dirty="0">
                 <a:ln>
                   <a:noFill/>
                 </a:ln>
@@ -4089,7 +4051,7 @@
               <a:t>        {</a:t>
             </a:r>
             <a:br>
-              <a:rPr kumimoji="0" lang="en-US" altLang="en-US" sz="2000" b="0" i="0" u="none" strike="noStrike" cap="none" normalizeH="0" baseline="0" dirty="0" smtClean="0">
+              <a:rPr kumimoji="0" lang="en-US" altLang="en-US" sz="2000" b="0" i="0" u="none" strike="noStrike" cap="none" normalizeH="0" baseline="0" dirty="0">
                 <a:ln>
                   <a:noFill/>
                 </a:ln>
@@ -4101,7 +4063,7 @@
               </a:rPr>
             </a:br>
             <a:r>
-              <a:rPr kumimoji="0" lang="en-US" altLang="en-US" sz="2000" b="0" i="0" u="none" strike="noStrike" cap="none" normalizeH="0" baseline="0" dirty="0" smtClean="0">
+              <a:rPr kumimoji="0" lang="en-US" altLang="en-US" sz="2000" b="0" i="0" u="none" strike="noStrike" cap="none" normalizeH="0" baseline="0" dirty="0">
                 <a:ln>
                   <a:noFill/>
                 </a:ln>
@@ -4114,7 +4076,7 @@
               <a:t>            </a:t>
             </a:r>
             <a:r>
-              <a:rPr kumimoji="0" lang="en-US" altLang="en-US" sz="2000" b="0" i="0" u="none" strike="noStrike" cap="none" normalizeH="0" baseline="0" dirty="0" smtClean="0">
+              <a:rPr kumimoji="0" lang="en-US" altLang="en-US" sz="2000" b="0" i="0" u="none" strike="noStrike" cap="none" normalizeH="0" baseline="0" dirty="0">
                 <a:ln>
                   <a:noFill/>
                 </a:ln>
@@ -4127,7 +4089,7 @@
               <a:t>test</a:t>
             </a:r>
             <a:r>
-              <a:rPr kumimoji="0" lang="en-US" altLang="en-US" sz="2000" b="0" i="0" u="none" strike="noStrike" cap="none" normalizeH="0" baseline="0" dirty="0" smtClean="0">
+              <a:rPr kumimoji="0" lang="en-US" altLang="en-US" sz="2000" b="0" i="0" u="none" strike="noStrike" cap="none" normalizeH="0" baseline="0" dirty="0">
                 <a:ln>
                   <a:noFill/>
                 </a:ln>
@@ -4140,7 +4102,7 @@
               <a:t>: </a:t>
             </a:r>
             <a:r>
-              <a:rPr kumimoji="0" lang="en-US" altLang="en-US" sz="2000" b="0" i="0" u="none" strike="noStrike" cap="none" normalizeH="0" baseline="0" dirty="0" smtClean="0">
+              <a:rPr kumimoji="0" lang="en-US" altLang="en-US" sz="2000" b="0" i="0" u="none" strike="noStrike" cap="none" normalizeH="0" baseline="0" dirty="0">
                 <a:ln>
                   <a:noFill/>
                 </a:ln>
@@ -4153,7 +4115,7 @@
               <a:t>/\.</a:t>
             </a:r>
             <a:r>
-              <a:rPr kumimoji="0" lang="en-US" altLang="en-US" sz="2000" b="0" i="0" u="none" strike="noStrike" cap="none" normalizeH="0" baseline="0" dirty="0" err="1" smtClean="0">
+              <a:rPr kumimoji="0" lang="en-US" altLang="en-US" sz="2000" b="0" i="0" u="none" strike="noStrike" cap="none" normalizeH="0" baseline="0" dirty="0" err="1">
                 <a:ln>
                   <a:noFill/>
                 </a:ln>
@@ -4166,7 +4128,7 @@
               <a:t>jsx</a:t>
             </a:r>
             <a:r>
-              <a:rPr kumimoji="0" lang="en-US" altLang="en-US" sz="2000" b="0" i="0" u="none" strike="noStrike" cap="none" normalizeH="0" baseline="0" dirty="0" smtClean="0">
+              <a:rPr kumimoji="0" lang="en-US" altLang="en-US" sz="2000" b="0" i="0" u="none" strike="noStrike" cap="none" normalizeH="0" baseline="0" dirty="0">
                 <a:ln>
                   <a:noFill/>
                 </a:ln>
@@ -4179,7 +4141,7 @@
               <a:t>$/</a:t>
             </a:r>
             <a:r>
-              <a:rPr kumimoji="0" lang="en-US" altLang="en-US" sz="2000" b="0" i="0" u="none" strike="noStrike" cap="none" normalizeH="0" baseline="0" dirty="0" smtClean="0">
+              <a:rPr kumimoji="0" lang="en-US" altLang="en-US" sz="2000" b="0" i="0" u="none" strike="noStrike" cap="none" normalizeH="0" baseline="0" dirty="0">
                 <a:ln>
                   <a:noFill/>
                 </a:ln>
@@ -4192,7 +4154,7 @@
               <a:t>,</a:t>
             </a:r>
             <a:br>
-              <a:rPr kumimoji="0" lang="en-US" altLang="en-US" sz="2000" b="0" i="0" u="none" strike="noStrike" cap="none" normalizeH="0" baseline="0" dirty="0" smtClean="0">
+              <a:rPr kumimoji="0" lang="en-US" altLang="en-US" sz="2000" b="0" i="0" u="none" strike="noStrike" cap="none" normalizeH="0" baseline="0" dirty="0">
                 <a:ln>
                   <a:noFill/>
                 </a:ln>
@@ -4204,7 +4166,7 @@
               </a:rPr>
             </a:br>
             <a:r>
-              <a:rPr kumimoji="0" lang="en-US" altLang="en-US" sz="2000" b="0" i="0" u="none" strike="noStrike" cap="none" normalizeH="0" baseline="0" dirty="0" smtClean="0">
+              <a:rPr kumimoji="0" lang="en-US" altLang="en-US" sz="2000" b="0" i="0" u="none" strike="noStrike" cap="none" normalizeH="0" baseline="0" dirty="0">
                 <a:ln>
                   <a:noFill/>
                 </a:ln>
@@ -4217,7 +4179,7 @@
               <a:t>            </a:t>
             </a:r>
             <a:r>
-              <a:rPr kumimoji="0" lang="en-US" altLang="en-US" sz="2000" b="0" i="0" u="none" strike="noStrike" cap="none" normalizeH="0" baseline="0" dirty="0" smtClean="0">
+              <a:rPr kumimoji="0" lang="en-US" altLang="en-US" sz="2000" b="0" i="0" u="none" strike="noStrike" cap="none" normalizeH="0" baseline="0" dirty="0">
                 <a:ln>
                   <a:noFill/>
                 </a:ln>
@@ -4230,7 +4192,7 @@
               <a:t>exclude</a:t>
             </a:r>
             <a:r>
-              <a:rPr kumimoji="0" lang="en-US" altLang="en-US" sz="2000" b="0" i="0" u="none" strike="noStrike" cap="none" normalizeH="0" baseline="0" dirty="0" smtClean="0">
+              <a:rPr kumimoji="0" lang="en-US" altLang="en-US" sz="2000" b="0" i="0" u="none" strike="noStrike" cap="none" normalizeH="0" baseline="0" dirty="0">
                 <a:ln>
                   <a:noFill/>
                 </a:ln>
@@ -4243,7 +4205,7 @@
               <a:t>: </a:t>
             </a:r>
             <a:r>
-              <a:rPr kumimoji="0" lang="en-US" altLang="en-US" sz="2000" b="0" i="0" u="none" strike="noStrike" cap="none" normalizeH="0" baseline="0" dirty="0" smtClean="0">
+              <a:rPr kumimoji="0" lang="en-US" altLang="en-US" sz="2000" b="0" i="0" u="none" strike="noStrike" cap="none" normalizeH="0" baseline="0" dirty="0">
                 <a:ln>
                   <a:noFill/>
                 </a:ln>
@@ -4256,7 +4218,7 @@
               <a:t>/</a:t>
             </a:r>
             <a:r>
-              <a:rPr kumimoji="0" lang="en-US" altLang="en-US" sz="2000" b="0" i="0" u="none" strike="noStrike" cap="none" normalizeH="0" baseline="0" dirty="0" err="1" smtClean="0">
+              <a:rPr kumimoji="0" lang="en-US" altLang="en-US" sz="2000" b="0" i="0" u="none" strike="noStrike" cap="none" normalizeH="0" baseline="0" dirty="0" err="1">
                 <a:ln>
                   <a:noFill/>
                 </a:ln>
@@ -4269,7 +4231,7 @@
               <a:t>node_modules</a:t>
             </a:r>
             <a:r>
-              <a:rPr kumimoji="0" lang="en-US" altLang="en-US" sz="2000" b="0" i="0" u="none" strike="noStrike" cap="none" normalizeH="0" baseline="0" dirty="0" smtClean="0">
+              <a:rPr kumimoji="0" lang="en-US" altLang="en-US" sz="2000" b="0" i="0" u="none" strike="noStrike" cap="none" normalizeH="0" baseline="0" dirty="0">
                 <a:ln>
                   <a:noFill/>
                 </a:ln>
@@ -4282,7 +4244,7 @@
               <a:t>/</a:t>
             </a:r>
             <a:r>
-              <a:rPr kumimoji="0" lang="en-US" altLang="en-US" sz="2000" b="0" i="0" u="none" strike="noStrike" cap="none" normalizeH="0" baseline="0" dirty="0" smtClean="0">
+              <a:rPr kumimoji="0" lang="en-US" altLang="en-US" sz="2000" b="0" i="0" u="none" strike="noStrike" cap="none" normalizeH="0" baseline="0" dirty="0">
                 <a:ln>
                   <a:noFill/>
                 </a:ln>
@@ -4295,7 +4257,7 @@
               <a:t>,</a:t>
             </a:r>
             <a:br>
-              <a:rPr kumimoji="0" lang="en-US" altLang="en-US" sz="2000" b="0" i="0" u="none" strike="noStrike" cap="none" normalizeH="0" baseline="0" dirty="0" smtClean="0">
+              <a:rPr kumimoji="0" lang="en-US" altLang="en-US" sz="2000" b="0" i="0" u="none" strike="noStrike" cap="none" normalizeH="0" baseline="0" dirty="0">
                 <a:ln>
                   <a:noFill/>
                 </a:ln>
@@ -4307,7 +4269,7 @@
               </a:rPr>
             </a:br>
             <a:r>
-              <a:rPr kumimoji="0" lang="en-US" altLang="en-US" sz="2000" b="0" i="0" u="none" strike="noStrike" cap="none" normalizeH="0" baseline="0" dirty="0" smtClean="0">
+              <a:rPr kumimoji="0" lang="en-US" altLang="en-US" sz="2000" b="0" i="0" u="none" strike="noStrike" cap="none" normalizeH="0" baseline="0" dirty="0">
                 <a:ln>
                   <a:noFill/>
                 </a:ln>
@@ -4320,7 +4282,7 @@
               <a:t>            </a:t>
             </a:r>
             <a:r>
-              <a:rPr kumimoji="0" lang="en-US" altLang="en-US" sz="2000" b="0" i="0" u="none" strike="noStrike" cap="none" normalizeH="0" baseline="0" dirty="0" smtClean="0">
+              <a:rPr kumimoji="0" lang="en-US" altLang="en-US" sz="2000" b="0" i="0" u="none" strike="noStrike" cap="none" normalizeH="0" baseline="0" dirty="0">
                 <a:ln>
                   <a:noFill/>
                 </a:ln>
@@ -4333,7 +4295,7 @@
               <a:t>use</a:t>
             </a:r>
             <a:r>
-              <a:rPr kumimoji="0" lang="en-US" altLang="en-US" sz="2000" b="0" i="0" u="none" strike="noStrike" cap="none" normalizeH="0" baseline="0" dirty="0" smtClean="0">
+              <a:rPr kumimoji="0" lang="en-US" altLang="en-US" sz="2000" b="0" i="0" u="none" strike="noStrike" cap="none" normalizeH="0" baseline="0" dirty="0">
                 <a:ln>
                   <a:noFill/>
                 </a:ln>
@@ -4346,7 +4308,7 @@
               <a:t>: {</a:t>
             </a:r>
             <a:br>
-              <a:rPr kumimoji="0" lang="en-US" altLang="en-US" sz="2000" b="0" i="0" u="none" strike="noStrike" cap="none" normalizeH="0" baseline="0" dirty="0" smtClean="0">
+              <a:rPr kumimoji="0" lang="en-US" altLang="en-US" sz="2000" b="0" i="0" u="none" strike="noStrike" cap="none" normalizeH="0" baseline="0" dirty="0">
                 <a:ln>
                   <a:noFill/>
                 </a:ln>
@@ -4358,7 +4320,7 @@
               </a:rPr>
             </a:br>
             <a:r>
-              <a:rPr kumimoji="0" lang="en-US" altLang="en-US" sz="2000" b="0" i="0" u="none" strike="noStrike" cap="none" normalizeH="0" baseline="0" dirty="0" smtClean="0">
+              <a:rPr kumimoji="0" lang="en-US" altLang="en-US" sz="2000" b="0" i="0" u="none" strike="noStrike" cap="none" normalizeH="0" baseline="0" dirty="0">
                 <a:ln>
                   <a:noFill/>
                 </a:ln>
@@ -4371,7 +4333,7 @@
               <a:t>                </a:t>
             </a:r>
             <a:r>
-              <a:rPr kumimoji="0" lang="en-US" altLang="en-US" sz="2000" b="0" i="0" u="none" strike="noStrike" cap="none" normalizeH="0" baseline="0" dirty="0" smtClean="0">
+              <a:rPr kumimoji="0" lang="en-US" altLang="en-US" sz="2000" b="0" i="0" u="none" strike="noStrike" cap="none" normalizeH="0" baseline="0" dirty="0">
                 <a:ln>
                   <a:noFill/>
                 </a:ln>
@@ -4384,7 +4346,7 @@
               <a:t>loader</a:t>
             </a:r>
             <a:r>
-              <a:rPr kumimoji="0" lang="en-US" altLang="en-US" sz="2000" b="0" i="0" u="none" strike="noStrike" cap="none" normalizeH="0" baseline="0" dirty="0" smtClean="0">
+              <a:rPr kumimoji="0" lang="en-US" altLang="en-US" sz="2000" b="0" i="0" u="none" strike="noStrike" cap="none" normalizeH="0" baseline="0" dirty="0">
                 <a:ln>
                   <a:noFill/>
                 </a:ln>
@@ -4397,7 +4359,7 @@
               <a:t>: </a:t>
             </a:r>
             <a:r>
-              <a:rPr kumimoji="0" lang="en-US" altLang="en-US" sz="2000" b="0" i="0" u="none" strike="noStrike" cap="none" normalizeH="0" baseline="0" dirty="0" smtClean="0">
+              <a:rPr kumimoji="0" lang="en-US" altLang="en-US" sz="2000" b="0" i="0" u="none" strike="noStrike" cap="none" normalizeH="0" baseline="0" dirty="0">
                 <a:ln>
                   <a:noFill/>
                 </a:ln>
@@ -4410,7 +4372,7 @@
               <a:t>"babel-loader"</a:t>
             </a:r>
             <a:br>
-              <a:rPr kumimoji="0" lang="en-US" altLang="en-US" sz="2000" b="0" i="0" u="none" strike="noStrike" cap="none" normalizeH="0" baseline="0" dirty="0" smtClean="0">
+              <a:rPr kumimoji="0" lang="en-US" altLang="en-US" sz="2000" b="0" i="0" u="none" strike="noStrike" cap="none" normalizeH="0" baseline="0" dirty="0">
                 <a:ln>
                   <a:noFill/>
                 </a:ln>
@@ -4422,7 +4384,7 @@
               </a:rPr>
             </a:br>
             <a:r>
-              <a:rPr kumimoji="0" lang="en-US" altLang="en-US" sz="2000" b="0" i="0" u="none" strike="noStrike" cap="none" normalizeH="0" baseline="0" dirty="0" smtClean="0">
+              <a:rPr kumimoji="0" lang="en-US" altLang="en-US" sz="2000" b="0" i="0" u="none" strike="noStrike" cap="none" normalizeH="0" baseline="0" dirty="0">
                 <a:ln>
                   <a:noFill/>
                 </a:ln>
@@ -4435,7 +4397,7 @@
               <a:t>            </a:t>
             </a:r>
             <a:r>
-              <a:rPr kumimoji="0" lang="en-US" altLang="en-US" sz="2000" b="0" i="0" u="none" strike="noStrike" cap="none" normalizeH="0" baseline="0" dirty="0" smtClean="0">
+              <a:rPr kumimoji="0" lang="en-US" altLang="en-US" sz="2000" b="0" i="0" u="none" strike="noStrike" cap="none" normalizeH="0" baseline="0" dirty="0">
                 <a:ln>
                   <a:noFill/>
                 </a:ln>
@@ -4448,7 +4410,7 @@
               <a:t>}</a:t>
             </a:r>
             <a:br>
-              <a:rPr kumimoji="0" lang="en-US" altLang="en-US" sz="2000" b="0" i="0" u="none" strike="noStrike" cap="none" normalizeH="0" baseline="0" dirty="0" smtClean="0">
+              <a:rPr kumimoji="0" lang="en-US" altLang="en-US" sz="2000" b="0" i="0" u="none" strike="noStrike" cap="none" normalizeH="0" baseline="0" dirty="0">
                 <a:ln>
                   <a:noFill/>
                 </a:ln>
@@ -4460,7 +4422,7 @@
               </a:rPr>
             </a:br>
             <a:r>
-              <a:rPr kumimoji="0" lang="en-US" altLang="en-US" sz="2000" b="0" i="0" u="none" strike="noStrike" cap="none" normalizeH="0" baseline="0" dirty="0" smtClean="0">
+              <a:rPr kumimoji="0" lang="en-US" altLang="en-US" sz="2000" b="0" i="0" u="none" strike="noStrike" cap="none" normalizeH="0" baseline="0" dirty="0">
                 <a:ln>
                   <a:noFill/>
                 </a:ln>
@@ -4473,7 +4435,7 @@
               <a:t>        }</a:t>
             </a:r>
             <a:br>
-              <a:rPr kumimoji="0" lang="en-US" altLang="en-US" sz="2000" b="0" i="0" u="none" strike="noStrike" cap="none" normalizeH="0" baseline="0" dirty="0" smtClean="0">
+              <a:rPr kumimoji="0" lang="en-US" altLang="en-US" sz="2000" b="0" i="0" u="none" strike="noStrike" cap="none" normalizeH="0" baseline="0" dirty="0">
                 <a:ln>
                   <a:noFill/>
                 </a:ln>
@@ -4485,7 +4447,7 @@
               </a:rPr>
             </a:br>
             <a:r>
-              <a:rPr kumimoji="0" lang="en-US" altLang="en-US" sz="2000" b="0" i="0" u="none" strike="noStrike" cap="none" normalizeH="0" baseline="0" dirty="0" smtClean="0">
+              <a:rPr kumimoji="0" lang="en-US" altLang="en-US" sz="2000" b="0" i="0" u="none" strike="noStrike" cap="none" normalizeH="0" baseline="0" dirty="0">
                 <a:ln>
                   <a:noFill/>
                 </a:ln>
@@ -4498,7 +4460,7 @@
               <a:t>    ]</a:t>
             </a:r>
             <a:br>
-              <a:rPr kumimoji="0" lang="en-US" altLang="en-US" sz="2000" b="0" i="0" u="none" strike="noStrike" cap="none" normalizeH="0" baseline="0" dirty="0" smtClean="0">
+              <a:rPr kumimoji="0" lang="en-US" altLang="en-US" sz="2000" b="0" i="0" u="none" strike="noStrike" cap="none" normalizeH="0" baseline="0" dirty="0">
                 <a:ln>
                   <a:noFill/>
                 </a:ln>
@@ -4510,7 +4472,7 @@
               </a:rPr>
             </a:br>
             <a:r>
-              <a:rPr kumimoji="0" lang="en-US" altLang="en-US" sz="2000" b="0" i="0" u="none" strike="noStrike" cap="none" normalizeH="0" baseline="0" dirty="0" smtClean="0">
+              <a:rPr kumimoji="0" lang="en-US" altLang="en-US" sz="2000" b="0" i="0" u="none" strike="noStrike" cap="none" normalizeH="0" baseline="0" dirty="0">
                 <a:ln>
                   <a:noFill/>
                 </a:ln>
@@ -4523,7 +4485,7 @@
               <a:t>}</a:t>
             </a:r>
             <a:r>
-              <a:rPr kumimoji="0" lang="en-US" altLang="en-US" sz="2000" b="0" i="0" u="none" strike="noStrike" cap="none" normalizeH="0" baseline="0" dirty="0" smtClean="0">
+              <a:rPr kumimoji="0" lang="en-US" altLang="en-US" sz="2000" b="0" i="0" u="none" strike="noStrike" cap="none" normalizeH="0" baseline="0" dirty="0">
                 <a:ln>
                   <a:noFill/>
                 </a:ln>
@@ -4535,7 +4497,7 @@
               </a:rPr>
               <a:t>,</a:t>
             </a:r>
-            <a:endParaRPr kumimoji="0" lang="en-US" altLang="en-US" sz="1800" b="0" i="0" u="none" strike="noStrike" cap="none" normalizeH="0" baseline="0" dirty="0" smtClean="0">
+            <a:endParaRPr kumimoji="0" lang="en-US" altLang="en-US" sz="1800" b="0" i="0" u="none" strike="noStrike" cap="none" normalizeH="0" baseline="0" dirty="0">
               <a:ln>
                 <a:noFill/>
               </a:ln>
@@ -4594,14 +4556,13 @@
           <a:lstStyle/>
           <a:p>
             <a:r>
-              <a:rPr lang="en-US" i="1" dirty="0" err="1" smtClean="0"/>
+              <a:rPr lang="en-US" i="1" dirty="0" err="1"/>
               <a:t>React.Component</a:t>
             </a:r>
             <a:r>
-              <a:rPr lang="en-US" dirty="0" smtClean="0"/>
+              <a:rPr lang="en-US" dirty="0"/>
               <a:t> Class</a:t>
             </a:r>
-            <a:endParaRPr lang="en-US" dirty="0"/>
           </a:p>
         </p:txBody>
       </p:sp>
@@ -4626,189 +4587,185 @@
           <a:lstStyle/>
           <a:p>
             <a:r>
-              <a:rPr lang="en-US" dirty="0" err="1" smtClean="0"/>
+              <a:rPr lang="en-US" dirty="0" err="1"/>
               <a:t>eg</a:t>
             </a:r>
             <a:r>
-              <a:rPr lang="en-US" dirty="0" smtClean="0"/>
+              <a:rPr lang="en-US" dirty="0"/>
               <a:t>, “</a:t>
             </a:r>
             <a:r>
-              <a:rPr lang="en-US" i="1" dirty="0" smtClean="0"/>
-              <a:t>class </a:t>
-            </a:r>
-            <a:r>
               <a:rPr lang="en-US" i="1" dirty="0"/>
-              <a:t>App extends </a:t>
-            </a:r>
-            <a:r>
-              <a:rPr lang="en-US" i="1" dirty="0" err="1" smtClean="0"/>
+              <a:t>class App extends </a:t>
+            </a:r>
+            <a:r>
+              <a:rPr lang="en-US" i="1" dirty="0" err="1"/>
               <a:t>React.Component</a:t>
             </a:r>
             <a:r>
-              <a:rPr lang="en-US" dirty="0" smtClean="0"/>
+              <a:rPr lang="en-US" dirty="0"/>
               <a:t>”</a:t>
             </a:r>
           </a:p>
           <a:p>
             <a:r>
-              <a:rPr lang="en-US" b="1" dirty="0" smtClean="0"/>
+              <a:rPr lang="en-US" b="1" dirty="0"/>
               <a:t>constructor(props)</a:t>
             </a:r>
           </a:p>
           <a:p>
             <a:pPr lvl="1"/>
             <a:r>
-              <a:rPr lang="en-US" dirty="0" smtClean="0"/>
+              <a:rPr lang="en-US" dirty="0"/>
               <a:t>always call </a:t>
             </a:r>
             <a:r>
-              <a:rPr lang="en-US" b="1" dirty="0" smtClean="0"/>
+              <a:rPr lang="en-US" b="1" dirty="0"/>
               <a:t>super(props);</a:t>
             </a:r>
             <a:r>
-              <a:rPr lang="en-US" dirty="0" smtClean="0"/>
+              <a:rPr lang="en-US" dirty="0"/>
               <a:t> </a:t>
             </a:r>
           </a:p>
           <a:p>
             <a:pPr lvl="1"/>
             <a:r>
-              <a:rPr lang="en-US" dirty="0" smtClean="0"/>
+              <a:rPr lang="en-US" dirty="0"/>
               <a:t>can set initial state directly with “</a:t>
             </a:r>
             <a:r>
-              <a:rPr lang="en-US" b="1" dirty="0" err="1" smtClean="0"/>
+              <a:rPr lang="en-US" b="1" dirty="0" err="1"/>
               <a:t>this.state</a:t>
             </a:r>
             <a:r>
-              <a:rPr lang="en-US" b="1" dirty="0" smtClean="0"/>
+              <a:rPr lang="en-US" b="1" dirty="0"/>
               <a:t> = …</a:t>
             </a:r>
             <a:r>
-              <a:rPr lang="en-US" dirty="0" smtClean="0"/>
+              <a:rPr lang="en-US" dirty="0"/>
               <a:t>”</a:t>
             </a:r>
           </a:p>
           <a:p>
             <a:r>
-              <a:rPr lang="en-US" b="1" dirty="0" smtClean="0"/>
+              <a:rPr lang="en-US" b="1" dirty="0"/>
               <a:t>render()</a:t>
             </a:r>
             <a:r>
-              <a:rPr lang="en-US" dirty="0" smtClean="0"/>
+              <a:rPr lang="en-US" dirty="0"/>
               <a:t>: override to create HTML based on state and props</a:t>
             </a:r>
           </a:p>
           <a:p>
             <a:r>
-              <a:rPr lang="en-US" b="1" dirty="0" err="1" smtClean="0"/>
+              <a:rPr lang="en-US" b="1" dirty="0" err="1"/>
               <a:t>setState</a:t>
             </a:r>
             <a:r>
-              <a:rPr lang="en-US" b="1" dirty="0" smtClean="0"/>
+              <a:rPr lang="en-US" b="1" dirty="0"/>
               <a:t>(</a:t>
             </a:r>
             <a:r>
-              <a:rPr lang="en-US" b="1" dirty="0" err="1" smtClean="0"/>
+              <a:rPr lang="en-US" b="1" dirty="0" err="1"/>
               <a:t>newState</a:t>
             </a:r>
             <a:r>
-              <a:rPr lang="en-US" b="1" dirty="0" smtClean="0"/>
+              <a:rPr lang="en-US" b="1" dirty="0"/>
               <a:t>)</a:t>
             </a:r>
             <a:r>
-              <a:rPr lang="en-US" dirty="0" smtClean="0"/>
+              <a:rPr lang="en-US" dirty="0"/>
               <a:t>: called to modify the state</a:t>
             </a:r>
           </a:p>
           <a:p>
             <a:pPr lvl="1"/>
             <a:r>
-              <a:rPr lang="en-US" dirty="0" smtClean="0"/>
+              <a:rPr lang="en-US" dirty="0"/>
               <a:t>the change is asynchronous, </a:t>
             </a:r>
             <a:r>
-              <a:rPr lang="en-US" dirty="0" err="1" smtClean="0"/>
+              <a:rPr lang="en-US" dirty="0" err="1"/>
               <a:t>ie</a:t>
             </a:r>
             <a:r>
-              <a:rPr lang="en-US" dirty="0" smtClean="0"/>
+              <a:rPr lang="en-US" dirty="0"/>
               <a:t> </a:t>
             </a:r>
             <a:r>
-              <a:rPr lang="en-US" b="1" dirty="0" err="1" smtClean="0"/>
+              <a:rPr lang="en-US" b="1" dirty="0" err="1"/>
               <a:t>this.state</a:t>
             </a:r>
             <a:r>
-              <a:rPr lang="en-US" dirty="0" smtClean="0"/>
+              <a:rPr lang="en-US" dirty="0"/>
               <a:t> is not modified immediately</a:t>
             </a:r>
           </a:p>
           <a:p>
             <a:pPr lvl="1"/>
             <a:r>
-              <a:rPr lang="en-US" dirty="0" smtClean="0"/>
+              <a:rPr lang="en-US" dirty="0"/>
               <a:t>use version </a:t>
             </a:r>
             <a:r>
-              <a:rPr lang="en-US" b="1" dirty="0" err="1" smtClean="0"/>
+              <a:rPr lang="en-US" b="1" dirty="0" err="1"/>
               <a:t>setState</a:t>
             </a:r>
             <a:r>
-              <a:rPr lang="en-US" b="1" dirty="0" smtClean="0"/>
+              <a:rPr lang="en-US" b="1" dirty="0"/>
               <a:t>(</a:t>
             </a:r>
             <a:r>
-              <a:rPr lang="en-US" b="1" dirty="0" err="1" smtClean="0"/>
+              <a:rPr lang="en-US" b="1" dirty="0" err="1"/>
               <a:t>prev</a:t>
             </a:r>
             <a:r>
-              <a:rPr lang="en-US" b="1" dirty="0" smtClean="0"/>
+              <a:rPr lang="en-US" b="1" dirty="0"/>
               <a:t> =&gt; </a:t>
             </a:r>
             <a:r>
-              <a:rPr lang="en-US" b="1" dirty="0" err="1" smtClean="0"/>
+              <a:rPr lang="en-US" b="1" dirty="0" err="1"/>
               <a:t>newState</a:t>
             </a:r>
             <a:r>
-              <a:rPr lang="en-US" b="1" dirty="0" smtClean="0"/>
+              <a:rPr lang="en-US" b="1" dirty="0"/>
               <a:t>)</a:t>
             </a:r>
             <a:r>
-              <a:rPr lang="en-US" dirty="0" smtClean="0"/>
+              <a:rPr lang="en-US" dirty="0"/>
               <a:t> when </a:t>
             </a:r>
             <a:r>
-              <a:rPr lang="en-US" b="1" dirty="0" err="1" smtClean="0"/>
+              <a:rPr lang="en-US" b="1" dirty="0" err="1"/>
               <a:t>newState</a:t>
             </a:r>
             <a:r>
-              <a:rPr lang="en-US" dirty="0" smtClean="0"/>
+              <a:rPr lang="en-US" dirty="0"/>
               <a:t> is computed from the previous state, </a:t>
             </a:r>
             <a:r>
-              <a:rPr lang="en-US" dirty="0" err="1" smtClean="0"/>
+              <a:rPr lang="en-US" dirty="0" err="1"/>
               <a:t>eg</a:t>
             </a:r>
             <a:r>
-              <a:rPr lang="en-US" dirty="0" smtClean="0"/>
+              <a:rPr lang="en-US" dirty="0"/>
               <a:t> </a:t>
             </a:r>
             <a:r>
-              <a:rPr lang="en-US" b="1" dirty="0" err="1" smtClean="0"/>
+              <a:rPr lang="en-US" b="1" dirty="0" err="1"/>
               <a:t>setState</a:t>
             </a:r>
             <a:r>
-              <a:rPr lang="en-US" b="1" dirty="0" smtClean="0"/>
+              <a:rPr lang="en-US" b="1" dirty="0"/>
               <a:t>( </a:t>
             </a:r>
             <a:r>
-              <a:rPr lang="en-US" b="1" dirty="0" err="1" smtClean="0"/>
+              <a:rPr lang="en-US" b="1" dirty="0" err="1"/>
               <a:t>prev</a:t>
             </a:r>
             <a:r>
-              <a:rPr lang="en-US" b="1" dirty="0" smtClean="0"/>
+              <a:rPr lang="en-US" b="1" dirty="0"/>
               <a:t> =&gt; ({x: prev.x+1}))</a:t>
             </a:r>
           </a:p>
@@ -4849,7 +4806,13 @@
       </p:grpSpPr>
       <p:sp>
         <p:nvSpPr>
-          <p:cNvPr id="2" name="Title 1"/>
+          <p:cNvPr id="2" name="Title 1">
+            <a:extLst>
+              <a:ext uri="{FF2B5EF4-FFF2-40B4-BE49-F238E27FC236}">
+                <a16:creationId xmlns:a16="http://schemas.microsoft.com/office/drawing/2014/main" id="{27F6E221-9E6D-4770-B2CC-4306452BEA7F}"/>
+              </a:ext>
+            </a:extLst>
+          </p:cNvPr>
           <p:cNvSpPr>
             <a:spLocks noGrp="1"/>
           </p:cNvSpPr>
@@ -4863,16 +4826,29 @@
           <a:lstStyle/>
           <a:p>
             <a:r>
-              <a:rPr lang="en-US" dirty="0" smtClean="0"/>
-              <a:t>Lifecycle Methods</a:t>
-            </a:r>
-            <a:endParaRPr lang="en-US" dirty="0"/>
-          </a:p>
-        </p:txBody>
-      </p:sp>
-      <p:sp>
-        <p:nvSpPr>
-          <p:cNvPr id="3" name="Content Placeholder 2"/>
+              <a:rPr lang="en-US" i="1" dirty="0" err="1"/>
+              <a:t>setState</a:t>
+            </a:r>
+            <a:r>
+              <a:rPr lang="en-US" i="1" dirty="0"/>
+              <a:t>()</a:t>
+            </a:r>
+            <a:r>
+              <a:rPr lang="en-US" dirty="0"/>
+              <a:t> cont.</a:t>
+            </a:r>
+          </a:p>
+        </p:txBody>
+      </p:sp>
+      <p:sp>
+        <p:nvSpPr>
+          <p:cNvPr id="3" name="Content Placeholder 2">
+            <a:extLst>
+              <a:ext uri="{FF2B5EF4-FFF2-40B4-BE49-F238E27FC236}">
+                <a16:creationId xmlns:a16="http://schemas.microsoft.com/office/drawing/2014/main" id="{65DBDDDD-655E-4E7A-9BCE-534BD74CF3E7}"/>
+              </a:ext>
+            </a:extLst>
+          </p:cNvPr>
           <p:cNvSpPr>
             <a:spLocks noGrp="1"/>
           </p:cNvSpPr>
@@ -4882,77 +4858,115 @@
         </p:nvSpPr>
         <p:spPr>
           <a:xfrm>
-            <a:off x="196702" y="1825624"/>
-            <a:ext cx="11881884" cy="4888835"/>
+            <a:off x="192505" y="1825625"/>
+            <a:ext cx="11772900" cy="4845886"/>
           </a:xfrm>
         </p:spPr>
         <p:txBody>
-          <a:bodyPr/>
-          <a:lstStyle/>
-          <a:p>
-            <a:r>
-              <a:rPr lang="en-US" b="1" dirty="0" err="1" smtClean="0"/>
-              <a:t>componentDidMount</a:t>
-            </a:r>
-            <a:r>
-              <a:rPr lang="en-US" b="1" dirty="0" smtClean="0"/>
+          <a:bodyPr>
+            <a:normAutofit/>
+          </a:bodyPr>
+          <a:lstStyle/>
+          <a:p>
+            <a:r>
+              <a:rPr lang="en-US" dirty="0"/>
+              <a:t>When using </a:t>
+            </a:r>
+            <a:r>
+              <a:rPr lang="en-US" i="1" dirty="0" err="1"/>
+              <a:t>setState</a:t>
+            </a:r>
+            <a:r>
+              <a:rPr lang="en-US" i="1" dirty="0"/>
               <a:t>()</a:t>
             </a:r>
             <a:r>
-              <a:rPr lang="en-US" dirty="0" smtClean="0"/>
-              <a:t>: override to execute code after constructor and first </a:t>
-            </a:r>
-            <a:r>
-              <a:rPr lang="en-US" b="1" dirty="0" smtClean="0"/>
+              <a:rPr lang="en-US" dirty="0"/>
+              <a:t> to change the state, we need to provide a new input object</a:t>
+            </a:r>
+          </a:p>
+          <a:p>
+            <a:pPr lvl="1"/>
+            <a:r>
+              <a:rPr lang="en-US" dirty="0"/>
+              <a:t>or a function that takes as input the previous state and return a new one</a:t>
+            </a:r>
+          </a:p>
+          <a:p>
+            <a:r>
+              <a:rPr lang="en-US" dirty="0"/>
+              <a:t>The new input object is “</a:t>
+            </a:r>
+            <a:r>
+              <a:rPr lang="en-US" i="1" dirty="0"/>
+              <a:t>merged</a:t>
+            </a:r>
+            <a:r>
+              <a:rPr lang="en-US" dirty="0"/>
+              <a:t>” into the current state</a:t>
+            </a:r>
+          </a:p>
+          <a:p>
+            <a:pPr lvl="1"/>
+            <a:r>
+              <a:rPr lang="en-US" dirty="0"/>
+              <a:t>so, if state object has many fields, just need to provide an object with just the modified fields </a:t>
+            </a:r>
+          </a:p>
+          <a:p>
+            <a:r>
+              <a:rPr lang="en-US" dirty="0"/>
+              <a:t>Should not re-use directly the current </a:t>
+            </a:r>
+            <a:r>
+              <a:rPr lang="en-US" i="1" dirty="0"/>
+              <a:t>state</a:t>
+            </a:r>
+            <a:r>
+              <a:rPr lang="en-US" dirty="0"/>
+              <a:t> object</a:t>
+            </a:r>
+          </a:p>
+          <a:p>
+            <a:pPr lvl="1"/>
+            <a:r>
+              <a:rPr lang="en-US" dirty="0"/>
+              <a:t>the calls to </a:t>
+            </a:r>
+            <a:r>
+              <a:rPr lang="en-US" i="1" dirty="0"/>
               <a:t>render()</a:t>
             </a:r>
             <a:r>
-              <a:rPr lang="en-US" dirty="0" smtClean="0"/>
-              <a:t> is executed</a:t>
-            </a:r>
-          </a:p>
-          <a:p>
-            <a:pPr lvl="1"/>
-            <a:r>
-              <a:rPr lang="en-US" dirty="0" smtClean="0"/>
-              <a:t>useful for expensive initialization code, </a:t>
-            </a:r>
-            <a:r>
-              <a:rPr lang="en-US" dirty="0" err="1" smtClean="0"/>
-              <a:t>eg</a:t>
-            </a:r>
-            <a:r>
-              <a:rPr lang="en-US" dirty="0" smtClean="0"/>
-              <a:t> AJAX calls to backend, which would slow down the app if done in the constructor</a:t>
-            </a:r>
-          </a:p>
-          <a:p>
-            <a:r>
-              <a:rPr lang="en-US" b="1" dirty="0" err="1"/>
-              <a:t>componentWillUnmount</a:t>
-            </a:r>
-            <a:r>
-              <a:rPr lang="en-US" b="1" dirty="0" smtClean="0"/>
-              <a:t>()</a:t>
-            </a:r>
-            <a:r>
-              <a:rPr lang="en-US" dirty="0" smtClean="0"/>
-              <a:t>: override to execute code once the component is removed from the DOM</a:t>
-            </a:r>
-          </a:p>
-          <a:p>
-            <a:r>
-              <a:rPr lang="en-US" b="1" dirty="0" err="1" smtClean="0"/>
-              <a:t>componentDidUpdate</a:t>
-            </a:r>
-            <a:r>
-              <a:rPr lang="en-US" b="1" dirty="0" smtClean="0"/>
-              <a:t>()</a:t>
-            </a:r>
-            <a:r>
-              <a:rPr lang="en-US" dirty="0" smtClean="0"/>
-              <a:t>: override to execute code after method has been re-rendered due to a state/props update</a:t>
-            </a:r>
+              <a:rPr lang="en-US" dirty="0"/>
+              <a:t> are done asynchronously from the updates in </a:t>
+            </a:r>
+            <a:r>
+              <a:rPr lang="en-US" i="1" dirty="0" err="1"/>
+              <a:t>setState</a:t>
+            </a:r>
+            <a:r>
+              <a:rPr lang="en-US" i="1" dirty="0"/>
+              <a:t>, </a:t>
+            </a:r>
+            <a:r>
+              <a:rPr lang="en-US" dirty="0"/>
+              <a:t>and different </a:t>
+            </a:r>
+            <a:r>
+              <a:rPr lang="en-US" i="1" dirty="0" err="1"/>
+              <a:t>setState</a:t>
+            </a:r>
+            <a:r>
+              <a:rPr lang="en-US" dirty="0"/>
+              <a:t> calls could be squashed together</a:t>
+            </a:r>
+            <a:endParaRPr lang="en-US" i="1" dirty="0"/>
+          </a:p>
+          <a:p>
+            <a:pPr marL="0" indent="0">
+              <a:buNone/>
+            </a:pPr>
             <a:endParaRPr lang="en-US" dirty="0"/>
           </a:p>
         </p:txBody>
@@ -4960,7 +4974,7 @@
     </p:spTree>
     <p:extLst>
       <p:ext uri="{BB962C8B-B14F-4D97-AF65-F5344CB8AC3E}">
-        <p14:creationId xmlns:p14="http://schemas.microsoft.com/office/powerpoint/2010/main" val="3063512870"/>
+        <p14:creationId xmlns:p14="http://schemas.microsoft.com/office/powerpoint/2010/main" val="4197354367"/>
       </p:ext>
     </p:extLst>
   </p:cSld>
@@ -5003,10 +5017,147 @@
           <a:lstStyle/>
           <a:p>
             <a:r>
-              <a:rPr lang="en-US" dirty="0" smtClean="0"/>
+              <a:rPr lang="en-US" dirty="0"/>
+              <a:t>React Lifecycle Methods</a:t>
+            </a:r>
+          </a:p>
+        </p:txBody>
+      </p:sp>
+      <p:sp>
+        <p:nvSpPr>
+          <p:cNvPr id="3" name="Content Placeholder 2"/>
+          <p:cNvSpPr>
+            <a:spLocks noGrp="1"/>
+          </p:cNvSpPr>
+          <p:nvPr>
+            <p:ph idx="1"/>
+          </p:nvPr>
+        </p:nvSpPr>
+        <p:spPr>
+          <a:xfrm>
+            <a:off x="196702" y="1825624"/>
+            <a:ext cx="11881884" cy="4888835"/>
+          </a:xfrm>
+        </p:spPr>
+        <p:txBody>
+          <a:bodyPr/>
+          <a:lstStyle/>
+          <a:p>
+            <a:r>
+              <a:rPr lang="en-US" b="1" dirty="0" err="1"/>
+              <a:t>componentDidMount</a:t>
+            </a:r>
+            <a:r>
+              <a:rPr lang="en-US" b="1" dirty="0"/>
+              <a:t>()</a:t>
+            </a:r>
+            <a:r>
+              <a:rPr lang="en-US" dirty="0"/>
+              <a:t>: override to execute code after constructor and first </a:t>
+            </a:r>
+            <a:r>
+              <a:rPr lang="en-US" b="1" dirty="0"/>
+              <a:t>render()</a:t>
+            </a:r>
+            <a:r>
+              <a:rPr lang="en-US" dirty="0"/>
+              <a:t> is executed</a:t>
+            </a:r>
+          </a:p>
+          <a:p>
+            <a:pPr lvl="1"/>
+            <a:r>
+              <a:rPr lang="en-US" dirty="0"/>
+              <a:t>useful for expensive initialization code, </a:t>
+            </a:r>
+            <a:r>
+              <a:rPr lang="en-US" dirty="0" err="1"/>
+              <a:t>eg</a:t>
+            </a:r>
+            <a:r>
+              <a:rPr lang="en-US" dirty="0"/>
+              <a:t> AJAX calls to backend, which would slow down the app if done in the constructor</a:t>
+            </a:r>
+          </a:p>
+          <a:p>
+            <a:r>
+              <a:rPr lang="en-US" b="1" dirty="0" err="1"/>
+              <a:t>componentWillUnmount</a:t>
+            </a:r>
+            <a:r>
+              <a:rPr lang="en-US" b="1" dirty="0"/>
+              <a:t>()</a:t>
+            </a:r>
+            <a:r>
+              <a:rPr lang="en-US" dirty="0"/>
+              <a:t>: override to execute code once the component is removed from the DOM</a:t>
+            </a:r>
+          </a:p>
+          <a:p>
+            <a:r>
+              <a:rPr lang="en-US" b="1" dirty="0" err="1"/>
+              <a:t>componentDidUpdate</a:t>
+            </a:r>
+            <a:r>
+              <a:rPr lang="en-US" b="1" dirty="0"/>
+              <a:t>()</a:t>
+            </a:r>
+            <a:r>
+              <a:rPr lang="en-US" dirty="0"/>
+              <a:t>: override to execute code after method has been re-rendered due to a state/props update</a:t>
+            </a:r>
+          </a:p>
+        </p:txBody>
+      </p:sp>
+    </p:spTree>
+    <p:extLst>
+      <p:ext uri="{BB962C8B-B14F-4D97-AF65-F5344CB8AC3E}">
+        <p14:creationId xmlns:p14="http://schemas.microsoft.com/office/powerpoint/2010/main" val="3063512870"/>
+      </p:ext>
+    </p:extLst>
+  </p:cSld>
+  <p:clrMapOvr>
+    <a:masterClrMapping/>
+  </p:clrMapOvr>
+</p:sld>
+</file>
+
+<file path=ppt/slides/slide16.xml><?xml version="1.0" encoding="utf-8"?>
+<p:sld xmlns:a="http://schemas.openxmlformats.org/drawingml/2006/main" xmlns:r="http://schemas.openxmlformats.org/officeDocument/2006/relationships" xmlns:p="http://schemas.openxmlformats.org/presentationml/2006/main">
+  <p:cSld>
+    <p:spTree>
+      <p:nvGrpSpPr>
+        <p:cNvPr id="1" name=""/>
+        <p:cNvGrpSpPr/>
+        <p:nvPr/>
+      </p:nvGrpSpPr>
+      <p:grpSpPr>
+        <a:xfrm>
+          <a:off x="0" y="0"/>
+          <a:ext cx="0" cy="0"/>
+          <a:chOff x="0" y="0"/>
+          <a:chExt cx="0" cy="0"/>
+        </a:xfrm>
+      </p:grpSpPr>
+      <p:sp>
+        <p:nvSpPr>
+          <p:cNvPr id="2" name="Title 1"/>
+          <p:cNvSpPr>
+            <a:spLocks noGrp="1"/>
+          </p:cNvSpPr>
+          <p:nvPr>
+            <p:ph type="title"/>
+          </p:nvPr>
+        </p:nvSpPr>
+        <p:spPr/>
+        <p:txBody>
+          <a:bodyPr/>
+          <a:lstStyle/>
+          <a:p>
+            <a:r>
+              <a:rPr lang="en-US" dirty="0"/>
               <a:t>JavaScript Woes</a:t>
             </a:r>
-            <a:endParaRPr lang="en-US" dirty="0"/>
           </a:p>
         </p:txBody>
       </p:sp>
@@ -5033,23 +5184,19 @@
           <a:lstStyle/>
           <a:p>
             <a:r>
-              <a:rPr lang="en-US" dirty="0" smtClean="0"/>
-              <a:t>What if </a:t>
-            </a:r>
-            <a:r>
-              <a:rPr lang="en-US" dirty="0"/>
-              <a:t>you type  </a:t>
-            </a:r>
-            <a:r>
-              <a:rPr lang="en-US" b="1" dirty="0" err="1" smtClean="0"/>
+              <a:rPr lang="en-US" dirty="0"/>
+              <a:t>What if you type  </a:t>
+            </a:r>
+            <a:r>
+              <a:rPr lang="en-US" b="1" dirty="0" err="1"/>
               <a:t>componenDidMount</a:t>
             </a:r>
             <a:r>
-              <a:rPr lang="en-US" b="1" dirty="0" smtClean="0"/>
+              <a:rPr lang="en-US" b="1" dirty="0"/>
               <a:t>()</a:t>
             </a:r>
             <a:r>
-              <a:rPr lang="en-US" dirty="0" smtClean="0"/>
+              <a:rPr lang="en-US" dirty="0"/>
               <a:t> instead of </a:t>
             </a:r>
             <a:r>
@@ -5057,33 +5204,33 @@
               <a:t>componentDidMount</a:t>
             </a:r>
             <a:r>
-              <a:rPr lang="en-US" b="1" dirty="0" smtClean="0"/>
+              <a:rPr lang="en-US" b="1" dirty="0"/>
               <a:t>()</a:t>
             </a:r>
             <a:r>
-              <a:rPr lang="en-US" dirty="0" smtClean="0"/>
+              <a:rPr lang="en-US" dirty="0"/>
               <a:t>???</a:t>
             </a:r>
           </a:p>
           <a:p>
             <a:r>
-              <a:rPr lang="en-US" dirty="0" smtClean="0"/>
+              <a:rPr lang="en-US" dirty="0"/>
               <a:t>That would be just another method in your class that is never called, as ignored by </a:t>
             </a:r>
             <a:r>
-              <a:rPr lang="en-US" i="1" dirty="0" smtClean="0"/>
+              <a:rPr lang="en-US" i="1" dirty="0"/>
               <a:t>React</a:t>
             </a:r>
           </a:p>
           <a:p>
             <a:r>
-              <a:rPr lang="en-US" dirty="0" smtClean="0"/>
+              <a:rPr lang="en-US" dirty="0"/>
               <a:t>JS classes are just syntactic sugar… no way to specify that a method is overriding one from superclass (and throw exception if misspelled) </a:t>
             </a:r>
           </a:p>
           <a:p>
             <a:r>
-              <a:rPr lang="en-US" i="1" dirty="0" smtClean="0"/>
+              <a:rPr lang="en-US" i="1" dirty="0"/>
               <a:t>Happy debugging!!!</a:t>
             </a:r>
           </a:p>
@@ -5091,21 +5238,16 @@
             <a:pPr lvl="1"/>
             <a:r>
               <a:rPr lang="en-US" dirty="0"/>
-              <a:t>s</a:t>
-            </a:r>
-            <a:r>
-              <a:rPr lang="en-US" dirty="0" smtClean="0"/>
-              <a:t>ome IDEs like </a:t>
-            </a:r>
-            <a:r>
-              <a:rPr lang="en-US" i="1" dirty="0" err="1" smtClean="0"/>
+              <a:t>some IDEs like </a:t>
+            </a:r>
+            <a:r>
+              <a:rPr lang="en-US" i="1" dirty="0" err="1"/>
               <a:t>WebStorm</a:t>
             </a:r>
             <a:r>
-              <a:rPr lang="en-US" dirty="0" smtClean="0"/>
+              <a:rPr lang="en-US" dirty="0"/>
               <a:t> can issue warning if a method is never used…</a:t>
             </a:r>
-            <a:endParaRPr lang="en-US" dirty="0"/>
           </a:p>
         </p:txBody>
       </p:sp>
@@ -5163,7 +5305,7 @@
 </p:sld>
 </file>
 
-<file path=ppt/slides/slide16.xml><?xml version="1.0" encoding="utf-8"?>
+<file path=ppt/slides/slide17.xml><?xml version="1.0" encoding="utf-8"?>
 <p:sld xmlns:a="http://schemas.openxmlformats.org/drawingml/2006/main" xmlns:r="http://schemas.openxmlformats.org/officeDocument/2006/relationships" xmlns:p="http://schemas.openxmlformats.org/presentationml/2006/main">
   <p:cSld>
     <p:spTree>
@@ -5196,10 +5338,9 @@
           <a:lstStyle/>
           <a:p>
             <a:r>
-              <a:rPr lang="en-US" dirty="0" smtClean="0"/>
+              <a:rPr lang="en-US" dirty="0"/>
               <a:t>React Hooks</a:t>
             </a:r>
-            <a:endParaRPr lang="en-US" dirty="0"/>
           </a:p>
         </p:txBody>
       </p:sp>
@@ -5224,100 +5365,99 @@
           <a:lstStyle/>
           <a:p>
             <a:r>
-              <a:rPr lang="en-US" i="1" dirty="0" smtClean="0"/>
+              <a:rPr lang="en-US" i="1" dirty="0"/>
               <a:t>Hooks</a:t>
             </a:r>
             <a:r>
-              <a:rPr lang="en-US" dirty="0" smtClean="0"/>
+              <a:rPr lang="en-US" dirty="0"/>
               <a:t> were introduced later than class components (2019)</a:t>
             </a:r>
           </a:p>
           <a:p>
             <a:r>
-              <a:rPr lang="en-US" dirty="0" smtClean="0"/>
+              <a:rPr lang="en-US" dirty="0"/>
               <a:t>Enable to write components as </a:t>
             </a:r>
             <a:r>
-              <a:rPr lang="en-US" i="1" dirty="0" smtClean="0"/>
+              <a:rPr lang="en-US" i="1" dirty="0"/>
               <a:t>functions with state</a:t>
             </a:r>
           </a:p>
           <a:p>
             <a:r>
-              <a:rPr lang="en-US" dirty="0" smtClean="0"/>
+              <a:rPr lang="en-US" dirty="0"/>
               <a:t>Have some advantages, </a:t>
             </a:r>
             <a:r>
-              <a:rPr lang="en-US" dirty="0" err="1" smtClean="0"/>
+              <a:rPr lang="en-US" dirty="0" err="1"/>
               <a:t>eg</a:t>
             </a:r>
             <a:r>
-              <a:rPr lang="en-US" dirty="0" smtClean="0"/>
+              <a:rPr lang="en-US" dirty="0"/>
               <a:t> when need to re-use </a:t>
             </a:r>
             <a:r>
-              <a:rPr lang="en-US" dirty="0" err="1" smtClean="0"/>
+              <a:rPr lang="en-US" dirty="0" err="1"/>
               <a:t>stateful</a:t>
             </a:r>
             <a:r>
-              <a:rPr lang="en-US" dirty="0" smtClean="0"/>
+              <a:rPr lang="en-US" dirty="0"/>
               <a:t> logic</a:t>
             </a:r>
           </a:p>
           <a:p>
             <a:r>
-              <a:rPr lang="en-US" i="1" dirty="0" smtClean="0"/>
+              <a:rPr lang="en-US" i="1" dirty="0"/>
               <a:t>Hooks</a:t>
             </a:r>
             <a:r>
-              <a:rPr lang="en-US" dirty="0" smtClean="0"/>
+              <a:rPr lang="en-US" dirty="0"/>
               <a:t> are currently  the recommended approach to write </a:t>
             </a:r>
             <a:r>
-              <a:rPr lang="en-US" i="1" dirty="0" smtClean="0"/>
+              <a:rPr lang="en-US" i="1" dirty="0"/>
               <a:t>React</a:t>
             </a:r>
             <a:r>
-              <a:rPr lang="en-US" dirty="0" smtClean="0"/>
+              <a:rPr lang="en-US" dirty="0"/>
               <a:t> components</a:t>
             </a:r>
           </a:p>
           <a:p>
             <a:r>
-              <a:rPr lang="en-US" dirty="0" smtClean="0"/>
+              <a:rPr lang="en-US" dirty="0"/>
               <a:t>But I prefer classes…</a:t>
             </a:r>
           </a:p>
           <a:p>
             <a:r>
-              <a:rPr lang="en-US" dirty="0" smtClean="0"/>
+              <a:rPr lang="en-US" dirty="0"/>
               <a:t>We </a:t>
             </a:r>
             <a:r>
-              <a:rPr lang="en-US" dirty="0" err="1" smtClean="0"/>
+              <a:rPr lang="en-US" dirty="0" err="1"/>
               <a:t>ll</a:t>
             </a:r>
             <a:r>
-              <a:rPr lang="en-US" dirty="0" smtClean="0"/>
+              <a:rPr lang="en-US" dirty="0"/>
               <a:t> see </a:t>
             </a:r>
             <a:r>
-              <a:rPr lang="en-US" i="1" dirty="0" smtClean="0"/>
+              <a:rPr lang="en-US" i="1" dirty="0"/>
               <a:t>Hooks</a:t>
             </a:r>
             <a:r>
-              <a:rPr lang="en-US" dirty="0" smtClean="0"/>
+              <a:rPr lang="en-US" dirty="0"/>
               <a:t> just in this class, but you can use them (</a:t>
             </a:r>
             <a:r>
-              <a:rPr lang="en-US" dirty="0" err="1" smtClean="0"/>
+              <a:rPr lang="en-US" dirty="0" err="1"/>
               <a:t>eg</a:t>
             </a:r>
             <a:r>
-              <a:rPr lang="en-US" dirty="0" smtClean="0"/>
+              <a:rPr lang="en-US" dirty="0"/>
               <a:t> in exam) if you prefer them</a:t>
             </a:r>
-            <a:endParaRPr lang="en-US" dirty="0"/>
           </a:p>
         </p:txBody>
       </p:sp>
@@ -5367,10 +5507,9 @@
           <a:lstStyle/>
           <a:p>
             <a:r>
-              <a:rPr lang="en-US" dirty="0" smtClean="0"/>
+              <a:rPr lang="en-US" dirty="0"/>
               <a:t>Goals</a:t>
             </a:r>
-            <a:endParaRPr lang="en-US" dirty="0"/>
           </a:p>
         </p:txBody>
       </p:sp>
@@ -5395,7 +5534,7 @@
           <a:lstStyle/>
           <a:p>
             <a:r>
-              <a:rPr lang="en-US" dirty="0" smtClean="0"/>
+              <a:rPr lang="en-US" dirty="0"/>
               <a:t>Learn the main concepts behind </a:t>
             </a:r>
             <a:r>
@@ -5406,46 +5545,36 @@
               <a:rPr lang="en-US" dirty="0"/>
               <a:t> (SPA)</a:t>
             </a:r>
-            <a:endParaRPr lang="en-US" dirty="0" smtClean="0"/>
-          </a:p>
-          <a:p>
-            <a:r>
-              <a:rPr lang="en-US" dirty="0" smtClean="0"/>
-              <a:t>Understand </a:t>
-            </a:r>
-            <a:r>
-              <a:rPr lang="en-US" dirty="0"/>
-              <a:t>why direct DOM manipulation is not-recommended, and a library/framework should be rather </a:t>
-            </a:r>
-            <a:r>
-              <a:rPr lang="en-US" dirty="0" smtClean="0"/>
-              <a:t>used</a:t>
-            </a:r>
-          </a:p>
-          <a:p>
-            <a:r>
-              <a:rPr lang="en-US" dirty="0" smtClean="0"/>
+          </a:p>
+          <a:p>
+            <a:r>
+              <a:rPr lang="en-US" dirty="0"/>
+              <a:t>Understand why direct DOM manipulation is not-recommended, and a library/framework should be rather used</a:t>
+            </a:r>
+          </a:p>
+          <a:p>
+            <a:r>
+              <a:rPr lang="en-US" dirty="0"/>
               <a:t>Understanding the need for </a:t>
             </a:r>
             <a:r>
-              <a:rPr lang="en-US" i="1" dirty="0" smtClean="0"/>
+              <a:rPr lang="en-US" i="1" dirty="0"/>
               <a:t>Components</a:t>
             </a:r>
             <a:r>
-              <a:rPr lang="en-US" dirty="0" smtClean="0"/>
+              <a:rPr lang="en-US" dirty="0"/>
               <a:t> in SPAs</a:t>
             </a:r>
           </a:p>
           <a:p>
             <a:r>
-              <a:rPr lang="en-US" dirty="0" smtClean="0"/>
+              <a:rPr lang="en-US" dirty="0"/>
               <a:t>Introduction to </a:t>
             </a:r>
             <a:r>
-              <a:rPr lang="en-US" i="1" dirty="0" smtClean="0"/>
+              <a:rPr lang="en-US" i="1" dirty="0"/>
               <a:t>React</a:t>
             </a:r>
-            <a:endParaRPr lang="en-US" i="1" dirty="0"/>
           </a:p>
         </p:txBody>
       </p:sp>
@@ -5500,10 +5629,9 @@
           <a:lstStyle/>
           <a:p>
             <a:r>
-              <a:rPr lang="en-US" dirty="0" smtClean="0"/>
+              <a:rPr lang="en-US" dirty="0"/>
               <a:t>Traditional Web Applications</a:t>
             </a:r>
-            <a:endParaRPr lang="en-US" dirty="0"/>
           </a:p>
         </p:txBody>
       </p:sp>
@@ -5530,39 +5658,39 @@
           <a:lstStyle/>
           <a:p>
             <a:r>
-              <a:rPr lang="en-US" dirty="0" smtClean="0"/>
+              <a:rPr lang="en-US" dirty="0"/>
               <a:t>Navigation with HTML tags like </a:t>
             </a:r>
             <a:r>
-              <a:rPr lang="en-US" b="1" dirty="0" smtClean="0"/>
+              <a:rPr lang="en-US" b="1" dirty="0"/>
               <a:t>&lt;a&gt;</a:t>
             </a:r>
             <a:r>
-              <a:rPr lang="en-US" dirty="0" smtClean="0"/>
+              <a:rPr lang="en-US" dirty="0"/>
               <a:t> and </a:t>
             </a:r>
             <a:r>
-              <a:rPr lang="en-US" b="1" dirty="0" smtClean="0"/>
+              <a:rPr lang="en-US" b="1" dirty="0"/>
               <a:t>&lt;form&gt;</a:t>
             </a:r>
           </a:p>
           <a:p>
             <a:r>
-              <a:rPr lang="en-US" dirty="0" smtClean="0"/>
+              <a:rPr lang="en-US" dirty="0"/>
               <a:t>Each request is a HTTP message, </a:t>
             </a:r>
             <a:r>
-              <a:rPr lang="en-US" dirty="0" err="1" smtClean="0"/>
+              <a:rPr lang="en-US" dirty="0" err="1"/>
               <a:t>eg</a:t>
             </a:r>
             <a:r>
-              <a:rPr lang="en-US" dirty="0" smtClean="0"/>
+              <a:rPr lang="en-US" dirty="0"/>
               <a:t> GET or POST</a:t>
             </a:r>
           </a:p>
           <a:p>
             <a:r>
-              <a:rPr lang="en-US" dirty="0" smtClean="0"/>
+              <a:rPr lang="en-US" dirty="0"/>
               <a:t>Get a full HTML page (could be dynamically generated server side)</a:t>
             </a:r>
           </a:p>
@@ -5679,10 +5807,9 @@
           <a:lstStyle/>
           <a:p>
             <a:r>
-              <a:rPr lang="en-US" dirty="0" smtClean="0"/>
+              <a:rPr lang="en-US" dirty="0"/>
               <a:t>Server-Side-Rendering</a:t>
             </a:r>
-            <a:endParaRPr lang="en-US" dirty="0"/>
           </a:p>
         </p:txBody>
       </p:sp>
@@ -5732,10 +5859,9 @@
           <a:lstStyle/>
           <a:p>
             <a:r>
-              <a:rPr lang="en-US" dirty="0" smtClean="0"/>
+              <a:rPr lang="en-US" dirty="0"/>
               <a:t>Single-Page-Applications (SPA)</a:t>
             </a:r>
-            <a:endParaRPr lang="en-US" dirty="0"/>
           </a:p>
         </p:txBody>
       </p:sp>
@@ -5760,45 +5886,44 @@
           <a:lstStyle/>
           <a:p>
             <a:r>
-              <a:rPr lang="en-US" dirty="0" smtClean="0"/>
+              <a:rPr lang="en-US" dirty="0"/>
               <a:t>There is only one single HTML file, with no content</a:t>
             </a:r>
           </a:p>
           <a:p>
             <a:r>
-              <a:rPr lang="en-US" dirty="0" smtClean="0"/>
+              <a:rPr lang="en-US" dirty="0"/>
               <a:t>All the HTML content is </a:t>
             </a:r>
             <a:r>
-              <a:rPr lang="en-US" b="1" dirty="0" smtClean="0"/>
+              <a:rPr lang="en-US" b="1" dirty="0"/>
               <a:t>dynamically generated on the browser</a:t>
             </a:r>
             <a:r>
-              <a:rPr lang="en-US" dirty="0" smtClean="0"/>
+              <a:rPr lang="en-US" dirty="0"/>
               <a:t> with JavaScript</a:t>
             </a:r>
           </a:p>
           <a:p>
             <a:pPr lvl="1"/>
             <a:r>
-              <a:rPr lang="en-US" dirty="0" err="1" smtClean="0"/>
+              <a:rPr lang="en-US" dirty="0" err="1"/>
               <a:t>ie</a:t>
             </a:r>
             <a:r>
-              <a:rPr lang="en-US" dirty="0" smtClean="0"/>
+              <a:rPr lang="en-US" dirty="0"/>
               <a:t>, by manipulating the DOM</a:t>
             </a:r>
           </a:p>
           <a:p>
             <a:r>
-              <a:rPr lang="en-US" b="1" dirty="0" smtClean="0"/>
+              <a:rPr lang="en-US" b="1" dirty="0"/>
               <a:t>Navigation between pages is simulated </a:t>
             </a:r>
             <a:r>
-              <a:rPr lang="en-US" dirty="0" smtClean="0"/>
+              <a:rPr lang="en-US" dirty="0"/>
               <a:t>by modifying the GUI on the fly (including changing the URL in the address bar)</a:t>
             </a:r>
-            <a:endParaRPr lang="en-US" dirty="0"/>
           </a:p>
         </p:txBody>
       </p:sp>
@@ -5848,10 +5973,9 @@
           <a:lstStyle/>
           <a:p>
             <a:r>
-              <a:rPr lang="en-US" dirty="0" smtClean="0"/>
+              <a:rPr lang="en-US" dirty="0"/>
               <a:t>Fetching New Data</a:t>
             </a:r>
-            <a:endParaRPr lang="en-US" dirty="0"/>
           </a:p>
         </p:txBody>
       </p:sp>
@@ -5878,34 +6002,34 @@
           <a:lstStyle/>
           <a:p>
             <a:r>
-              <a:rPr lang="en-US" dirty="0" smtClean="0"/>
+              <a:rPr lang="en-US" dirty="0"/>
               <a:t>Even if HTML is generated on browser with JS, we still need to communicate with server</a:t>
             </a:r>
           </a:p>
           <a:p>
             <a:pPr lvl="1"/>
             <a:r>
-              <a:rPr lang="en-US" dirty="0" smtClean="0"/>
+              <a:rPr lang="en-US" dirty="0"/>
               <a:t>to save/load data</a:t>
             </a:r>
           </a:p>
           <a:p>
             <a:r>
-              <a:rPr lang="en-US" dirty="0" smtClean="0"/>
+              <a:rPr lang="en-US" dirty="0"/>
               <a:t>We will </a:t>
             </a:r>
             <a:r>
-              <a:rPr lang="en-US" b="1" dirty="0" smtClean="0"/>
+              <a:rPr lang="en-US" b="1" dirty="0"/>
               <a:t>NOT</a:t>
             </a:r>
             <a:r>
-              <a:rPr lang="en-US" dirty="0" smtClean="0"/>
+              <a:rPr lang="en-US" dirty="0"/>
               <a:t> get any new HTML file </a:t>
             </a:r>
           </a:p>
           <a:p>
             <a:r>
-              <a:rPr lang="en-US" dirty="0" smtClean="0"/>
+              <a:rPr lang="en-US" dirty="0"/>
               <a:t>Just data in JSON format</a:t>
             </a:r>
           </a:p>
@@ -5913,41 +6037,37 @@
             <a:pPr lvl="1"/>
             <a:r>
               <a:rPr lang="en-US" i="1" dirty="0"/>
-              <a:t>JavaScript Object </a:t>
-            </a:r>
-            <a:r>
-              <a:rPr lang="en-US" i="1" dirty="0" smtClean="0"/>
-              <a:t>Notation</a:t>
-            </a:r>
-          </a:p>
-          <a:p>
-            <a:r>
-              <a:rPr lang="en-US" dirty="0" smtClean="0"/>
+              <a:t>JavaScript Object Notation</a:t>
+            </a:r>
+          </a:p>
+          <a:p>
+            <a:r>
+              <a:rPr lang="en-US" dirty="0"/>
               <a:t>JS will update DOM based on JSON data</a:t>
             </a:r>
           </a:p>
           <a:p>
             <a:r>
-              <a:rPr lang="en-US" i="1" dirty="0" smtClean="0"/>
+              <a:rPr lang="en-US" i="1" dirty="0"/>
               <a:t>Web Servers </a:t>
             </a:r>
             <a:r>
-              <a:rPr lang="en-US" dirty="0" smtClean="0"/>
+              <a:rPr lang="en-US" dirty="0"/>
               <a:t>will provide the JSON data</a:t>
             </a:r>
           </a:p>
           <a:p>
             <a:pPr lvl="1"/>
             <a:r>
-              <a:rPr lang="en-US" dirty="0" smtClean="0"/>
+              <a:rPr lang="en-US" dirty="0"/>
               <a:t>in rest of the course, we will see REST and </a:t>
             </a:r>
             <a:r>
-              <a:rPr lang="en-US" dirty="0" err="1" smtClean="0"/>
+              <a:rPr lang="en-US" dirty="0" err="1"/>
               <a:t>GrahpQL</a:t>
             </a:r>
             <a:r>
-              <a:rPr lang="en-US" dirty="0" smtClean="0"/>
+              <a:rPr lang="en-US" dirty="0"/>
               <a:t> APIs</a:t>
             </a:r>
           </a:p>
@@ -6002,10 +6122,9 @@
           <a:lstStyle/>
           <a:p>
             <a:r>
-              <a:rPr lang="en-US" dirty="0" smtClean="0"/>
+              <a:rPr lang="en-US" dirty="0"/>
               <a:t>SPA Complexity</a:t>
             </a:r>
-            <a:endParaRPr lang="en-US" dirty="0"/>
           </a:p>
         </p:txBody>
       </p:sp>
@@ -6030,49 +6149,48 @@
           <a:lstStyle/>
           <a:p>
             <a:r>
-              <a:rPr lang="en-US" dirty="0" smtClean="0"/>
+              <a:rPr lang="en-US" dirty="0"/>
               <a:t>Now we can have a LOT of JS code in the frontend</a:t>
             </a:r>
           </a:p>
           <a:p>
             <a:r>
-              <a:rPr lang="en-US" i="1" dirty="0" smtClean="0"/>
+              <a:rPr lang="en-US" i="1" dirty="0"/>
               <a:t>Manually</a:t>
             </a:r>
             <a:r>
-              <a:rPr lang="en-US" dirty="0" smtClean="0"/>
+              <a:rPr lang="en-US" dirty="0"/>
               <a:t> updating the DOM at each </a:t>
             </a:r>
             <a:r>
-              <a:rPr lang="en-US" i="1" dirty="0" smtClean="0"/>
+              <a:rPr lang="en-US" i="1" dirty="0"/>
               <a:t>state change</a:t>
             </a:r>
             <a:r>
-              <a:rPr lang="en-US" dirty="0" smtClean="0"/>
+              <a:rPr lang="en-US" dirty="0"/>
               <a:t>, and at each </a:t>
             </a:r>
             <a:r>
-              <a:rPr lang="en-US" i="1" dirty="0" smtClean="0"/>
+              <a:rPr lang="en-US" i="1" dirty="0"/>
               <a:t>browser event </a:t>
             </a:r>
             <a:r>
-              <a:rPr lang="en-US" dirty="0" smtClean="0"/>
+              <a:rPr lang="en-US" dirty="0"/>
               <a:t>is not scalable</a:t>
             </a:r>
           </a:p>
           <a:p>
             <a:pPr lvl="1"/>
             <a:r>
-              <a:rPr lang="en-US" dirty="0" smtClean="0"/>
+              <a:rPr lang="en-US" dirty="0"/>
               <a:t>Can be done, but it quickly becomes a mess</a:t>
             </a:r>
           </a:p>
           <a:p>
             <a:r>
-              <a:rPr lang="en-US" dirty="0" smtClean="0"/>
+              <a:rPr lang="en-US" dirty="0"/>
               <a:t>We need design patterns and tool support to handle such complexity</a:t>
             </a:r>
-            <a:endParaRPr lang="en-US" dirty="0"/>
           </a:p>
         </p:txBody>
       </p:sp>
@@ -6122,10 +6240,9 @@
           <a:lstStyle/>
           <a:p>
             <a:r>
-              <a:rPr lang="en-US" dirty="0" smtClean="0"/>
+              <a:rPr lang="en-US" dirty="0"/>
               <a:t>Libraries/Frameworks</a:t>
             </a:r>
-            <a:endParaRPr lang="en-US" dirty="0"/>
           </a:p>
         </p:txBody>
       </p:sp>
@@ -6152,92 +6269,91 @@
           <a:lstStyle/>
           <a:p>
             <a:r>
-              <a:rPr lang="en-US" dirty="0" smtClean="0"/>
+              <a:rPr lang="en-US" dirty="0"/>
               <a:t>Frontend technologies vary very quickly</a:t>
             </a:r>
           </a:p>
           <a:p>
             <a:r>
-              <a:rPr lang="en-US" dirty="0" smtClean="0"/>
+              <a:rPr lang="en-US" dirty="0"/>
               <a:t>As this time of writing, there are 3 main ones, all </a:t>
             </a:r>
             <a:r>
-              <a:rPr lang="en-US" i="1" dirty="0" smtClean="0"/>
+              <a:rPr lang="en-US" i="1" dirty="0"/>
               <a:t>open-source</a:t>
             </a:r>
           </a:p>
           <a:p>
             <a:r>
-              <a:rPr lang="en-US" b="1" dirty="0" smtClean="0"/>
+              <a:rPr lang="en-US" b="1" dirty="0"/>
               <a:t>React</a:t>
             </a:r>
             <a:r>
-              <a:rPr lang="en-US" dirty="0" smtClean="0"/>
+              <a:rPr lang="en-US" dirty="0"/>
               <a:t>: made by Facebook</a:t>
             </a:r>
           </a:p>
           <a:p>
             <a:pPr lvl="1"/>
             <a:r>
-              <a:rPr lang="en-US" dirty="0" smtClean="0"/>
+              <a:rPr lang="en-US" dirty="0"/>
               <a:t>the one we use in this course</a:t>
             </a:r>
           </a:p>
           <a:p>
             <a:pPr lvl="1"/>
             <a:r>
-              <a:rPr lang="en-US" dirty="0" smtClean="0"/>
+              <a:rPr lang="en-US" dirty="0"/>
               <a:t>most popular, widely used in many Norwegian companies</a:t>
             </a:r>
           </a:p>
           <a:p>
             <a:r>
-              <a:rPr lang="en-US" b="1" dirty="0" smtClean="0"/>
+              <a:rPr lang="en-US" b="1" dirty="0"/>
               <a:t>Angular</a:t>
             </a:r>
             <a:r>
-              <a:rPr lang="en-US" dirty="0" smtClean="0"/>
+              <a:rPr lang="en-US" dirty="0"/>
               <a:t>: made by Google</a:t>
             </a:r>
           </a:p>
           <a:p>
             <a:pPr lvl="1"/>
             <a:r>
-              <a:rPr lang="en-US" dirty="0" smtClean="0"/>
+              <a:rPr lang="en-US" dirty="0"/>
               <a:t>whole framework, heavy-weight</a:t>
             </a:r>
           </a:p>
           <a:p>
             <a:pPr lvl="1"/>
             <a:r>
-              <a:rPr lang="en-US" dirty="0" smtClean="0"/>
+              <a:rPr lang="en-US" dirty="0"/>
               <a:t>still widely used, but losing popularity</a:t>
             </a:r>
           </a:p>
           <a:p>
             <a:r>
-              <a:rPr lang="en-US" b="1" dirty="0" err="1" smtClean="0"/>
+              <a:rPr lang="en-US" b="1" dirty="0" err="1"/>
               <a:t>Vue</a:t>
             </a:r>
             <a:r>
-              <a:rPr lang="en-US" dirty="0" smtClean="0"/>
+              <a:rPr lang="en-US" dirty="0"/>
               <a:t>: one main developer/author</a:t>
             </a:r>
           </a:p>
           <a:p>
             <a:pPr lvl="1"/>
             <a:r>
-              <a:rPr lang="en-US" dirty="0" smtClean="0"/>
+              <a:rPr lang="en-US" dirty="0"/>
               <a:t>very popular in Asia </a:t>
             </a:r>
           </a:p>
           <a:p>
             <a:pPr lvl="1"/>
             <a:r>
-              <a:rPr lang="en-US" dirty="0" smtClean="0"/>
+              <a:rPr lang="en-US" dirty="0"/>
               <a:t>bus factor…</a:t>
             </a:r>
-            <a:endParaRPr lang="en-US" dirty="0"/>
           </a:p>
         </p:txBody>
       </p:sp>
@@ -6287,10 +6403,9 @@
           <a:lstStyle/>
           <a:p>
             <a:r>
-              <a:rPr lang="en-US" dirty="0" smtClean="0"/>
+              <a:rPr lang="en-US" dirty="0"/>
               <a:t>React Components</a:t>
             </a:r>
-            <a:endParaRPr lang="en-US" dirty="0"/>
           </a:p>
         </p:txBody>
       </p:sp>
@@ -6315,67 +6430,66 @@
           <a:lstStyle/>
           <a:p>
             <a:r>
-              <a:rPr lang="en-US" dirty="0" smtClean="0"/>
+              <a:rPr lang="en-US" dirty="0"/>
               <a:t>Define components (e.g., like objects) with a </a:t>
             </a:r>
             <a:r>
-              <a:rPr lang="en-US" b="1" dirty="0" smtClean="0"/>
+              <a:rPr lang="en-US" b="1" dirty="0"/>
               <a:t>state</a:t>
             </a:r>
             <a:r>
-              <a:rPr lang="en-US" dirty="0" smtClean="0"/>
+              <a:rPr lang="en-US" dirty="0"/>
               <a:t>, and a way to </a:t>
             </a:r>
             <a:r>
-              <a:rPr lang="en-US" b="1" dirty="0" smtClean="0"/>
+              <a:rPr lang="en-US" b="1" dirty="0"/>
               <a:t>render</a:t>
             </a:r>
             <a:r>
-              <a:rPr lang="en-US" dirty="0" smtClean="0"/>
+              <a:rPr lang="en-US" dirty="0"/>
               <a:t> HTML based on such state</a:t>
             </a:r>
           </a:p>
           <a:p>
             <a:r>
-              <a:rPr lang="en-US" dirty="0" smtClean="0"/>
+              <a:rPr lang="en-US" dirty="0"/>
               <a:t>Web page represented with a root component, with children components, in a </a:t>
             </a:r>
             <a:r>
-              <a:rPr lang="en-US" i="1" dirty="0" smtClean="0"/>
+              <a:rPr lang="en-US" i="1" dirty="0"/>
               <a:t>tree</a:t>
             </a:r>
             <a:r>
-              <a:rPr lang="en-US" dirty="0" smtClean="0"/>
+              <a:rPr lang="en-US" dirty="0"/>
               <a:t> structure</a:t>
             </a:r>
           </a:p>
           <a:p>
             <a:pPr lvl="1"/>
             <a:r>
-              <a:rPr lang="en-US" dirty="0" smtClean="0"/>
+              <a:rPr lang="en-US" dirty="0"/>
               <a:t>each component has its own state, and only knows how to render itself</a:t>
             </a:r>
           </a:p>
           <a:p>
             <a:r>
-              <a:rPr lang="en-US" dirty="0" smtClean="0"/>
+              <a:rPr lang="en-US" dirty="0"/>
               <a:t>We will NOT call the rendering directly</a:t>
             </a:r>
           </a:p>
           <a:p>
             <a:r>
-              <a:rPr lang="en-US" dirty="0" smtClean="0"/>
+              <a:rPr lang="en-US" dirty="0"/>
               <a:t>We just change the state of the component, and </a:t>
             </a:r>
             <a:r>
-              <a:rPr lang="en-US" i="1" dirty="0" smtClean="0"/>
+              <a:rPr lang="en-US" i="1" dirty="0"/>
               <a:t>React</a:t>
             </a:r>
             <a:r>
-              <a:rPr lang="en-US" dirty="0" smtClean="0"/>
+              <a:rPr lang="en-US" dirty="0"/>
               <a:t> will automatically re-render what needed</a:t>
             </a:r>
-            <a:endParaRPr lang="en-US" dirty="0"/>
           </a:p>
         </p:txBody>
       </p:sp>
